--- a/Presentacion FitPass.pptx
+++ b/Presentacion FitPass.pptx
@@ -1,42 +1,42 @@
 
 <file path=ppt/presentation.xml><?xml version="1.0" encoding="utf-8"?>
-<p:presentation xmlns:a="http://schemas.openxmlformats.org/drawingml/2006/main" xmlns:r="http://schemas.openxmlformats.org/officeDocument/2006/relationships" xmlns:p="http://schemas.openxmlformats.org/presentationml/2006/main" saveSubsetFonts="1" embedTrueTypeFonts="true">
+<p:presentation xmlns:a="http://schemas.openxmlformats.org/drawingml/2006/main" xmlns:r="http://schemas.openxmlformats.org/officeDocument/2006/relationships" xmlns:p="http://schemas.openxmlformats.org/presentationml/2006/main" embedTrueTypeFonts="1" saveSubsetFonts="1">
   <p:sldMasterIdLst>
     <p:sldMasterId id="2147483648" r:id="rId1"/>
   </p:sldMasterIdLst>
   <p:notesMasterIdLst>
-    <p:notesMasterId r:id="rId17"/>
+    <p:notesMasterId r:id="rId12"/>
   </p:notesMasterIdLst>
   <p:sldIdLst>
-    <p:sldId id="256" r:id="rId6"/>
-    <p:sldId id="257" r:id="rId7"/>
-    <p:sldId id="258" r:id="rId8"/>
-    <p:sldId id="259" r:id="rId9"/>
-    <p:sldId id="260" r:id="rId10"/>
-    <p:sldId id="261" r:id="rId11"/>
-    <p:sldId id="262" r:id="rId12"/>
-    <p:sldId id="263" r:id="rId13"/>
-    <p:sldId id="264" r:id="rId14"/>
-    <p:sldId id="265" r:id="rId15"/>
+    <p:sldId id="256" r:id="rId2"/>
+    <p:sldId id="257" r:id="rId3"/>
+    <p:sldId id="258" r:id="rId4"/>
+    <p:sldId id="259" r:id="rId5"/>
+    <p:sldId id="260" r:id="rId6"/>
+    <p:sldId id="261" r:id="rId7"/>
+    <p:sldId id="262" r:id="rId8"/>
+    <p:sldId id="263" r:id="rId9"/>
+    <p:sldId id="264" r:id="rId10"/>
+    <p:sldId id="265" r:id="rId11"/>
   </p:sldIdLst>
   <p:sldSz cx="18288000" cy="10287000"/>
   <p:notesSz cx="6858000" cy="9144000"/>
   <p:embeddedFontLst>
     <p:embeddedFont>
-      <p:font typeface="Calibri (MS)" charset="1" panose="020F0502020204030204"/>
-      <p:regular r:id="rId16"/>
+      <p:font typeface="Calibri (MS)" panose="020B0604020202020204" charset="0"/>
+      <p:regular r:id="rId13"/>
     </p:embeddedFont>
     <p:embeddedFont>
-      <p:font typeface="Calibri (MS) Bold" charset="1" panose="020F0702030404030204"/>
-      <p:regular r:id="rId20"/>
+      <p:font typeface="Calibri (MS) Bold" panose="020B0604020202020204" charset="0"/>
+      <p:regular r:id="rId14"/>
     </p:embeddedFont>
     <p:embeddedFont>
-      <p:font typeface="Open Sans" charset="1" panose="020B0606030504020204"/>
-      <p:regular r:id="rId21"/>
+      <p:font typeface="Open Sans" panose="020B0606030504020204" pitchFamily="34" charset="0"/>
+      <p:regular r:id="rId15"/>
     </p:embeddedFont>
     <p:embeddedFont>
-      <p:font typeface="Open Sans Bold" charset="1" panose="020B0806030504020204"/>
-      <p:regular r:id="rId23"/>
+      <p:font typeface="Open Sans Bold" panose="020B0604020202020204" charset="0"/>
+      <p:regular r:id="rId16"/>
     </p:embeddedFont>
   </p:embeddedFontLst>
   <p:defaultTextStyle>
@@ -134,6 +134,22 @@
       </a:defRPr>
     </a:lvl9pPr>
   </p:defaultTextStyle>
+  <p:extLst>
+    <p:ext uri="{EFAFB233-063F-42B5-8137-9DF3F51BA10A}">
+      <p15:sldGuideLst xmlns:p15="http://schemas.microsoft.com/office/powerpoint/2012/main">
+        <p15:guide id="1" orient="horz" pos="2160">
+          <p15:clr>
+            <a:srgbClr val="A4A3A4"/>
+          </p15:clr>
+        </p15:guide>
+        <p15:guide id="2" pos="2880">
+          <p15:clr>
+            <a:srgbClr val="A4A3A4"/>
+          </p15:clr>
+        </p15:guide>
+      </p15:sldGuideLst>
+    </p:ext>
+  </p:extLst>
 </p:presentation>
 </file>
 
@@ -219,7 +235,7 @@
           <a:p>
             <a:fld id="{B7268E1E-0E44-426D-905E-8AD9B19D2182}" type="datetimeFigureOut">
               <a:rPr lang="cs-CZ" smtClean="0"/>
-              <a:t>1.7.2013</a:t>
+              <a:t>06.09.2025</a:t>
             </a:fld>
             <a:endParaRPr lang="cs-CZ"/>
           </a:p>
@@ -283,35 +299,35 @@
           <a:p>
             <a:pPr lvl="0"/>
             <a:r>
-              <a:rPr lang="en-US" smtClean="0"/>
+              <a:rPr lang="en-US"/>
               <a:t>Click to edit Master text styles</a:t>
             </a:r>
           </a:p>
           <a:p>
             <a:pPr lvl="1"/>
             <a:r>
-              <a:rPr lang="en-US" smtClean="0"/>
+              <a:rPr lang="en-US"/>
               <a:t>Second level</a:t>
             </a:r>
           </a:p>
           <a:p>
             <a:pPr lvl="2"/>
             <a:r>
-              <a:rPr lang="en-US" smtClean="0"/>
+              <a:rPr lang="en-US"/>
               <a:t>Third level</a:t>
             </a:r>
           </a:p>
           <a:p>
             <a:pPr lvl="3"/>
             <a:r>
-              <a:rPr lang="en-US" smtClean="0"/>
+              <a:rPr lang="en-US"/>
               <a:t>Fourth level</a:t>
             </a:r>
           </a:p>
           <a:p>
             <a:pPr lvl="4"/>
             <a:r>
-              <a:rPr lang="en-US" smtClean="0"/>
+              <a:rPr lang="en-US"/>
               <a:t>Fifth level</a:t>
             </a:r>
             <a:endParaRPr lang="cs-CZ"/>
@@ -378,7 +394,7 @@
           <a:p>
             <a:fld id="{871B2431-D351-4C6E-A3CF-9DFAC0E3E050}" type="slidenum">
               <a:rPr lang="cs-CZ" smtClean="0"/>
-              <a:t>‹#›</a:t>
+              <a:t>‹Nº›</a:t>
             </a:fld>
             <a:endParaRPr lang="cs-CZ"/>
           </a:p>
@@ -488,9 +504,9 @@
 </file>
 
 <file path=ppt/notesSlides/notesSlide1.xml><?xml version="1.0" encoding="utf-8"?>
-<p:notes xmlns:p="http://schemas.openxmlformats.org/presentationml/2006/main" xmlns:a="http://schemas.openxmlformats.org/drawingml/2006/main">
+<p:notes xmlns:a="http://schemas.openxmlformats.org/drawingml/2006/main" xmlns:r="http://schemas.openxmlformats.org/officeDocument/2006/relationships" xmlns:p="http://schemas.openxmlformats.org/presentationml/2006/main">
   <p:cSld>
-    <p:spTree xmlns:r="http://schemas.openxmlformats.org/officeDocument/2006/relationships">
+    <p:spTree>
       <p:nvGrpSpPr>
         <p:cNvPr id="1" name=""/>
         <p:cNvGrpSpPr/>
@@ -530,7 +546,9 @@
               <a:defRPr sz="1200"/>
             </a:lvl1pPr>
           </a:lstStyle>
-          <a:p/>
+          <a:p>
+            <a:endParaRPr/>
+          </a:p>
         </p:txBody>
       </p:sp>
       <p:sp>
@@ -560,8 +578,8 @@
             </a:lvl1pPr>
           </a:lstStyle>
           <a:p>
-            <a:r id="{B7268E1E-0E44-426D-905E-8AD9B19D2182}" type="datetimeFigureOut">
-              <a:rPr lang="cs-CZ" smtClean="0"/>
+            <a:r>
+              <a:rPr lang="cs-CZ"/>
               <a:t>1.7.2013</a:t>
             </a:r>
           </a:p>
@@ -579,8 +597,8 @@
         </p:nvSpPr>
         <p:spPr>
           <a:xfrm>
-            <a:off x="2857500" y="512763"/>
-            <a:ext cx="3429000" cy="2566987"/>
+            <a:off x="2290763" y="512763"/>
+            <a:ext cx="4562475" cy="2566987"/>
           </a:xfrm>
           <a:prstGeom prst="rect">
             <a:avLst/>
@@ -595,7 +613,9 @@
         <p:txBody>
           <a:bodyPr vert="horz" lIns="91440" tIns="45720" rIns="91440" bIns="45720" rtlCol="0" anchor="ctr"/>
           <a:lstStyle/>
-          <a:p/>
+          <a:p>
+            <a:endParaRPr/>
+          </a:p>
         </p:txBody>
       </p:sp>
       <p:sp>
@@ -625,7 +645,6 @@
               <a:rPr lang="en-US"/>
               <a:t>Especificar bien los roles, y funciones desempeñadas, no pueden haber dos scrum master por obvias razones.</a:t>
             </a:r>
-            <a:endParaRPr lang="en-US" smtClean="0"/>
           </a:p>
         </p:txBody>
       </p:sp>
@@ -655,7 +674,9 @@
               <a:defRPr sz="1200"/>
             </a:lvl1pPr>
           </a:lstStyle>
-          <a:p/>
+          <a:p>
+            <a:endParaRPr/>
+          </a:p>
         </p:txBody>
       </p:sp>
       <p:sp>
@@ -685,8 +706,8 @@
             </a:lvl1pPr>
           </a:lstStyle>
           <a:p>
-            <a:r id="{871B2431-D351-4C6E-A3CF-9DFAC0E3E050}" type="slidenum">
-              <a:rPr lang="cs-CZ" smtClean="0"/>
+            <a:r>
+              <a:rPr lang="cs-CZ"/>
               <a:t>‹#›</a:t>
             </a:r>
           </a:p>
@@ -701,9 +722,9 @@
 </file>
 
 <file path=ppt/notesSlides/notesSlide2.xml><?xml version="1.0" encoding="utf-8"?>
-<p:notes xmlns:p="http://schemas.openxmlformats.org/presentationml/2006/main" xmlns:a="http://schemas.openxmlformats.org/drawingml/2006/main">
+<p:notes xmlns:a="http://schemas.openxmlformats.org/drawingml/2006/main" xmlns:r="http://schemas.openxmlformats.org/officeDocument/2006/relationships" xmlns:p="http://schemas.openxmlformats.org/presentationml/2006/main">
   <p:cSld>
-    <p:spTree xmlns:r="http://schemas.openxmlformats.org/officeDocument/2006/relationships">
+    <p:spTree>
       <p:nvGrpSpPr>
         <p:cNvPr id="1" name=""/>
         <p:cNvGrpSpPr/>
@@ -743,7 +764,9 @@
               <a:defRPr sz="1200"/>
             </a:lvl1pPr>
           </a:lstStyle>
-          <a:p/>
+          <a:p>
+            <a:endParaRPr/>
+          </a:p>
         </p:txBody>
       </p:sp>
       <p:sp>
@@ -773,8 +796,8 @@
             </a:lvl1pPr>
           </a:lstStyle>
           <a:p>
-            <a:r id="{B7268E1E-0E44-426D-905E-8AD9B19D2182}" type="datetimeFigureOut">
-              <a:rPr lang="cs-CZ" smtClean="0"/>
+            <a:r>
+              <a:rPr lang="cs-CZ"/>
               <a:t>1.7.2013</a:t>
             </a:r>
           </a:p>
@@ -808,7 +831,9 @@
         <p:txBody>
           <a:bodyPr vert="horz" lIns="91440" tIns="45720" rIns="91440" bIns="45720" rtlCol="0" anchor="ctr"/>
           <a:lstStyle/>
-          <a:p/>
+          <a:p>
+            <a:endParaRPr/>
+          </a:p>
         </p:txBody>
       </p:sp>
       <p:sp>
@@ -838,7 +863,6 @@
               <a:rPr lang="en-US"/>
               <a:t>El alcance debe abarcar lo que vamos a entregar si o si.</a:t>
             </a:r>
-            <a:endParaRPr lang="en-US" smtClean="0"/>
           </a:p>
         </p:txBody>
       </p:sp>
@@ -868,7 +892,9 @@
               <a:defRPr sz="1200"/>
             </a:lvl1pPr>
           </a:lstStyle>
-          <a:p/>
+          <a:p>
+            <a:endParaRPr/>
+          </a:p>
         </p:txBody>
       </p:sp>
       <p:sp>
@@ -898,8 +924,8 @@
             </a:lvl1pPr>
           </a:lstStyle>
           <a:p>
-            <a:r id="{871B2431-D351-4C6E-A3CF-9DFAC0E3E050}" type="slidenum">
-              <a:rPr lang="cs-CZ" smtClean="0"/>
+            <a:r>
+              <a:rPr lang="cs-CZ"/>
               <a:t>‹#›</a:t>
             </a:r>
           </a:p>
@@ -914,9 +940,9 @@
 </file>
 
 <file path=ppt/notesSlides/notesSlide3.xml><?xml version="1.0" encoding="utf-8"?>
-<p:notes xmlns:p="http://schemas.openxmlformats.org/presentationml/2006/main" xmlns:a="http://schemas.openxmlformats.org/drawingml/2006/main">
+<p:notes xmlns:a="http://schemas.openxmlformats.org/drawingml/2006/main" xmlns:r="http://schemas.openxmlformats.org/officeDocument/2006/relationships" xmlns:p="http://schemas.openxmlformats.org/presentationml/2006/main">
   <p:cSld>
-    <p:spTree xmlns:r="http://schemas.openxmlformats.org/officeDocument/2006/relationships">
+    <p:spTree>
       <p:nvGrpSpPr>
         <p:cNvPr id="1" name=""/>
         <p:cNvGrpSpPr/>
@@ -956,7 +982,9 @@
               <a:defRPr sz="1200"/>
             </a:lvl1pPr>
           </a:lstStyle>
-          <a:p/>
+          <a:p>
+            <a:endParaRPr/>
+          </a:p>
         </p:txBody>
       </p:sp>
       <p:sp>
@@ -986,8 +1014,8 @@
             </a:lvl1pPr>
           </a:lstStyle>
           <a:p>
-            <a:r id="{B7268E1E-0E44-426D-905E-8AD9B19D2182}" type="datetimeFigureOut">
-              <a:rPr lang="cs-CZ" smtClean="0"/>
+            <a:r>
+              <a:rPr lang="cs-CZ"/>
               <a:t>1.7.2013</a:t>
             </a:r>
           </a:p>
@@ -1021,7 +1049,9 @@
         <p:txBody>
           <a:bodyPr vert="horz" lIns="91440" tIns="45720" rIns="91440" bIns="45720" rtlCol="0" anchor="ctr"/>
           <a:lstStyle/>
-          <a:p/>
+          <a:p>
+            <a:endParaRPr/>
+          </a:p>
         </p:txBody>
       </p:sp>
       <p:sp>
@@ -1051,7 +1081,6 @@
               <a:rPr lang="en-US"/>
               <a:t>como lo aplicamos, cuantos sprint, releases</a:t>
             </a:r>
-            <a:endParaRPr lang="en-US" smtClean="0"/>
           </a:p>
         </p:txBody>
       </p:sp>
@@ -1081,7 +1110,9 @@
               <a:defRPr sz="1200"/>
             </a:lvl1pPr>
           </a:lstStyle>
-          <a:p/>
+          <a:p>
+            <a:endParaRPr/>
+          </a:p>
         </p:txBody>
       </p:sp>
       <p:sp>
@@ -1111,8 +1142,8 @@
             </a:lvl1pPr>
           </a:lstStyle>
           <a:p>
-            <a:r id="{871B2431-D351-4C6E-A3CF-9DFAC0E3E050}" type="slidenum">
-              <a:rPr lang="cs-CZ" smtClean="0"/>
+            <a:r>
+              <a:rPr lang="cs-CZ"/>
               <a:t>‹#›</a:t>
             </a:r>
           </a:p>
@@ -1164,10 +1195,9 @@
           <a:lstStyle/>
           <a:p>
             <a:r>
-              <a:rPr lang="en-US" smtClean="0"/>
+              <a:rPr lang="en-US"/>
               <a:t>Click to edit Master title style</a:t>
             </a:r>
-            <a:endParaRPr lang="en-US"/>
           </a:p>
         </p:txBody>
       </p:sp>
@@ -1283,10 +1313,9 @@
           </a:lstStyle>
           <a:p>
             <a:r>
-              <a:rPr lang="en-US" smtClean="0"/>
+              <a:rPr lang="en-US"/>
               <a:t>Click to edit Master subtitle style</a:t>
             </a:r>
-            <a:endParaRPr lang="en-US"/>
           </a:p>
         </p:txBody>
       </p:sp>
@@ -1308,7 +1337,7 @@
             <a:fld id="{1D8BD707-D9CF-40AE-B4C6-C98DA3205C09}" type="datetimeFigureOut">
               <a:rPr lang="en-US" smtClean="0"/>
               <a:pPr/>
-              <a:t>8/1/2011</a:t>
+              <a:t>9/6/2025</a:t>
             </a:fld>
             <a:endParaRPr lang="en-US"/>
           </a:p>
@@ -1351,7 +1380,7 @@
             <a:fld id="{B6F15528-21DE-4FAA-801E-634DDDAF4B2B}" type="slidenum">
               <a:rPr lang="en-US" smtClean="0"/>
               <a:pPr/>
-              <a:t>‹#›</a:t>
+              <a:t>‹Nº›</a:t>
             </a:fld>
             <a:endParaRPr lang="en-US"/>
           </a:p>
@@ -1398,10 +1427,9 @@
           <a:lstStyle/>
           <a:p>
             <a:r>
-              <a:rPr lang="en-US" smtClean="0"/>
+              <a:rPr lang="en-US"/>
               <a:t>Click to edit Master title style</a:t>
             </a:r>
-            <a:endParaRPr lang="en-US"/>
           </a:p>
         </p:txBody>
       </p:sp>
@@ -1422,38 +1450,37 @@
           <a:p>
             <a:pPr lvl="0"/>
             <a:r>
-              <a:rPr lang="en-US" smtClean="0"/>
+              <a:rPr lang="en-US"/>
               <a:t>Click to edit Master text styles</a:t>
             </a:r>
           </a:p>
           <a:p>
             <a:pPr lvl="1"/>
             <a:r>
-              <a:rPr lang="en-US" smtClean="0"/>
+              <a:rPr lang="en-US"/>
               <a:t>Second level</a:t>
             </a:r>
           </a:p>
           <a:p>
             <a:pPr lvl="2"/>
             <a:r>
-              <a:rPr lang="en-US" smtClean="0"/>
+              <a:rPr lang="en-US"/>
               <a:t>Third level</a:t>
             </a:r>
           </a:p>
           <a:p>
             <a:pPr lvl="3"/>
             <a:r>
-              <a:rPr lang="en-US" smtClean="0"/>
+              <a:rPr lang="en-US"/>
               <a:t>Fourth level</a:t>
             </a:r>
           </a:p>
           <a:p>
             <a:pPr lvl="4"/>
             <a:r>
-              <a:rPr lang="en-US" smtClean="0"/>
+              <a:rPr lang="en-US"/>
               <a:t>Fifth level</a:t>
             </a:r>
-            <a:endParaRPr lang="en-US"/>
           </a:p>
         </p:txBody>
       </p:sp>
@@ -1475,7 +1502,7 @@
             <a:fld id="{1D8BD707-D9CF-40AE-B4C6-C98DA3205C09}" type="datetimeFigureOut">
               <a:rPr lang="en-US" smtClean="0"/>
               <a:pPr/>
-              <a:t>8/1/2011</a:t>
+              <a:t>9/6/2025</a:t>
             </a:fld>
             <a:endParaRPr lang="en-US"/>
           </a:p>
@@ -1518,7 +1545,7 @@
             <a:fld id="{B6F15528-21DE-4FAA-801E-634DDDAF4B2B}" type="slidenum">
               <a:rPr lang="en-US" smtClean="0"/>
               <a:pPr/>
-              <a:t>‹#›</a:t>
+              <a:t>‹Nº›</a:t>
             </a:fld>
             <a:endParaRPr lang="en-US"/>
           </a:p>
@@ -1570,10 +1597,9 @@
           <a:lstStyle/>
           <a:p>
             <a:r>
-              <a:rPr lang="en-US" smtClean="0"/>
+              <a:rPr lang="en-US"/>
               <a:t>Click to edit Master title style</a:t>
             </a:r>
-            <a:endParaRPr lang="en-US"/>
           </a:p>
         </p:txBody>
       </p:sp>
@@ -1599,38 +1625,37 @@
           <a:p>
             <a:pPr lvl="0"/>
             <a:r>
-              <a:rPr lang="en-US" smtClean="0"/>
+              <a:rPr lang="en-US"/>
               <a:t>Click to edit Master text styles</a:t>
             </a:r>
           </a:p>
           <a:p>
             <a:pPr lvl="1"/>
             <a:r>
-              <a:rPr lang="en-US" smtClean="0"/>
+              <a:rPr lang="en-US"/>
               <a:t>Second level</a:t>
             </a:r>
           </a:p>
           <a:p>
             <a:pPr lvl="2"/>
             <a:r>
-              <a:rPr lang="en-US" smtClean="0"/>
+              <a:rPr lang="en-US"/>
               <a:t>Third level</a:t>
             </a:r>
           </a:p>
           <a:p>
             <a:pPr lvl="3"/>
             <a:r>
-              <a:rPr lang="en-US" smtClean="0"/>
+              <a:rPr lang="en-US"/>
               <a:t>Fourth level</a:t>
             </a:r>
           </a:p>
           <a:p>
             <a:pPr lvl="4"/>
             <a:r>
-              <a:rPr lang="en-US" smtClean="0"/>
+              <a:rPr lang="en-US"/>
               <a:t>Fifth level</a:t>
             </a:r>
-            <a:endParaRPr lang="en-US"/>
           </a:p>
         </p:txBody>
       </p:sp>
@@ -1652,7 +1677,7 @@
             <a:fld id="{1D8BD707-D9CF-40AE-B4C6-C98DA3205C09}" type="datetimeFigureOut">
               <a:rPr lang="en-US" smtClean="0"/>
               <a:pPr/>
-              <a:t>8/1/2011</a:t>
+              <a:t>9/6/2025</a:t>
             </a:fld>
             <a:endParaRPr lang="en-US"/>
           </a:p>
@@ -1695,7 +1720,7 @@
             <a:fld id="{B6F15528-21DE-4FAA-801E-634DDDAF4B2B}" type="slidenum">
               <a:rPr lang="en-US" smtClean="0"/>
               <a:pPr/>
-              <a:t>‹#›</a:t>
+              <a:t>‹Nº›</a:t>
             </a:fld>
             <a:endParaRPr lang="en-US"/>
           </a:p>
@@ -1742,10 +1767,9 @@
           <a:lstStyle/>
           <a:p>
             <a:r>
-              <a:rPr lang="en-US" smtClean="0"/>
+              <a:rPr lang="en-US"/>
               <a:t>Click to edit Master title style</a:t>
             </a:r>
-            <a:endParaRPr lang="en-US"/>
           </a:p>
         </p:txBody>
       </p:sp>
@@ -1766,38 +1790,37 @@
           <a:p>
             <a:pPr lvl="0"/>
             <a:r>
-              <a:rPr lang="en-US" smtClean="0"/>
+              <a:rPr lang="en-US"/>
               <a:t>Click to edit Master text styles</a:t>
             </a:r>
           </a:p>
           <a:p>
             <a:pPr lvl="1"/>
             <a:r>
-              <a:rPr lang="en-US" smtClean="0"/>
+              <a:rPr lang="en-US"/>
               <a:t>Second level</a:t>
             </a:r>
           </a:p>
           <a:p>
             <a:pPr lvl="2"/>
             <a:r>
-              <a:rPr lang="en-US" smtClean="0"/>
+              <a:rPr lang="en-US"/>
               <a:t>Third level</a:t>
             </a:r>
           </a:p>
           <a:p>
             <a:pPr lvl="3"/>
             <a:r>
-              <a:rPr lang="en-US" smtClean="0"/>
+              <a:rPr lang="en-US"/>
               <a:t>Fourth level</a:t>
             </a:r>
           </a:p>
           <a:p>
             <a:pPr lvl="4"/>
             <a:r>
-              <a:rPr lang="en-US" smtClean="0"/>
+              <a:rPr lang="en-US"/>
               <a:t>Fifth level</a:t>
             </a:r>
-            <a:endParaRPr lang="en-US"/>
           </a:p>
         </p:txBody>
       </p:sp>
@@ -1819,7 +1842,7 @@
             <a:fld id="{1D8BD707-D9CF-40AE-B4C6-C98DA3205C09}" type="datetimeFigureOut">
               <a:rPr lang="en-US" smtClean="0"/>
               <a:pPr/>
-              <a:t>8/1/2011</a:t>
+              <a:t>9/6/2025</a:t>
             </a:fld>
             <a:endParaRPr lang="en-US"/>
           </a:p>
@@ -1862,7 +1885,7 @@
             <a:fld id="{B6F15528-21DE-4FAA-801E-634DDDAF4B2B}" type="slidenum">
               <a:rPr lang="en-US" smtClean="0"/>
               <a:pPr/>
-              <a:t>‹#›</a:t>
+              <a:t>‹Nº›</a:t>
             </a:fld>
             <a:endParaRPr lang="en-US"/>
           </a:p>
@@ -1918,10 +1941,9 @@
           </a:lstStyle>
           <a:p>
             <a:r>
-              <a:rPr lang="en-US" smtClean="0"/>
+              <a:rPr lang="en-US"/>
               <a:t>Click to edit Master title style</a:t>
             </a:r>
-            <a:endParaRPr lang="en-US"/>
           </a:p>
         </p:txBody>
       </p:sp>
@@ -2038,7 +2060,7 @@
           <a:p>
             <a:pPr lvl="0"/>
             <a:r>
-              <a:rPr lang="en-US" smtClean="0"/>
+              <a:rPr lang="en-US"/>
               <a:t>Click to edit Master text styles</a:t>
             </a:r>
           </a:p>
@@ -2062,7 +2084,7 @@
             <a:fld id="{1D8BD707-D9CF-40AE-B4C6-C98DA3205C09}" type="datetimeFigureOut">
               <a:rPr lang="en-US" smtClean="0"/>
               <a:pPr/>
-              <a:t>8/1/2011</a:t>
+              <a:t>9/6/2025</a:t>
             </a:fld>
             <a:endParaRPr lang="en-US"/>
           </a:p>
@@ -2105,7 +2127,7 @@
             <a:fld id="{B6F15528-21DE-4FAA-801E-634DDDAF4B2B}" type="slidenum">
               <a:rPr lang="en-US" smtClean="0"/>
               <a:pPr/>
-              <a:t>‹#›</a:t>
+              <a:t>‹Nº›</a:t>
             </a:fld>
             <a:endParaRPr lang="en-US"/>
           </a:p>
@@ -2152,10 +2174,9 @@
           <a:lstStyle/>
           <a:p>
             <a:r>
-              <a:rPr lang="en-US" smtClean="0"/>
+              <a:rPr lang="en-US"/>
               <a:t>Click to edit Master title style</a:t>
             </a:r>
-            <a:endParaRPr lang="en-US"/>
           </a:p>
         </p:txBody>
       </p:sp>
@@ -2209,38 +2230,37 @@
           <a:p>
             <a:pPr lvl="0"/>
             <a:r>
-              <a:rPr lang="en-US" smtClean="0"/>
+              <a:rPr lang="en-US"/>
               <a:t>Click to edit Master text styles</a:t>
             </a:r>
           </a:p>
           <a:p>
             <a:pPr lvl="1"/>
             <a:r>
-              <a:rPr lang="en-US" smtClean="0"/>
+              <a:rPr lang="en-US"/>
               <a:t>Second level</a:t>
             </a:r>
           </a:p>
           <a:p>
             <a:pPr lvl="2"/>
             <a:r>
-              <a:rPr lang="en-US" smtClean="0"/>
+              <a:rPr lang="en-US"/>
               <a:t>Third level</a:t>
             </a:r>
           </a:p>
           <a:p>
             <a:pPr lvl="3"/>
             <a:r>
-              <a:rPr lang="en-US" smtClean="0"/>
+              <a:rPr lang="en-US"/>
               <a:t>Fourth level</a:t>
             </a:r>
           </a:p>
           <a:p>
             <a:pPr lvl="4"/>
             <a:r>
-              <a:rPr lang="en-US" smtClean="0"/>
+              <a:rPr lang="en-US"/>
               <a:t>Fifth level</a:t>
             </a:r>
-            <a:endParaRPr lang="en-US"/>
           </a:p>
         </p:txBody>
       </p:sp>
@@ -2294,38 +2314,37 @@
           <a:p>
             <a:pPr lvl="0"/>
             <a:r>
-              <a:rPr lang="en-US" smtClean="0"/>
+              <a:rPr lang="en-US"/>
               <a:t>Click to edit Master text styles</a:t>
             </a:r>
           </a:p>
           <a:p>
             <a:pPr lvl="1"/>
             <a:r>
-              <a:rPr lang="en-US" smtClean="0"/>
+              <a:rPr lang="en-US"/>
               <a:t>Second level</a:t>
             </a:r>
           </a:p>
           <a:p>
             <a:pPr lvl="2"/>
             <a:r>
-              <a:rPr lang="en-US" smtClean="0"/>
+              <a:rPr lang="en-US"/>
               <a:t>Third level</a:t>
             </a:r>
           </a:p>
           <a:p>
             <a:pPr lvl="3"/>
             <a:r>
-              <a:rPr lang="en-US" smtClean="0"/>
+              <a:rPr lang="en-US"/>
               <a:t>Fourth level</a:t>
             </a:r>
           </a:p>
           <a:p>
             <a:pPr lvl="4"/>
             <a:r>
-              <a:rPr lang="en-US" smtClean="0"/>
+              <a:rPr lang="en-US"/>
               <a:t>Fifth level</a:t>
             </a:r>
-            <a:endParaRPr lang="en-US"/>
           </a:p>
         </p:txBody>
       </p:sp>
@@ -2347,7 +2366,7 @@
             <a:fld id="{1D8BD707-D9CF-40AE-B4C6-C98DA3205C09}" type="datetimeFigureOut">
               <a:rPr lang="en-US" smtClean="0"/>
               <a:pPr/>
-              <a:t>8/1/2011</a:t>
+              <a:t>9/6/2025</a:t>
             </a:fld>
             <a:endParaRPr lang="en-US"/>
           </a:p>
@@ -2390,7 +2409,7 @@
             <a:fld id="{B6F15528-21DE-4FAA-801E-634DDDAF4B2B}" type="slidenum">
               <a:rPr lang="en-US" smtClean="0"/>
               <a:pPr/>
-              <a:t>‹#›</a:t>
+              <a:t>‹Nº›</a:t>
             </a:fld>
             <a:endParaRPr lang="en-US"/>
           </a:p>
@@ -2441,10 +2460,9 @@
           </a:lstStyle>
           <a:p>
             <a:r>
-              <a:rPr lang="en-US" smtClean="0"/>
+              <a:rPr lang="en-US"/>
               <a:t>Click to edit Master title style</a:t>
             </a:r>
-            <a:endParaRPr lang="en-US"/>
           </a:p>
         </p:txBody>
       </p:sp>
@@ -2507,7 +2525,7 @@
           <a:p>
             <a:pPr lvl="0"/>
             <a:r>
-              <a:rPr lang="en-US" smtClean="0"/>
+              <a:rPr lang="en-US"/>
               <a:t>Click to edit Master text styles</a:t>
             </a:r>
           </a:p>
@@ -2563,38 +2581,37 @@
           <a:p>
             <a:pPr lvl="0"/>
             <a:r>
-              <a:rPr lang="en-US" smtClean="0"/>
+              <a:rPr lang="en-US"/>
               <a:t>Click to edit Master text styles</a:t>
             </a:r>
           </a:p>
           <a:p>
             <a:pPr lvl="1"/>
             <a:r>
-              <a:rPr lang="en-US" smtClean="0"/>
+              <a:rPr lang="en-US"/>
               <a:t>Second level</a:t>
             </a:r>
           </a:p>
           <a:p>
             <a:pPr lvl="2"/>
             <a:r>
-              <a:rPr lang="en-US" smtClean="0"/>
+              <a:rPr lang="en-US"/>
               <a:t>Third level</a:t>
             </a:r>
           </a:p>
           <a:p>
             <a:pPr lvl="3"/>
             <a:r>
-              <a:rPr lang="en-US" smtClean="0"/>
+              <a:rPr lang="en-US"/>
               <a:t>Fourth level</a:t>
             </a:r>
           </a:p>
           <a:p>
             <a:pPr lvl="4"/>
             <a:r>
-              <a:rPr lang="en-US" smtClean="0"/>
+              <a:rPr lang="en-US"/>
               <a:t>Fifth level</a:t>
             </a:r>
-            <a:endParaRPr lang="en-US"/>
           </a:p>
         </p:txBody>
       </p:sp>
@@ -2657,7 +2674,7 @@
           <a:p>
             <a:pPr lvl="0"/>
             <a:r>
-              <a:rPr lang="en-US" smtClean="0"/>
+              <a:rPr lang="en-US"/>
               <a:t>Click to edit Master text styles</a:t>
             </a:r>
           </a:p>
@@ -2713,38 +2730,37 @@
           <a:p>
             <a:pPr lvl="0"/>
             <a:r>
-              <a:rPr lang="en-US" smtClean="0"/>
+              <a:rPr lang="en-US"/>
               <a:t>Click to edit Master text styles</a:t>
             </a:r>
           </a:p>
           <a:p>
             <a:pPr lvl="1"/>
             <a:r>
-              <a:rPr lang="en-US" smtClean="0"/>
+              <a:rPr lang="en-US"/>
               <a:t>Second level</a:t>
             </a:r>
           </a:p>
           <a:p>
             <a:pPr lvl="2"/>
             <a:r>
-              <a:rPr lang="en-US" smtClean="0"/>
+              <a:rPr lang="en-US"/>
               <a:t>Third level</a:t>
             </a:r>
           </a:p>
           <a:p>
             <a:pPr lvl="3"/>
             <a:r>
-              <a:rPr lang="en-US" smtClean="0"/>
+              <a:rPr lang="en-US"/>
               <a:t>Fourth level</a:t>
             </a:r>
           </a:p>
           <a:p>
             <a:pPr lvl="4"/>
             <a:r>
-              <a:rPr lang="en-US" smtClean="0"/>
+              <a:rPr lang="en-US"/>
               <a:t>Fifth level</a:t>
             </a:r>
-            <a:endParaRPr lang="en-US"/>
           </a:p>
         </p:txBody>
       </p:sp>
@@ -2766,7 +2782,7 @@
             <a:fld id="{1D8BD707-D9CF-40AE-B4C6-C98DA3205C09}" type="datetimeFigureOut">
               <a:rPr lang="en-US" smtClean="0"/>
               <a:pPr/>
-              <a:t>8/1/2011</a:t>
+              <a:t>9/6/2025</a:t>
             </a:fld>
             <a:endParaRPr lang="en-US"/>
           </a:p>
@@ -2809,7 +2825,7 @@
             <a:fld id="{B6F15528-21DE-4FAA-801E-634DDDAF4B2B}" type="slidenum">
               <a:rPr lang="en-US" smtClean="0"/>
               <a:pPr/>
-              <a:t>‹#›</a:t>
+              <a:t>‹Nº›</a:t>
             </a:fld>
             <a:endParaRPr lang="en-US"/>
           </a:p>
@@ -2856,10 +2872,9 @@
           <a:lstStyle/>
           <a:p>
             <a:r>
-              <a:rPr lang="en-US" smtClean="0"/>
+              <a:rPr lang="en-US"/>
               <a:t>Click to edit Master title style</a:t>
             </a:r>
-            <a:endParaRPr lang="en-US"/>
           </a:p>
         </p:txBody>
       </p:sp>
@@ -2881,7 +2896,7 @@
             <a:fld id="{1D8BD707-D9CF-40AE-B4C6-C98DA3205C09}" type="datetimeFigureOut">
               <a:rPr lang="en-US" smtClean="0"/>
               <a:pPr/>
-              <a:t>8/1/2011</a:t>
+              <a:t>9/6/2025</a:t>
             </a:fld>
             <a:endParaRPr lang="en-US"/>
           </a:p>
@@ -2924,7 +2939,7 @@
             <a:fld id="{B6F15528-21DE-4FAA-801E-634DDDAF4B2B}" type="slidenum">
               <a:rPr lang="en-US" smtClean="0"/>
               <a:pPr/>
-              <a:t>‹#›</a:t>
+              <a:t>‹Nº›</a:t>
             </a:fld>
             <a:endParaRPr lang="en-US"/>
           </a:p>
@@ -2973,7 +2988,7 @@
             <a:fld id="{1D8BD707-D9CF-40AE-B4C6-C98DA3205C09}" type="datetimeFigureOut">
               <a:rPr lang="en-US" smtClean="0"/>
               <a:pPr/>
-              <a:t>8/1/2011</a:t>
+              <a:t>9/6/2025</a:t>
             </a:fld>
             <a:endParaRPr lang="en-US"/>
           </a:p>
@@ -3016,7 +3031,7 @@
             <a:fld id="{B6F15528-21DE-4FAA-801E-634DDDAF4B2B}" type="slidenum">
               <a:rPr lang="en-US" smtClean="0"/>
               <a:pPr/>
-              <a:t>‹#›</a:t>
+              <a:t>‹Nº›</a:t>
             </a:fld>
             <a:endParaRPr lang="en-US"/>
           </a:p>
@@ -3072,10 +3087,9 @@
           </a:lstStyle>
           <a:p>
             <a:r>
-              <a:rPr lang="en-US" smtClean="0"/>
+              <a:rPr lang="en-US"/>
               <a:t>Click to edit Master title style</a:t>
             </a:r>
-            <a:endParaRPr lang="en-US"/>
           </a:p>
         </p:txBody>
       </p:sp>
@@ -3129,38 +3143,37 @@
           <a:p>
             <a:pPr lvl="0"/>
             <a:r>
-              <a:rPr lang="en-US" smtClean="0"/>
+              <a:rPr lang="en-US"/>
               <a:t>Click to edit Master text styles</a:t>
             </a:r>
           </a:p>
           <a:p>
             <a:pPr lvl="1"/>
             <a:r>
-              <a:rPr lang="en-US" smtClean="0"/>
+              <a:rPr lang="en-US"/>
               <a:t>Second level</a:t>
             </a:r>
           </a:p>
           <a:p>
             <a:pPr lvl="2"/>
             <a:r>
-              <a:rPr lang="en-US" smtClean="0"/>
+              <a:rPr lang="en-US"/>
               <a:t>Third level</a:t>
             </a:r>
           </a:p>
           <a:p>
             <a:pPr lvl="3"/>
             <a:r>
-              <a:rPr lang="en-US" smtClean="0"/>
+              <a:rPr lang="en-US"/>
               <a:t>Fourth level</a:t>
             </a:r>
           </a:p>
           <a:p>
             <a:pPr lvl="4"/>
             <a:r>
-              <a:rPr lang="en-US" smtClean="0"/>
+              <a:rPr lang="en-US"/>
               <a:t>Fifth level</a:t>
             </a:r>
-            <a:endParaRPr lang="en-US"/>
           </a:p>
         </p:txBody>
       </p:sp>
@@ -3223,7 +3236,7 @@
           <a:p>
             <a:pPr lvl="0"/>
             <a:r>
-              <a:rPr lang="en-US" smtClean="0"/>
+              <a:rPr lang="en-US"/>
               <a:t>Click to edit Master text styles</a:t>
             </a:r>
           </a:p>
@@ -3247,7 +3260,7 @@
             <a:fld id="{1D8BD707-D9CF-40AE-B4C6-C98DA3205C09}" type="datetimeFigureOut">
               <a:rPr lang="en-US" smtClean="0"/>
               <a:pPr/>
-              <a:t>8/1/2011</a:t>
+              <a:t>9/6/2025</a:t>
             </a:fld>
             <a:endParaRPr lang="en-US"/>
           </a:p>
@@ -3290,7 +3303,7 @@
             <a:fld id="{B6F15528-21DE-4FAA-801E-634DDDAF4B2B}" type="slidenum">
               <a:rPr lang="en-US" smtClean="0"/>
               <a:pPr/>
-              <a:t>‹#›</a:t>
+              <a:t>‹Nº›</a:t>
             </a:fld>
             <a:endParaRPr lang="en-US"/>
           </a:p>
@@ -3346,10 +3359,9 @@
           </a:lstStyle>
           <a:p>
             <a:r>
-              <a:rPr lang="en-US" smtClean="0"/>
+              <a:rPr lang="en-US"/>
               <a:t>Click to edit Master title style</a:t>
             </a:r>
-            <a:endParaRPr lang="en-US"/>
           </a:p>
         </p:txBody>
       </p:sp>
@@ -3473,7 +3485,7 @@
           <a:p>
             <a:pPr lvl="0"/>
             <a:r>
-              <a:rPr lang="en-US" smtClean="0"/>
+              <a:rPr lang="en-US"/>
               <a:t>Click to edit Master text styles</a:t>
             </a:r>
           </a:p>
@@ -3497,7 +3509,7 @@
             <a:fld id="{1D8BD707-D9CF-40AE-B4C6-C98DA3205C09}" type="datetimeFigureOut">
               <a:rPr lang="en-US" smtClean="0"/>
               <a:pPr/>
-              <a:t>8/1/2011</a:t>
+              <a:t>9/6/2025</a:t>
             </a:fld>
             <a:endParaRPr lang="en-US"/>
           </a:p>
@@ -3540,7 +3552,7 @@
             <a:fld id="{B6F15528-21DE-4FAA-801E-634DDDAF4B2B}" type="slidenum">
               <a:rPr lang="en-US" smtClean="0"/>
               <a:pPr/>
-              <a:t>‹#›</a:t>
+              <a:t>‹Nº›</a:t>
             </a:fld>
             <a:endParaRPr lang="en-US"/>
           </a:p>
@@ -3602,10 +3614,9 @@
           <a:lstStyle/>
           <a:p>
             <a:r>
-              <a:rPr lang="en-US" smtClean="0"/>
+              <a:rPr lang="en-US"/>
               <a:t>Click to edit Master title style</a:t>
             </a:r>
-            <a:endParaRPr lang="en-US"/>
           </a:p>
         </p:txBody>
       </p:sp>
@@ -3636,38 +3647,37 @@
           <a:p>
             <a:pPr lvl="0"/>
             <a:r>
-              <a:rPr lang="en-US" smtClean="0"/>
+              <a:rPr lang="en-US"/>
               <a:t>Click to edit Master text styles</a:t>
             </a:r>
           </a:p>
           <a:p>
             <a:pPr lvl="1"/>
             <a:r>
-              <a:rPr lang="en-US" smtClean="0"/>
+              <a:rPr lang="en-US"/>
               <a:t>Second level</a:t>
             </a:r>
           </a:p>
           <a:p>
             <a:pPr lvl="2"/>
             <a:r>
-              <a:rPr lang="en-US" smtClean="0"/>
+              <a:rPr lang="en-US"/>
               <a:t>Third level</a:t>
             </a:r>
           </a:p>
           <a:p>
             <a:pPr lvl="3"/>
             <a:r>
-              <a:rPr lang="en-US" smtClean="0"/>
+              <a:rPr lang="en-US"/>
               <a:t>Fourth level</a:t>
             </a:r>
           </a:p>
           <a:p>
             <a:pPr lvl="4"/>
             <a:r>
-              <a:rPr lang="en-US" smtClean="0"/>
+              <a:rPr lang="en-US"/>
               <a:t>Fifth level</a:t>
             </a:r>
-            <a:endParaRPr lang="en-US"/>
           </a:p>
         </p:txBody>
       </p:sp>
@@ -3707,7 +3717,7 @@
             <a:fld id="{1D8BD707-D9CF-40AE-B4C6-C98DA3205C09}" type="datetimeFigureOut">
               <a:rPr lang="en-US" smtClean="0"/>
               <a:pPr/>
-              <a:t>8/1/2011</a:t>
+              <a:t>9/6/2025</a:t>
             </a:fld>
             <a:endParaRPr lang="en-US"/>
           </a:p>
@@ -3786,7 +3796,7 @@
             <a:fld id="{B6F15528-21DE-4FAA-801E-634DDDAF4B2B}" type="slidenum">
               <a:rPr lang="en-US" smtClean="0"/>
               <a:pPr/>
-              <a:t>‹#›</a:t>
+              <a:t>‹Nº›</a:t>
             </a:fld>
             <a:endParaRPr lang="en-US"/>
           </a:p>
@@ -4062,7 +4072,7 @@
 </file>
 
 <file path=ppt/slides/slide1.xml><?xml version="1.0" encoding="utf-8"?>
-<p:sld xmlns:p="http://schemas.openxmlformats.org/presentationml/2006/main" xmlns:a="http://schemas.openxmlformats.org/drawingml/2006/main" xmlns:r="http://schemas.openxmlformats.org/officeDocument/2006/relationships">
+<p:sld xmlns:a="http://schemas.openxmlformats.org/drawingml/2006/main" xmlns:r="http://schemas.openxmlformats.org/officeDocument/2006/relationships" xmlns:p="http://schemas.openxmlformats.org/presentationml/2006/main">
   <p:cSld>
     <p:spTree>
       <p:nvGrpSpPr>
@@ -4080,14 +4090,14 @@
       </p:grpSpPr>
       <p:grpSp>
         <p:nvGrpSpPr>
-          <p:cNvPr name="Group 2" id="2"/>
+          <p:cNvPr id="2" name="Group 2"/>
           <p:cNvGrpSpPr>
-            <a:grpSpLocks noChangeAspect="true"/>
+            <a:grpSpLocks noChangeAspect="1"/>
           </p:cNvGrpSpPr>
           <p:nvPr/>
         </p:nvGrpSpPr>
         <p:grpSpPr>
-          <a:xfrm rot="0">
+          <a:xfrm>
             <a:off x="13158228" y="311325"/>
             <a:ext cx="4712109" cy="1178028"/>
             <a:chOff x="0" y="0"/>
@@ -4096,12 +4106,12 @@
         </p:grpSpPr>
         <p:sp>
           <p:nvSpPr>
-            <p:cNvPr name="Freeform 3" id="3" descr="EscuelaIT Duoc UC - Escuela de Informática y Telecomunicaciones Duoc UC - Duoc  UC | LinkedIn"/>
+            <p:cNvPr id="3" name="Freeform 3" descr="EscuelaIT Duoc UC - Escuela de Informática y Telecomunicaciones Duoc UC - Duoc  UC | LinkedIn"/>
             <p:cNvSpPr/>
             <p:nvPr/>
           </p:nvSpPr>
           <p:spPr>
-            <a:xfrm flipH="false" flipV="false" rot="0">
+            <a:xfrm>
               <a:off x="0" y="0"/>
               <a:ext cx="6282817" cy="1570736"/>
             </a:xfrm>
@@ -4110,9 +4120,9 @@
               <a:gdLst/>
               <a:ahLst/>
               <a:cxnLst/>
-              <a:rect r="r" b="b" t="t" l="l"/>
+              <a:rect l="l" t="t" r="r" b="b"/>
               <a:pathLst>
-                <a:path h="1570736" w="6282817">
+                <a:path w="6282817" h="1570736">
                   <a:moveTo>
                     <a:pt x="0" y="0"/>
                   </a:moveTo>
@@ -4135,20 +4145,27 @@
             <a:blipFill>
               <a:blip r:embed="rId2"/>
               <a:stretch>
-                <a:fillRect l="0" t="0" r="0" b="2"/>
+                <a:fillRect b="2"/>
               </a:stretch>
             </a:blipFill>
           </p:spPr>
+          <p:txBody>
+            <a:bodyPr/>
+            <a:lstStyle/>
+            <a:p>
+              <a:endParaRPr lang="es-CL"/>
+            </a:p>
+          </p:txBody>
         </p:sp>
       </p:grpSp>
       <p:sp>
         <p:nvSpPr>
-          <p:cNvPr name="TextBox 4" id="4"/>
-          <p:cNvSpPr txBox="true"/>
+          <p:cNvPr id="4" name="TextBox 4"/>
+          <p:cNvSpPr txBox="1"/>
           <p:nvPr/>
         </p:nvSpPr>
         <p:spPr>
-          <a:xfrm rot="0">
+          <a:xfrm>
             <a:off x="91441" y="3964533"/>
             <a:ext cx="18105118" cy="1685925"/>
           </a:xfrm>
@@ -4157,7 +4174,7 @@
           </a:prstGeom>
         </p:spPr>
         <p:txBody>
-          <a:bodyPr anchor="t" rtlCol="false" tIns="0" lIns="0" bIns="0" rIns="0">
+          <a:bodyPr lIns="0" tIns="0" rIns="0" bIns="0" rtlCol="0" anchor="t">
             <a:spAutoFit/>
           </a:bodyPr>
           <a:lstStyle/>
@@ -4210,7 +4227,7 @@
 </file>
 
 <file path=ppt/slides/slide10.xml><?xml version="1.0" encoding="utf-8"?>
-<p:sld xmlns:p="http://schemas.openxmlformats.org/presentationml/2006/main" xmlns:a="http://schemas.openxmlformats.org/drawingml/2006/main" xmlns:r="http://schemas.openxmlformats.org/officeDocument/2006/relationships">
+<p:sld xmlns:a="http://schemas.openxmlformats.org/drawingml/2006/main" xmlns:r="http://schemas.openxmlformats.org/officeDocument/2006/relationships" xmlns:p="http://schemas.openxmlformats.org/presentationml/2006/main">
   <p:cSld>
     <p:spTree>
       <p:nvGrpSpPr>
@@ -4228,14 +4245,14 @@
       </p:grpSpPr>
       <p:grpSp>
         <p:nvGrpSpPr>
-          <p:cNvPr name="Group 2" id="2"/>
+          <p:cNvPr id="2" name="Group 2"/>
           <p:cNvGrpSpPr>
-            <a:grpSpLocks noChangeAspect="true"/>
+            <a:grpSpLocks noChangeAspect="1"/>
           </p:cNvGrpSpPr>
           <p:nvPr/>
         </p:nvGrpSpPr>
         <p:grpSpPr>
-          <a:xfrm rot="0">
+          <a:xfrm>
             <a:off x="13158228" y="311325"/>
             <a:ext cx="4712109" cy="1178028"/>
             <a:chOff x="0" y="0"/>
@@ -4244,12 +4261,12 @@
         </p:grpSpPr>
         <p:sp>
           <p:nvSpPr>
-            <p:cNvPr name="Freeform 3" id="3" descr="EscuelaIT Duoc UC - Escuela de Informática y Telecomunicaciones Duoc UC - Duoc  UC | LinkedIn"/>
+            <p:cNvPr id="3" name="Freeform 3" descr="EscuelaIT Duoc UC - Escuela de Informática y Telecomunicaciones Duoc UC - Duoc  UC | LinkedIn"/>
             <p:cNvSpPr/>
             <p:nvPr/>
           </p:nvSpPr>
           <p:spPr>
-            <a:xfrm flipH="false" flipV="false" rot="0">
+            <a:xfrm>
               <a:off x="0" y="0"/>
               <a:ext cx="6282817" cy="1570736"/>
             </a:xfrm>
@@ -4258,9 +4275,9 @@
               <a:gdLst/>
               <a:ahLst/>
               <a:cxnLst/>
-              <a:rect r="r" b="b" t="t" l="l"/>
+              <a:rect l="l" t="t" r="r" b="b"/>
               <a:pathLst>
-                <a:path h="1570736" w="6282817">
+                <a:path w="6282817" h="1570736">
                   <a:moveTo>
                     <a:pt x="0" y="0"/>
                   </a:moveTo>
@@ -4283,15 +4300,22 @@
             <a:blipFill>
               <a:blip r:embed="rId2"/>
               <a:stretch>
-                <a:fillRect l="0" t="0" r="0" b="2"/>
+                <a:fillRect b="2"/>
               </a:stretch>
             </a:blipFill>
           </p:spPr>
+          <p:txBody>
+            <a:bodyPr/>
+            <a:lstStyle/>
+            <a:p>
+              <a:endParaRPr lang="es-CL"/>
+            </a:p>
+          </p:txBody>
         </p:sp>
       </p:grpSp>
       <p:sp>
         <p:nvSpPr>
-          <p:cNvPr name="AutoShape 4" id="4"/>
+          <p:cNvPr id="4" name="AutoShape 4"/>
           <p:cNvSpPr/>
           <p:nvPr/>
         </p:nvSpPr>
@@ -4303,24 +4327,31 @@
           <a:prstGeom prst="line">
             <a:avLst/>
           </a:prstGeom>
-          <a:ln cap="rnd" w="9525">
+          <a:ln w="9525" cap="rnd">
             <a:solidFill>
               <a:srgbClr val="000000"/>
             </a:solidFill>
             <a:prstDash val="solid"/>
-            <a:headEnd type="none" len="sm" w="sm"/>
-            <a:tailEnd type="none" len="sm" w="sm"/>
+            <a:headEnd type="none" w="sm" len="sm"/>
+            <a:tailEnd type="none" w="sm" len="sm"/>
           </a:ln>
         </p:spPr>
+        <p:txBody>
+          <a:bodyPr/>
+          <a:lstStyle/>
+          <a:p>
+            <a:endParaRPr lang="es-CL"/>
+          </a:p>
+        </p:txBody>
       </p:sp>
       <p:grpSp>
         <p:nvGrpSpPr>
-          <p:cNvPr name="Group 5" id="5"/>
+          <p:cNvPr id="5" name="Group 5"/>
           <p:cNvGrpSpPr/>
           <p:nvPr/>
         </p:nvGrpSpPr>
         <p:grpSpPr>
-          <a:xfrm rot="0">
+          <a:xfrm>
             <a:off x="1584330" y="4204478"/>
             <a:ext cx="1919872" cy="2400567"/>
             <a:chOff x="0" y="0"/>
@@ -4329,12 +4360,12 @@
         </p:grpSpPr>
         <p:sp>
           <p:nvSpPr>
-            <p:cNvPr name="Freeform 6" id="6"/>
+            <p:cNvPr id="6" name="Freeform 6"/>
             <p:cNvSpPr/>
             <p:nvPr/>
           </p:nvSpPr>
           <p:spPr>
-            <a:xfrm flipH="false" flipV="false" rot="0">
+            <a:xfrm>
               <a:off x="0" y="0"/>
               <a:ext cx="2559829" cy="2559829"/>
             </a:xfrm>
@@ -4343,9 +4374,9 @@
               <a:gdLst/>
               <a:ahLst/>
               <a:cxnLst/>
-              <a:rect r="r" b="b" t="t" l="l"/>
+              <a:rect l="l" t="t" r="r" b="b"/>
               <a:pathLst>
-                <a:path h="2559829" w="2559829">
+                <a:path w="2559829" h="2559829">
                   <a:moveTo>
                     <a:pt x="0" y="0"/>
                   </a:moveTo>
@@ -4368,19 +4399,26 @@
             <a:blipFill>
               <a:blip r:embed="rId3"/>
               <a:stretch>
-                <a:fillRect l="0" t="0" r="0" b="0"/>
+                <a:fillRect/>
               </a:stretch>
             </a:blipFill>
           </p:spPr>
+          <p:txBody>
+            <a:bodyPr/>
+            <a:lstStyle/>
+            <a:p>
+              <a:endParaRPr lang="es-CL"/>
+            </a:p>
+          </p:txBody>
         </p:sp>
         <p:sp>
           <p:nvSpPr>
-            <p:cNvPr name="TextBox 7" id="7"/>
-            <p:cNvSpPr txBox="true"/>
+            <p:cNvPr id="7" name="TextBox 7"/>
+            <p:cNvSpPr txBox="1"/>
             <p:nvPr/>
           </p:nvSpPr>
           <p:spPr>
-            <a:xfrm rot="0">
+            <a:xfrm>
               <a:off x="214464" y="2502679"/>
               <a:ext cx="2130901" cy="698077"/>
             </a:xfrm>
@@ -4389,7 +4427,7 @@
             </a:prstGeom>
           </p:spPr>
           <p:txBody>
-            <a:bodyPr anchor="t" rtlCol="false" tIns="0" lIns="0" bIns="0" rIns="0">
+            <a:bodyPr lIns="0" tIns="0" rIns="0" bIns="0" rtlCol="0" anchor="t">
               <a:spAutoFit/>
             </a:bodyPr>
             <a:lstStyle/>
@@ -4400,7 +4438,7 @@
                 </a:lnSpc>
               </a:pPr>
               <a:r>
-                <a:rPr lang="en-US" sz="3200" b="true">
+                <a:rPr lang="en-US" sz="3200" b="1">
                   <a:solidFill>
                     <a:srgbClr val="000000"/>
                   </a:solidFill>
@@ -4417,12 +4455,12 @@
       </p:grpSp>
       <p:grpSp>
         <p:nvGrpSpPr>
-          <p:cNvPr name="Group 8" id="8"/>
+          <p:cNvPr id="8" name="Group 8"/>
           <p:cNvGrpSpPr/>
           <p:nvPr/>
         </p:nvGrpSpPr>
         <p:grpSpPr>
-          <a:xfrm rot="0">
+          <a:xfrm>
             <a:off x="3647076" y="4580563"/>
             <a:ext cx="2517184" cy="2024481"/>
             <a:chOff x="0" y="0"/>
@@ -4431,12 +4469,12 @@
         </p:grpSpPr>
         <p:sp>
           <p:nvSpPr>
-            <p:cNvPr name="Freeform 9" id="9"/>
+            <p:cNvPr id="9" name="Freeform 9"/>
             <p:cNvSpPr/>
             <p:nvPr/>
           </p:nvSpPr>
           <p:spPr>
-            <a:xfrm flipH="false" flipV="false" rot="0">
+            <a:xfrm>
               <a:off x="810361" y="0"/>
               <a:ext cx="1735524" cy="1735524"/>
             </a:xfrm>
@@ -4445,9 +4483,9 @@
               <a:gdLst/>
               <a:ahLst/>
               <a:cxnLst/>
-              <a:rect r="r" b="b" t="t" l="l"/>
+              <a:rect l="l" t="t" r="r" b="b"/>
               <a:pathLst>
-                <a:path h="1735524" w="1735524">
+                <a:path w="1735524" h="1735524">
                   <a:moveTo>
                     <a:pt x="0" y="0"/>
                   </a:moveTo>
@@ -4470,19 +4508,26 @@
             <a:blipFill>
               <a:blip r:embed="rId4"/>
               <a:stretch>
-                <a:fillRect l="0" t="0" r="0" b="0"/>
+                <a:fillRect/>
               </a:stretch>
             </a:blipFill>
           </p:spPr>
+          <p:txBody>
+            <a:bodyPr/>
+            <a:lstStyle/>
+            <a:p>
+              <a:endParaRPr lang="es-CL"/>
+            </a:p>
+          </p:txBody>
         </p:sp>
         <p:sp>
           <p:nvSpPr>
-            <p:cNvPr name="TextBox 10" id="10"/>
-            <p:cNvSpPr txBox="true"/>
+            <p:cNvPr id="10" name="TextBox 10"/>
+            <p:cNvSpPr txBox="1"/>
             <p:nvPr/>
           </p:nvSpPr>
           <p:spPr>
-            <a:xfrm rot="0">
+            <a:xfrm>
               <a:off x="0" y="2001231"/>
               <a:ext cx="3356246" cy="698077"/>
             </a:xfrm>
@@ -4491,7 +4536,7 @@
             </a:prstGeom>
           </p:spPr>
           <p:txBody>
-            <a:bodyPr anchor="t" rtlCol="false" tIns="0" lIns="0" bIns="0" rIns="0">
+            <a:bodyPr lIns="0" tIns="0" rIns="0" bIns="0" rtlCol="0" anchor="t">
               <a:spAutoFit/>
             </a:bodyPr>
             <a:lstStyle/>
@@ -4502,7 +4547,7 @@
                 </a:lnSpc>
               </a:pPr>
               <a:r>
-                <a:rPr lang="en-US" sz="3200" b="true">
+                <a:rPr lang="en-US" sz="3200" b="1">
                   <a:solidFill>
                     <a:srgbClr val="000000"/>
                   </a:solidFill>
@@ -4519,12 +4564,12 @@
       </p:grpSp>
       <p:grpSp>
         <p:nvGrpSpPr>
-          <p:cNvPr name="Group 11" id="11"/>
+          <p:cNvPr id="11" name="Group 11"/>
           <p:cNvGrpSpPr/>
           <p:nvPr/>
         </p:nvGrpSpPr>
         <p:grpSpPr>
-          <a:xfrm rot="0">
+          <a:xfrm>
             <a:off x="6307136" y="4580563"/>
             <a:ext cx="2316242" cy="3104984"/>
             <a:chOff x="0" y="0"/>
@@ -4533,12 +4578,12 @@
         </p:grpSpPr>
         <p:sp>
           <p:nvSpPr>
-            <p:cNvPr name="Freeform 12" id="12"/>
+            <p:cNvPr id="12" name="Freeform 12"/>
             <p:cNvSpPr/>
             <p:nvPr/>
           </p:nvSpPr>
           <p:spPr>
-            <a:xfrm flipH="false" flipV="false" rot="0">
+            <a:xfrm>
               <a:off x="543935" y="0"/>
               <a:ext cx="2000453" cy="2000453"/>
             </a:xfrm>
@@ -4547,9 +4592,9 @@
               <a:gdLst/>
               <a:ahLst/>
               <a:cxnLst/>
-              <a:rect r="r" b="b" t="t" l="l"/>
+              <a:rect l="l" t="t" r="r" b="b"/>
               <a:pathLst>
-                <a:path h="2000453" w="2000453">
+                <a:path w="2000453" h="2000453">
                   <a:moveTo>
                     <a:pt x="0" y="0"/>
                   </a:moveTo>
@@ -4572,19 +4617,26 @@
             <a:blipFill>
               <a:blip r:embed="rId5"/>
               <a:stretch>
-                <a:fillRect l="0" t="0" r="0" b="0"/>
+                <a:fillRect/>
               </a:stretch>
             </a:blipFill>
           </p:spPr>
+          <p:txBody>
+            <a:bodyPr/>
+            <a:lstStyle/>
+            <a:p>
+              <a:endParaRPr lang="es-CL"/>
+            </a:p>
+          </p:txBody>
         </p:sp>
         <p:sp>
           <p:nvSpPr>
-            <p:cNvPr name="TextBox 13" id="13"/>
-            <p:cNvSpPr txBox="true"/>
+            <p:cNvPr id="13" name="TextBox 13"/>
+            <p:cNvSpPr txBox="1"/>
             <p:nvPr/>
           </p:nvSpPr>
           <p:spPr>
-            <a:xfrm rot="0">
+            <a:xfrm>
               <a:off x="0" y="1943303"/>
               <a:ext cx="3088323" cy="2196677"/>
             </a:xfrm>
@@ -4593,7 +4645,7 @@
             </a:prstGeom>
           </p:spPr>
           <p:txBody>
-            <a:bodyPr anchor="t" rtlCol="false" tIns="0" lIns="0" bIns="0" rIns="0">
+            <a:bodyPr lIns="0" tIns="0" rIns="0" bIns="0" rtlCol="0" anchor="t">
               <a:spAutoFit/>
             </a:bodyPr>
             <a:lstStyle/>
@@ -4604,7 +4656,7 @@
                 </a:lnSpc>
               </a:pPr>
               <a:r>
-                <a:rPr lang="en-US" sz="3200" b="true">
+                <a:rPr lang="en-US" sz="3200" b="1">
                   <a:solidFill>
                     <a:srgbClr val="000000"/>
                   </a:solidFill>
@@ -4623,7 +4675,7 @@
                 </a:lnSpc>
               </a:pPr>
               <a:r>
-                <a:rPr lang="en-US" sz="3200" b="true">
+                <a:rPr lang="en-US" sz="3200" b="1">
                   <a:solidFill>
                     <a:srgbClr val="000000"/>
                   </a:solidFill>
@@ -4642,7 +4694,7 @@
                 </a:lnSpc>
               </a:pPr>
               <a:r>
-                <a:rPr lang="en-US" sz="3200" b="true">
+                <a:rPr lang="en-US" sz="3200" b="1">
                   <a:solidFill>
                     <a:srgbClr val="000000"/>
                   </a:solidFill>
@@ -4659,12 +4711,12 @@
       </p:grpSp>
       <p:grpSp>
         <p:nvGrpSpPr>
-          <p:cNvPr name="Group 14" id="14"/>
+          <p:cNvPr id="14" name="Group 14"/>
           <p:cNvGrpSpPr/>
           <p:nvPr/>
         </p:nvGrpSpPr>
         <p:grpSpPr>
-          <a:xfrm rot="0">
+          <a:xfrm>
             <a:off x="9294311" y="4580563"/>
             <a:ext cx="1747480" cy="2502369"/>
             <a:chOff x="0" y="0"/>
@@ -4673,12 +4725,12 @@
         </p:grpSpPr>
         <p:sp>
           <p:nvSpPr>
-            <p:cNvPr name="Freeform 15" id="15"/>
+            <p:cNvPr id="15" name="Freeform 15"/>
             <p:cNvSpPr/>
             <p:nvPr/>
           </p:nvSpPr>
           <p:spPr>
-            <a:xfrm flipH="false" flipV="false" rot="0">
+            <a:xfrm>
               <a:off x="250014" y="0"/>
               <a:ext cx="1829947" cy="1829947"/>
             </a:xfrm>
@@ -4687,9 +4739,9 @@
               <a:gdLst/>
               <a:ahLst/>
               <a:cxnLst/>
-              <a:rect r="r" b="b" t="t" l="l"/>
+              <a:rect l="l" t="t" r="r" b="b"/>
               <a:pathLst>
-                <a:path h="1829947" w="1829947">
+                <a:path w="1829947" h="1829947">
                   <a:moveTo>
                     <a:pt x="0" y="0"/>
                   </a:moveTo>
@@ -4712,19 +4764,26 @@
             <a:blipFill>
               <a:blip r:embed="rId6"/>
               <a:stretch>
-                <a:fillRect l="0" t="0" r="0" b="0"/>
+                <a:fillRect/>
               </a:stretch>
             </a:blipFill>
           </p:spPr>
+          <p:txBody>
+            <a:bodyPr/>
+            <a:lstStyle/>
+            <a:p>
+              <a:endParaRPr lang="es-CL"/>
+            </a:p>
+          </p:txBody>
         </p:sp>
         <p:sp>
           <p:nvSpPr>
-            <p:cNvPr name="TextBox 16" id="16"/>
-            <p:cNvSpPr txBox="true"/>
+            <p:cNvPr id="16" name="TextBox 16"/>
+            <p:cNvSpPr txBox="1"/>
             <p:nvPr/>
           </p:nvSpPr>
           <p:spPr>
-            <a:xfrm rot="0">
+            <a:xfrm>
               <a:off x="0" y="1889116"/>
               <a:ext cx="2329974" cy="1447377"/>
             </a:xfrm>
@@ -4733,7 +4792,7 @@
             </a:prstGeom>
           </p:spPr>
           <p:txBody>
-            <a:bodyPr anchor="t" rtlCol="false" tIns="0" lIns="0" bIns="0" rIns="0">
+            <a:bodyPr lIns="0" tIns="0" rIns="0" bIns="0" rtlCol="0" anchor="t">
               <a:spAutoFit/>
             </a:bodyPr>
             <a:lstStyle/>
@@ -4744,7 +4803,7 @@
                 </a:lnSpc>
               </a:pPr>
               <a:r>
-                <a:rPr lang="en-US" sz="3200" b="true">
+                <a:rPr lang="en-US" sz="3200" b="1">
                   <a:solidFill>
                     <a:srgbClr val="000000"/>
                   </a:solidFill>
@@ -4763,7 +4822,7 @@
                 </a:lnSpc>
               </a:pPr>
               <a:r>
-                <a:rPr lang="en-US" sz="3200" b="true">
+                <a:rPr lang="en-US" sz="3200" b="1">
                   <a:solidFill>
                     <a:srgbClr val="000000"/>
                   </a:solidFill>
@@ -4780,12 +4839,12 @@
       </p:grpSp>
       <p:grpSp>
         <p:nvGrpSpPr>
-          <p:cNvPr name="Group 17" id="17"/>
+          <p:cNvPr id="17" name="Group 17"/>
           <p:cNvGrpSpPr/>
           <p:nvPr/>
         </p:nvGrpSpPr>
         <p:grpSpPr>
-          <a:xfrm rot="0">
+          <a:xfrm>
             <a:off x="11184666" y="4580563"/>
             <a:ext cx="1664570" cy="2874147"/>
             <a:chOff x="0" y="0"/>
@@ -4794,12 +4853,12 @@
         </p:grpSpPr>
         <p:sp>
           <p:nvSpPr>
-            <p:cNvPr name="Freeform 18" id="18"/>
+            <p:cNvPr id="18" name="Freeform 18"/>
             <p:cNvSpPr/>
             <p:nvPr/>
           </p:nvSpPr>
           <p:spPr>
-            <a:xfrm flipH="false" flipV="false" rot="0">
+            <a:xfrm>
               <a:off x="0" y="0"/>
               <a:ext cx="2219427" cy="2441969"/>
             </a:xfrm>
@@ -4808,9 +4867,9 @@
               <a:gdLst/>
               <a:ahLst/>
               <a:cxnLst/>
-              <a:rect r="r" b="b" t="t" l="l"/>
+              <a:rect l="l" t="t" r="r" b="b"/>
               <a:pathLst>
-                <a:path h="2441969" w="2219427">
+                <a:path w="2219427" h="2441969">
                   <a:moveTo>
                     <a:pt x="0" y="0"/>
                   </a:moveTo>
@@ -4837,15 +4896,22 @@
               </a:stretch>
             </a:blipFill>
           </p:spPr>
+          <p:txBody>
+            <a:bodyPr/>
+            <a:lstStyle/>
+            <a:p>
+              <a:endParaRPr lang="es-CL"/>
+            </a:p>
+          </p:txBody>
         </p:sp>
         <p:sp>
           <p:nvSpPr>
-            <p:cNvPr name="TextBox 19" id="19"/>
-            <p:cNvSpPr txBox="true"/>
+            <p:cNvPr id="19" name="TextBox 19"/>
+            <p:cNvSpPr txBox="1"/>
             <p:nvPr/>
           </p:nvSpPr>
           <p:spPr>
-            <a:xfrm rot="0">
+            <a:xfrm>
               <a:off x="30265" y="2384819"/>
               <a:ext cx="2189162" cy="1447377"/>
             </a:xfrm>
@@ -4854,7 +4920,7 @@
             </a:prstGeom>
           </p:spPr>
           <p:txBody>
-            <a:bodyPr anchor="t" rtlCol="false" tIns="0" lIns="0" bIns="0" rIns="0">
+            <a:bodyPr lIns="0" tIns="0" rIns="0" bIns="0" rtlCol="0" anchor="t">
               <a:spAutoFit/>
             </a:bodyPr>
             <a:lstStyle/>
@@ -4865,7 +4931,7 @@
                 </a:lnSpc>
               </a:pPr>
               <a:r>
-                <a:rPr lang="en-US" sz="3200" b="true">
+                <a:rPr lang="en-US" sz="3200" b="1">
                   <a:solidFill>
                     <a:srgbClr val="000000"/>
                   </a:solidFill>
@@ -4884,7 +4950,7 @@
                 </a:lnSpc>
               </a:pPr>
               <a:r>
-                <a:rPr lang="en-US" sz="3200" b="true">
+                <a:rPr lang="en-US" sz="3200" b="1">
                   <a:solidFill>
                     <a:srgbClr val="000000"/>
                   </a:solidFill>
@@ -4901,12 +4967,12 @@
       </p:grpSp>
       <p:grpSp>
         <p:nvGrpSpPr>
-          <p:cNvPr name="Group 20" id="20"/>
+          <p:cNvPr id="20" name="Group 20"/>
           <p:cNvGrpSpPr/>
           <p:nvPr/>
         </p:nvGrpSpPr>
         <p:grpSpPr>
-          <a:xfrm rot="0">
+          <a:xfrm>
             <a:off x="13173087" y="4580563"/>
             <a:ext cx="1747480" cy="2661592"/>
             <a:chOff x="0" y="0"/>
@@ -4915,12 +4981,12 @@
         </p:grpSpPr>
         <p:sp>
           <p:nvSpPr>
-            <p:cNvPr name="Freeform 21" id="21"/>
+            <p:cNvPr id="21" name="Freeform 21"/>
             <p:cNvSpPr/>
             <p:nvPr/>
           </p:nvSpPr>
           <p:spPr>
-            <a:xfrm flipH="false" flipV="false" rot="0">
+            <a:xfrm>
               <a:off x="171411" y="0"/>
               <a:ext cx="2011079" cy="2011079"/>
             </a:xfrm>
@@ -4929,9 +4995,9 @@
               <a:gdLst/>
               <a:ahLst/>
               <a:cxnLst/>
-              <a:rect r="r" b="b" t="t" l="l"/>
+              <a:rect l="l" t="t" r="r" b="b"/>
               <a:pathLst>
-                <a:path h="2011079" w="2011079">
+                <a:path w="2011079" h="2011079">
                   <a:moveTo>
                     <a:pt x="0" y="0"/>
                   </a:moveTo>
@@ -4954,19 +5020,26 @@
             <a:blipFill>
               <a:blip r:embed="rId8"/>
               <a:stretch>
-                <a:fillRect l="0" t="0" r="0" b="0"/>
+                <a:fillRect/>
               </a:stretch>
             </a:blipFill>
           </p:spPr>
+          <p:txBody>
+            <a:bodyPr/>
+            <a:lstStyle/>
+            <a:p>
+              <a:endParaRPr lang="es-CL"/>
+            </a:p>
+          </p:txBody>
         </p:sp>
         <p:sp>
           <p:nvSpPr>
-            <p:cNvPr name="TextBox 22" id="22"/>
-            <p:cNvSpPr txBox="true"/>
+            <p:cNvPr id="22" name="TextBox 22"/>
+            <p:cNvSpPr txBox="1"/>
             <p:nvPr/>
           </p:nvSpPr>
           <p:spPr>
-            <a:xfrm rot="0">
+            <a:xfrm>
               <a:off x="0" y="2101413"/>
               <a:ext cx="2329974" cy="1447377"/>
             </a:xfrm>
@@ -4975,7 +5048,7 @@
             </a:prstGeom>
           </p:spPr>
           <p:txBody>
-            <a:bodyPr anchor="t" rtlCol="false" tIns="0" lIns="0" bIns="0" rIns="0">
+            <a:bodyPr lIns="0" tIns="0" rIns="0" bIns="0" rtlCol="0" anchor="t">
               <a:spAutoFit/>
             </a:bodyPr>
             <a:lstStyle/>
@@ -4986,7 +5059,7 @@
                 </a:lnSpc>
               </a:pPr>
               <a:r>
-                <a:rPr lang="en-US" sz="3200" b="true">
+                <a:rPr lang="en-US" sz="3200" b="1">
                   <a:solidFill>
                     <a:srgbClr val="000000"/>
                   </a:solidFill>
@@ -5005,7 +5078,7 @@
                 </a:lnSpc>
               </a:pPr>
               <a:r>
-                <a:rPr lang="en-US" sz="3200" b="true">
+                <a:rPr lang="en-US" sz="3200" b="1">
                   <a:solidFill>
                     <a:srgbClr val="000000"/>
                   </a:solidFill>
@@ -5022,12 +5095,12 @@
       </p:grpSp>
       <p:sp>
         <p:nvSpPr>
-          <p:cNvPr name="TextBox 23" id="23"/>
-          <p:cNvSpPr txBox="true"/>
+          <p:cNvPr id="23" name="TextBox 23"/>
+          <p:cNvSpPr txBox="1"/>
           <p:nvPr/>
         </p:nvSpPr>
         <p:spPr>
-          <a:xfrm rot="0">
+          <a:xfrm>
             <a:off x="91440" y="2080402"/>
             <a:ext cx="18105118" cy="933450"/>
           </a:xfrm>
@@ -5036,7 +5109,7 @@
           </a:prstGeom>
         </p:spPr>
         <p:txBody>
-          <a:bodyPr anchor="t" rtlCol="false" tIns="0" lIns="0" bIns="0" rIns="0">
+          <a:bodyPr lIns="0" tIns="0" rIns="0" bIns="0" rtlCol="0" anchor="t">
             <a:spAutoFit/>
           </a:bodyPr>
           <a:lstStyle/>
@@ -5063,12 +5136,12 @@
       </p:sp>
       <p:sp>
         <p:nvSpPr>
-          <p:cNvPr name="TextBox 24" id="24"/>
-          <p:cNvSpPr txBox="true"/>
+          <p:cNvPr id="24" name="TextBox 24"/>
+          <p:cNvSpPr txBox="1"/>
           <p:nvPr/>
         </p:nvSpPr>
         <p:spPr>
-          <a:xfrm rot="0">
+          <a:xfrm>
             <a:off x="295722" y="541962"/>
             <a:ext cx="18105118" cy="466725"/>
           </a:xfrm>
@@ -5077,7 +5150,7 @@
           </a:prstGeom>
         </p:spPr>
         <p:txBody>
-          <a:bodyPr anchor="t" rtlCol="false" tIns="0" lIns="0" bIns="0" rIns="0">
+          <a:bodyPr lIns="0" tIns="0" rIns="0" bIns="0" rtlCol="0" anchor="t">
             <a:spAutoFit/>
           </a:bodyPr>
           <a:lstStyle/>
@@ -5104,12 +5177,12 @@
       </p:sp>
       <p:grpSp>
         <p:nvGrpSpPr>
-          <p:cNvPr name="Group 25" id="25"/>
+          <p:cNvPr id="25" name="Group 25"/>
           <p:cNvGrpSpPr/>
           <p:nvPr/>
         </p:nvGrpSpPr>
         <p:grpSpPr>
-          <a:xfrm rot="0">
+          <a:xfrm>
             <a:off x="14695347" y="4580563"/>
             <a:ext cx="2416886" cy="3104984"/>
             <a:chOff x="0" y="0"/>
@@ -5118,12 +5191,12 @@
         </p:grpSpPr>
         <p:sp>
           <p:nvSpPr>
-            <p:cNvPr name="Freeform 26" id="26"/>
+            <p:cNvPr id="26" name="Freeform 26"/>
             <p:cNvSpPr/>
             <p:nvPr/>
           </p:nvSpPr>
           <p:spPr>
-            <a:xfrm flipH="false" flipV="false" rot="0">
+            <a:xfrm>
               <a:off x="725790" y="0"/>
               <a:ext cx="1770935" cy="1770935"/>
             </a:xfrm>
@@ -5132,9 +5205,9 @@
               <a:gdLst/>
               <a:ahLst/>
               <a:cxnLst/>
-              <a:rect r="r" b="b" t="t" l="l"/>
+              <a:rect l="l" t="t" r="r" b="b"/>
               <a:pathLst>
-                <a:path h="1770935" w="1770935">
+                <a:path w="1770935" h="1770935">
                   <a:moveTo>
                     <a:pt x="0" y="0"/>
                   </a:moveTo>
@@ -5157,19 +5230,26 @@
             <a:blipFill>
               <a:blip r:embed="rId9"/>
               <a:stretch>
-                <a:fillRect l="0" t="0" r="0" b="0"/>
+                <a:fillRect/>
               </a:stretch>
             </a:blipFill>
           </p:spPr>
+          <p:txBody>
+            <a:bodyPr/>
+            <a:lstStyle/>
+            <a:p>
+              <a:endParaRPr lang="es-CL"/>
+            </a:p>
+          </p:txBody>
         </p:sp>
         <p:sp>
           <p:nvSpPr>
-            <p:cNvPr name="TextBox 27" id="27"/>
-            <p:cNvSpPr txBox="true"/>
+            <p:cNvPr id="27" name="TextBox 27"/>
+            <p:cNvSpPr txBox="1"/>
             <p:nvPr/>
           </p:nvSpPr>
           <p:spPr>
-            <a:xfrm rot="0">
+            <a:xfrm>
               <a:off x="0" y="1943303"/>
               <a:ext cx="3222515" cy="2196677"/>
             </a:xfrm>
@@ -5178,7 +5258,7 @@
             </a:prstGeom>
           </p:spPr>
           <p:txBody>
-            <a:bodyPr anchor="t" rtlCol="false" tIns="0" lIns="0" bIns="0" rIns="0">
+            <a:bodyPr lIns="0" tIns="0" rIns="0" bIns="0" rtlCol="0" anchor="t">
               <a:spAutoFit/>
             </a:bodyPr>
             <a:lstStyle/>
@@ -5189,7 +5269,7 @@
                 </a:lnSpc>
               </a:pPr>
               <a:r>
-                <a:rPr lang="en-US" b="true" sz="3200">
+                <a:rPr lang="en-US" sz="3200" b="1">
                   <a:solidFill>
                     <a:srgbClr val="000000"/>
                   </a:solidFill>
@@ -5208,7 +5288,7 @@
                 </a:lnSpc>
               </a:pPr>
               <a:r>
-                <a:rPr lang="en-US" b="true" sz="3200">
+                <a:rPr lang="en-US" sz="3200" b="1">
                   <a:solidFill>
                     <a:srgbClr val="000000"/>
                   </a:solidFill>
@@ -5232,7 +5312,7 @@
 </file>
 
 <file path=ppt/slides/slide2.xml><?xml version="1.0" encoding="utf-8"?>
-<p:sld xmlns:p="http://schemas.openxmlformats.org/presentationml/2006/main" xmlns:a="http://schemas.openxmlformats.org/drawingml/2006/main" xmlns:r="http://schemas.openxmlformats.org/officeDocument/2006/relationships">
+<p:sld xmlns:a="http://schemas.openxmlformats.org/drawingml/2006/main" xmlns:r="http://schemas.openxmlformats.org/officeDocument/2006/relationships" xmlns:p="http://schemas.openxmlformats.org/presentationml/2006/main">
   <p:cSld>
     <p:spTree>
       <p:nvGrpSpPr>
@@ -5250,14 +5330,14 @@
       </p:grpSpPr>
       <p:grpSp>
         <p:nvGrpSpPr>
-          <p:cNvPr name="Group 2" id="2"/>
+          <p:cNvPr id="2" name="Group 2"/>
           <p:cNvGrpSpPr>
-            <a:grpSpLocks noChangeAspect="true"/>
+            <a:grpSpLocks noChangeAspect="1"/>
           </p:cNvGrpSpPr>
           <p:nvPr/>
         </p:nvGrpSpPr>
         <p:grpSpPr>
-          <a:xfrm rot="0">
+          <a:xfrm>
             <a:off x="13158228" y="311325"/>
             <a:ext cx="4712109" cy="1178028"/>
             <a:chOff x="0" y="0"/>
@@ -5266,12 +5346,12 @@
         </p:grpSpPr>
         <p:sp>
           <p:nvSpPr>
-            <p:cNvPr name="Freeform 3" id="3" descr="EscuelaIT Duoc UC - Escuela de Informática y Telecomunicaciones Duoc UC - Duoc  UC | LinkedIn"/>
+            <p:cNvPr id="3" name="Freeform 3" descr="EscuelaIT Duoc UC - Escuela de Informática y Telecomunicaciones Duoc UC - Duoc  UC | LinkedIn"/>
             <p:cNvSpPr/>
             <p:nvPr/>
           </p:nvSpPr>
           <p:spPr>
-            <a:xfrm flipH="false" flipV="false" rot="0">
+            <a:xfrm>
               <a:off x="0" y="0"/>
               <a:ext cx="6282817" cy="1570736"/>
             </a:xfrm>
@@ -5280,9 +5360,9 @@
               <a:gdLst/>
               <a:ahLst/>
               <a:cxnLst/>
-              <a:rect r="r" b="b" t="t" l="l"/>
+              <a:rect l="l" t="t" r="r" b="b"/>
               <a:pathLst>
-                <a:path h="1570736" w="6282817">
+                <a:path w="6282817" h="1570736">
                   <a:moveTo>
                     <a:pt x="0" y="0"/>
                   </a:moveTo>
@@ -5305,20 +5385,27 @@
             <a:blipFill>
               <a:blip r:embed="rId3"/>
               <a:stretch>
-                <a:fillRect l="0" t="0" r="0" b="2"/>
+                <a:fillRect b="2"/>
               </a:stretch>
             </a:blipFill>
           </p:spPr>
+          <p:txBody>
+            <a:bodyPr/>
+            <a:lstStyle/>
+            <a:p>
+              <a:endParaRPr lang="es-CL"/>
+            </a:p>
+          </p:txBody>
         </p:sp>
       </p:grpSp>
       <p:grpSp>
         <p:nvGrpSpPr>
-          <p:cNvPr name="Group 4" id="4"/>
+          <p:cNvPr id="4" name="Group 4"/>
           <p:cNvGrpSpPr/>
           <p:nvPr/>
         </p:nvGrpSpPr>
         <p:grpSpPr>
-          <a:xfrm rot="0">
+          <a:xfrm>
             <a:off x="6181539" y="2566228"/>
             <a:ext cx="11450241" cy="2039322"/>
             <a:chOff x="0" y="0"/>
@@ -5327,12 +5414,12 @@
         </p:grpSpPr>
         <p:sp>
           <p:nvSpPr>
-            <p:cNvPr name="Freeform 5" id="5"/>
+            <p:cNvPr id="5" name="Freeform 5"/>
             <p:cNvSpPr/>
             <p:nvPr/>
           </p:nvSpPr>
           <p:spPr>
-            <a:xfrm flipH="false" flipV="false" rot="0">
+            <a:xfrm>
               <a:off x="0" y="0"/>
               <a:ext cx="15266924" cy="2719070"/>
             </a:xfrm>
@@ -5341,9 +5428,9 @@
               <a:gdLst/>
               <a:ahLst/>
               <a:cxnLst/>
-              <a:rect r="r" b="b" t="t" l="l"/>
+              <a:rect l="l" t="t" r="r" b="b"/>
               <a:pathLst>
-                <a:path h="2719070" w="15266924">
+                <a:path w="15266924" h="2719070">
                   <a:moveTo>
                     <a:pt x="0" y="271907"/>
                   </a:moveTo>
@@ -5380,7 +5467,7 @@
                 </a:path>
               </a:pathLst>
             </a:custGeom>
-            <a:gradFill rotWithShape="true">
+            <a:gradFill rotWithShape="1">
               <a:gsLst>
                 <a:gs pos="0">
                   <a:srgbClr val="72A7DB">
@@ -5401,16 +5488,23 @@
               <a:lin ang="5400000"/>
             </a:gradFill>
           </p:spPr>
+          <p:txBody>
+            <a:bodyPr/>
+            <a:lstStyle/>
+            <a:p>
+              <a:endParaRPr lang="es-CL"/>
+            </a:p>
+          </p:txBody>
         </p:sp>
       </p:grpSp>
       <p:grpSp>
         <p:nvGrpSpPr>
-          <p:cNvPr name="Group 6" id="6"/>
+          <p:cNvPr id="6" name="Group 6"/>
           <p:cNvGrpSpPr/>
           <p:nvPr/>
         </p:nvGrpSpPr>
         <p:grpSpPr>
-          <a:xfrm rot="0">
+          <a:xfrm>
             <a:off x="8670756" y="2561466"/>
             <a:ext cx="8965785" cy="1603248"/>
             <a:chOff x="0" y="0"/>
@@ -5419,12 +5513,12 @@
         </p:grpSpPr>
         <p:sp>
           <p:nvSpPr>
-            <p:cNvPr name="Freeform 7" id="7"/>
+            <p:cNvPr id="7" name="Freeform 7"/>
             <p:cNvSpPr/>
             <p:nvPr/>
           </p:nvSpPr>
           <p:spPr>
-            <a:xfrm flipH="false" flipV="false" rot="0">
+            <a:xfrm>
               <a:off x="0" y="0"/>
               <a:ext cx="11954380" cy="2137664"/>
             </a:xfrm>
@@ -5433,9 +5527,9 @@
               <a:gdLst/>
               <a:ahLst/>
               <a:cxnLst/>
-              <a:rect r="r" b="b" t="t" l="l"/>
+              <a:rect l="l" t="t" r="r" b="b"/>
               <a:pathLst>
-                <a:path h="2137664" w="11954380">
+                <a:path w="11954380" h="2137664">
                   <a:moveTo>
                     <a:pt x="0" y="0"/>
                   </a:moveTo>
@@ -5464,28 +5558,35 @@
                 </a:extLst>
               </a:blip>
               <a:stretch>
-                <a:fillRect l="0" t="-13896" r="0" b="-13896"/>
+                <a:fillRect t="-13896" b="-13896"/>
               </a:stretch>
             </a:blipFill>
           </p:spPr>
+          <p:txBody>
+            <a:bodyPr/>
+            <a:lstStyle/>
+            <a:p>
+              <a:endParaRPr lang="es-CL"/>
+            </a:p>
+          </p:txBody>
         </p:sp>
         <p:sp>
           <p:nvSpPr>
-            <p:cNvPr name="TextBox 8" id="8"/>
-            <p:cNvSpPr txBox="true"/>
+            <p:cNvPr id="8" name="TextBox 8"/>
+            <p:cNvSpPr txBox="1"/>
             <p:nvPr/>
           </p:nvSpPr>
           <p:spPr>
-            <a:xfrm rot="0">
+            <a:xfrm>
               <a:off x="132080" y="93980"/>
-              <a:ext cx="11690220" cy="1911604"/>
+              <a:ext cx="11690220" cy="1812461"/>
             </a:xfrm>
             <a:prstGeom prst="rect">
               <a:avLst/>
             </a:prstGeom>
           </p:spPr>
           <p:txBody>
-            <a:bodyPr anchor="t" rtlCol="false" tIns="0" lIns="0" bIns="0" rIns="0">
+            <a:bodyPr lIns="0" tIns="0" rIns="0" bIns="0" rtlCol="0" anchor="t">
               <a:spAutoFit/>
             </a:bodyPr>
             <a:lstStyle/>
@@ -5496,7 +5597,7 @@
                 </a:lnSpc>
               </a:pPr>
               <a:r>
-                <a:rPr lang="en-US" sz="3900">
+                <a:rPr lang="en-US" sz="3900" dirty="0">
                   <a:solidFill>
                     <a:srgbClr val="FFFFFF"/>
                   </a:solidFill>
@@ -5509,13 +5610,25 @@
               </a:r>
             </a:p>
             <a:p>
-              <a:pPr algn="l" marL="542925" indent="-180975" lvl="2">
+              <a:pPr marL="542925" lvl="2" indent="-180975" algn="l">
                 <a:lnSpc>
                   <a:spcPts val="3240"/>
                 </a:lnSpc>
                 <a:buFont typeface="Arial"/>
                 <a:buChar char="⚬"/>
               </a:pPr>
+              <a:r>
+                <a:rPr lang="en-US" sz="3000" dirty="0">
+                  <a:solidFill>
+                    <a:srgbClr val="FFFFFF"/>
+                  </a:solidFill>
+                  <a:latin typeface="Calibri (MS)"/>
+                  <a:ea typeface="Calibri (MS)"/>
+                  <a:cs typeface="Calibri (MS)"/>
+                  <a:sym typeface="Calibri (MS)"/>
+                </a:rPr>
+                <a:t>Scrum Master y </a:t>
+              </a:r>
               <a:r>
                 <a:rPr lang="en-US" sz="3000">
                   <a:solidFill>
@@ -5526,11 +5639,20 @@
                   <a:cs typeface="Calibri (MS)"/>
                   <a:sym typeface="Calibri (MS)"/>
                 </a:rPr>
-                <a:t>Scrum Master y Arquitecto de Software</a:t>
+                <a:t>Product Owner</a:t>
               </a:r>
+              <a:endParaRPr lang="en-US" sz="3000" dirty="0">
+                <a:solidFill>
+                  <a:srgbClr val="FFFFFF"/>
+                </a:solidFill>
+                <a:latin typeface="Calibri (MS)"/>
+                <a:ea typeface="Calibri (MS)"/>
+                <a:cs typeface="Calibri (MS)"/>
+                <a:sym typeface="Calibri (MS)"/>
+              </a:endParaRPr>
             </a:p>
             <a:p>
-              <a:pPr algn="l" marL="542925" indent="-180975" lvl="2">
+              <a:pPr marL="542925" lvl="2" indent="-180975" algn="l">
                 <a:lnSpc>
                   <a:spcPts val="3240"/>
                 </a:lnSpc>
@@ -5538,7 +5660,7 @@
                 <a:buChar char="⚬"/>
               </a:pPr>
               <a:r>
-                <a:rPr lang="en-US" sz="3000">
+                <a:rPr lang="en-US" sz="3000" dirty="0" err="1">
                   <a:solidFill>
                     <a:srgbClr val="FFFFFF"/>
                   </a:solidFill>
@@ -5547,7 +5669,67 @@
                   <a:cs typeface="Calibri (MS)"/>
                   <a:sym typeface="Calibri (MS)"/>
                 </a:rPr>
-                <a:t>planificación de sprints, arquitectura y coordinación.</a:t>
+                <a:t>planificación</a:t>
+              </a:r>
+              <a:r>
+                <a:rPr lang="en-US" sz="3000" dirty="0">
+                  <a:solidFill>
+                    <a:srgbClr val="FFFFFF"/>
+                  </a:solidFill>
+                  <a:latin typeface="Calibri (MS)"/>
+                  <a:ea typeface="Calibri (MS)"/>
+                  <a:cs typeface="Calibri (MS)"/>
+                  <a:sym typeface="Calibri (MS)"/>
+                </a:rPr>
+                <a:t> de sprints, </a:t>
+              </a:r>
+              <a:r>
+                <a:rPr lang="en-US" sz="3000" dirty="0" err="1">
+                  <a:solidFill>
+                    <a:srgbClr val="FFFFFF"/>
+                  </a:solidFill>
+                  <a:latin typeface="Calibri (MS)"/>
+                  <a:ea typeface="Calibri (MS)"/>
+                  <a:cs typeface="Calibri (MS)"/>
+                  <a:sym typeface="Calibri (MS)"/>
+                </a:rPr>
+                <a:t>arquitectura</a:t>
+              </a:r>
+              <a:r>
+                <a:rPr lang="en-US" sz="3000" dirty="0">
+                  <a:solidFill>
+                    <a:srgbClr val="FFFFFF"/>
+                  </a:solidFill>
+                  <a:latin typeface="Calibri (MS)"/>
+                  <a:ea typeface="Calibri (MS)"/>
+                  <a:cs typeface="Calibri (MS)"/>
+                  <a:sym typeface="Calibri (MS)"/>
+                </a:rPr>
+                <a:t> y </a:t>
+              </a:r>
+              <a:r>
+                <a:rPr lang="en-US" sz="3000" dirty="0" err="1">
+                  <a:solidFill>
+                    <a:srgbClr val="FFFFFF"/>
+                  </a:solidFill>
+                  <a:latin typeface="Calibri (MS)"/>
+                  <a:ea typeface="Calibri (MS)"/>
+                  <a:cs typeface="Calibri (MS)"/>
+                  <a:sym typeface="Calibri (MS)"/>
+                </a:rPr>
+                <a:t>coordinación</a:t>
+              </a:r>
+              <a:r>
+                <a:rPr lang="en-US" sz="3000" dirty="0">
+                  <a:solidFill>
+                    <a:srgbClr val="FFFFFF"/>
+                  </a:solidFill>
+                  <a:latin typeface="Calibri (MS)"/>
+                  <a:ea typeface="Calibri (MS)"/>
+                  <a:cs typeface="Calibri (MS)"/>
+                  <a:sym typeface="Calibri (MS)"/>
+                </a:rPr>
+                <a:t>.</a:t>
               </a:r>
             </a:p>
           </p:txBody>
@@ -5555,12 +5737,12 @@
       </p:grpSp>
       <p:grpSp>
         <p:nvGrpSpPr>
-          <p:cNvPr name="Group 9" id="9"/>
+          <p:cNvPr id="9" name="Group 9"/>
           <p:cNvGrpSpPr/>
           <p:nvPr/>
         </p:nvGrpSpPr>
         <p:grpSpPr>
-          <a:xfrm rot="0">
+          <a:xfrm>
             <a:off x="6385470" y="2770160"/>
             <a:ext cx="2290047" cy="1631457"/>
             <a:chOff x="0" y="0"/>
@@ -5569,12 +5751,12 @@
         </p:grpSpPr>
         <p:sp>
           <p:nvSpPr>
-            <p:cNvPr name="Freeform 10" id="10"/>
+            <p:cNvPr id="10" name="Freeform 10"/>
             <p:cNvSpPr/>
             <p:nvPr/>
           </p:nvSpPr>
           <p:spPr>
-            <a:xfrm flipH="false" flipV="false" rot="0">
+            <a:xfrm>
               <a:off x="0" y="0"/>
               <a:ext cx="3053461" cy="2175256"/>
             </a:xfrm>
@@ -5583,9 +5765,9 @@
               <a:gdLst/>
               <a:ahLst/>
               <a:cxnLst/>
-              <a:rect r="r" b="b" t="t" l="l"/>
+              <a:rect l="l" t="t" r="r" b="b"/>
               <a:pathLst>
-                <a:path h="2175256" w="3053461">
+                <a:path w="3053461" h="2175256">
                   <a:moveTo>
                     <a:pt x="0" y="217551"/>
                   </a:moveTo>
@@ -5626,16 +5808,23 @@
               <a:srgbClr val="C4D5EB"/>
             </a:solidFill>
           </p:spPr>
+          <p:txBody>
+            <a:bodyPr/>
+            <a:lstStyle/>
+            <a:p>
+              <a:endParaRPr lang="es-CL"/>
+            </a:p>
+          </p:txBody>
         </p:sp>
       </p:grpSp>
       <p:grpSp>
         <p:nvGrpSpPr>
-          <p:cNvPr name="Group 11" id="11"/>
+          <p:cNvPr id="11" name="Group 11"/>
           <p:cNvGrpSpPr/>
           <p:nvPr/>
         </p:nvGrpSpPr>
         <p:grpSpPr>
-          <a:xfrm rot="0">
+          <a:xfrm>
             <a:off x="6181539" y="4809482"/>
             <a:ext cx="11450241" cy="2039322"/>
             <a:chOff x="0" y="0"/>
@@ -5644,12 +5833,12 @@
         </p:grpSpPr>
         <p:sp>
           <p:nvSpPr>
-            <p:cNvPr name="Freeform 12" id="12"/>
+            <p:cNvPr id="12" name="Freeform 12"/>
             <p:cNvSpPr/>
             <p:nvPr/>
           </p:nvSpPr>
           <p:spPr>
-            <a:xfrm flipH="false" flipV="false" rot="0">
+            <a:xfrm>
               <a:off x="0" y="0"/>
               <a:ext cx="15266924" cy="2719070"/>
             </a:xfrm>
@@ -5658,9 +5847,9 @@
               <a:gdLst/>
               <a:ahLst/>
               <a:cxnLst/>
-              <a:rect r="r" b="b" t="t" l="l"/>
+              <a:rect l="l" t="t" r="r" b="b"/>
               <a:pathLst>
-                <a:path h="2719070" w="15266924">
+                <a:path w="15266924" h="2719070">
                   <a:moveTo>
                     <a:pt x="0" y="271907"/>
                   </a:moveTo>
@@ -5697,7 +5886,7 @@
                 </a:path>
               </a:pathLst>
             </a:custGeom>
-            <a:gradFill rotWithShape="true">
+            <a:gradFill rotWithShape="1">
               <a:gsLst>
                 <a:gs pos="0">
                   <a:srgbClr val="72A7DB">
@@ -5718,16 +5907,23 @@
               <a:lin ang="5400000"/>
             </a:gradFill>
           </p:spPr>
+          <p:txBody>
+            <a:bodyPr/>
+            <a:lstStyle/>
+            <a:p>
+              <a:endParaRPr lang="es-CL"/>
+            </a:p>
+          </p:txBody>
         </p:sp>
       </p:grpSp>
       <p:grpSp>
         <p:nvGrpSpPr>
-          <p:cNvPr name="Group 13" id="13"/>
+          <p:cNvPr id="13" name="Group 13"/>
           <p:cNvGrpSpPr/>
           <p:nvPr/>
         </p:nvGrpSpPr>
         <p:grpSpPr>
-          <a:xfrm rot="0">
+          <a:xfrm>
             <a:off x="8670756" y="4804719"/>
             <a:ext cx="8965785" cy="1603248"/>
             <a:chOff x="0" y="0"/>
@@ -5736,12 +5932,12 @@
         </p:grpSpPr>
         <p:sp>
           <p:nvSpPr>
-            <p:cNvPr name="Freeform 14" id="14"/>
+            <p:cNvPr id="14" name="Freeform 14"/>
             <p:cNvSpPr/>
             <p:nvPr/>
           </p:nvSpPr>
           <p:spPr>
-            <a:xfrm flipH="false" flipV="false" rot="0">
+            <a:xfrm>
               <a:off x="0" y="0"/>
               <a:ext cx="11954380" cy="2137664"/>
             </a:xfrm>
@@ -5750,9 +5946,9 @@
               <a:gdLst/>
               <a:ahLst/>
               <a:cxnLst/>
-              <a:rect r="r" b="b" t="t" l="l"/>
+              <a:rect l="l" t="t" r="r" b="b"/>
               <a:pathLst>
-                <a:path h="2137664" w="11954380">
+                <a:path w="11954380" h="2137664">
                   <a:moveTo>
                     <a:pt x="0" y="0"/>
                   </a:moveTo>
@@ -5781,19 +5977,26 @@
                 </a:extLst>
               </a:blip>
               <a:stretch>
-                <a:fillRect l="0" t="-13896" r="0" b="-13896"/>
+                <a:fillRect t="-13896" b="-13896"/>
               </a:stretch>
             </a:blipFill>
           </p:spPr>
+          <p:txBody>
+            <a:bodyPr/>
+            <a:lstStyle/>
+            <a:p>
+              <a:endParaRPr lang="es-CL"/>
+            </a:p>
+          </p:txBody>
         </p:sp>
         <p:sp>
           <p:nvSpPr>
-            <p:cNvPr name="TextBox 15" id="15"/>
-            <p:cNvSpPr txBox="true"/>
+            <p:cNvPr id="15" name="TextBox 15"/>
+            <p:cNvSpPr txBox="1"/>
             <p:nvPr/>
           </p:nvSpPr>
           <p:spPr>
-            <a:xfrm rot="0">
+            <a:xfrm>
               <a:off x="132080" y="93980"/>
               <a:ext cx="11690220" cy="1911604"/>
             </a:xfrm>
@@ -5802,7 +6005,7 @@
             </a:prstGeom>
           </p:spPr>
           <p:txBody>
-            <a:bodyPr anchor="t" rtlCol="false" tIns="0" lIns="0" bIns="0" rIns="0">
+            <a:bodyPr lIns="0" tIns="0" rIns="0" bIns="0" rtlCol="0" anchor="t">
               <a:spAutoFit/>
             </a:bodyPr>
             <a:lstStyle/>
@@ -5826,7 +6029,7 @@
               </a:r>
             </a:p>
             <a:p>
-              <a:pPr algn="l" marL="542925" indent="-180975" lvl="2">
+              <a:pPr marL="542925" lvl="2" indent="-180975" algn="l">
                 <a:lnSpc>
                   <a:spcPts val="3240"/>
                 </a:lnSpc>
@@ -5847,7 +6050,7 @@
               </a:r>
             </a:p>
             <a:p>
-              <a:pPr algn="l" marL="542925" indent="-180975" lvl="2">
+              <a:pPr marL="542925" lvl="2" indent="-180975" algn="l">
                 <a:lnSpc>
                   <a:spcPts val="3240"/>
                 </a:lnSpc>
@@ -5872,12 +6075,12 @@
       </p:grpSp>
       <p:grpSp>
         <p:nvGrpSpPr>
-          <p:cNvPr name="Group 16" id="16"/>
+          <p:cNvPr id="16" name="Group 16"/>
           <p:cNvGrpSpPr/>
           <p:nvPr/>
         </p:nvGrpSpPr>
         <p:grpSpPr>
-          <a:xfrm rot="0">
+          <a:xfrm>
             <a:off x="6385470" y="5013414"/>
             <a:ext cx="2290047" cy="1631457"/>
             <a:chOff x="0" y="0"/>
@@ -5886,12 +6089,12 @@
         </p:grpSpPr>
         <p:sp>
           <p:nvSpPr>
-            <p:cNvPr name="Freeform 17" id="17"/>
+            <p:cNvPr id="17" name="Freeform 17"/>
             <p:cNvSpPr/>
             <p:nvPr/>
           </p:nvSpPr>
           <p:spPr>
-            <a:xfrm flipH="false" flipV="false" rot="0">
+            <a:xfrm>
               <a:off x="0" y="0"/>
               <a:ext cx="3053461" cy="2175256"/>
             </a:xfrm>
@@ -5900,9 +6103,9 @@
               <a:gdLst/>
               <a:ahLst/>
               <a:cxnLst/>
-              <a:rect r="r" b="b" t="t" l="l"/>
+              <a:rect l="l" t="t" r="r" b="b"/>
               <a:pathLst>
-                <a:path h="2175256" w="3053461">
+                <a:path w="3053461" h="2175256">
                   <a:moveTo>
                     <a:pt x="0" y="217551"/>
                   </a:moveTo>
@@ -5943,16 +6146,23 @@
               <a:srgbClr val="C4D5EB"/>
             </a:solidFill>
           </p:spPr>
+          <p:txBody>
+            <a:bodyPr/>
+            <a:lstStyle/>
+            <a:p>
+              <a:endParaRPr lang="es-CL"/>
+            </a:p>
+          </p:txBody>
         </p:sp>
       </p:grpSp>
       <p:grpSp>
         <p:nvGrpSpPr>
-          <p:cNvPr name="Group 18" id="18"/>
+          <p:cNvPr id="18" name="Group 18"/>
           <p:cNvGrpSpPr/>
           <p:nvPr/>
         </p:nvGrpSpPr>
         <p:grpSpPr>
-          <a:xfrm rot="0">
+          <a:xfrm>
             <a:off x="6181539" y="7052736"/>
             <a:ext cx="11450241" cy="2039322"/>
             <a:chOff x="0" y="0"/>
@@ -5961,12 +6171,12 @@
         </p:grpSpPr>
         <p:sp>
           <p:nvSpPr>
-            <p:cNvPr name="Freeform 19" id="19"/>
+            <p:cNvPr id="19" name="Freeform 19"/>
             <p:cNvSpPr/>
             <p:nvPr/>
           </p:nvSpPr>
           <p:spPr>
-            <a:xfrm flipH="false" flipV="false" rot="0">
+            <a:xfrm>
               <a:off x="0" y="0"/>
               <a:ext cx="15266924" cy="2719070"/>
             </a:xfrm>
@@ -5975,9 +6185,9 @@
               <a:gdLst/>
               <a:ahLst/>
               <a:cxnLst/>
-              <a:rect r="r" b="b" t="t" l="l"/>
+              <a:rect l="l" t="t" r="r" b="b"/>
               <a:pathLst>
-                <a:path h="2719070" w="15266924">
+                <a:path w="15266924" h="2719070">
                   <a:moveTo>
                     <a:pt x="0" y="271907"/>
                   </a:moveTo>
@@ -6014,7 +6224,7 @@
                 </a:path>
               </a:pathLst>
             </a:custGeom>
-            <a:gradFill rotWithShape="true">
+            <a:gradFill rotWithShape="1">
               <a:gsLst>
                 <a:gs pos="0">
                   <a:srgbClr val="72A7DB">
@@ -6035,16 +6245,23 @@
               <a:lin ang="5400000"/>
             </a:gradFill>
           </p:spPr>
+          <p:txBody>
+            <a:bodyPr/>
+            <a:lstStyle/>
+            <a:p>
+              <a:endParaRPr lang="es-CL"/>
+            </a:p>
+          </p:txBody>
         </p:sp>
       </p:grpSp>
       <p:grpSp>
         <p:nvGrpSpPr>
-          <p:cNvPr name="Group 20" id="20"/>
+          <p:cNvPr id="20" name="Group 20"/>
           <p:cNvGrpSpPr/>
           <p:nvPr/>
         </p:nvGrpSpPr>
         <p:grpSpPr>
-          <a:xfrm rot="0">
+          <a:xfrm>
             <a:off x="8670756" y="7047973"/>
             <a:ext cx="8965785" cy="1603248"/>
             <a:chOff x="0" y="0"/>
@@ -6053,12 +6270,12 @@
         </p:grpSpPr>
         <p:sp>
           <p:nvSpPr>
-            <p:cNvPr name="Freeform 21" id="21"/>
+            <p:cNvPr id="21" name="Freeform 21"/>
             <p:cNvSpPr/>
             <p:nvPr/>
           </p:nvSpPr>
           <p:spPr>
-            <a:xfrm flipH="false" flipV="false" rot="0">
+            <a:xfrm>
               <a:off x="0" y="0"/>
               <a:ext cx="11954380" cy="2137664"/>
             </a:xfrm>
@@ -6067,9 +6284,9 @@
               <a:gdLst/>
               <a:ahLst/>
               <a:cxnLst/>
-              <a:rect r="r" b="b" t="t" l="l"/>
+              <a:rect l="l" t="t" r="r" b="b"/>
               <a:pathLst>
-                <a:path h="2137664" w="11954380">
+                <a:path w="11954380" h="2137664">
                   <a:moveTo>
                     <a:pt x="0" y="0"/>
                   </a:moveTo>
@@ -6098,19 +6315,26 @@
                 </a:extLst>
               </a:blip>
               <a:stretch>
-                <a:fillRect l="0" t="-13896" r="0" b="-13896"/>
+                <a:fillRect t="-13896" b="-13896"/>
               </a:stretch>
             </a:blipFill>
           </p:spPr>
+          <p:txBody>
+            <a:bodyPr/>
+            <a:lstStyle/>
+            <a:p>
+              <a:endParaRPr lang="es-CL"/>
+            </a:p>
+          </p:txBody>
         </p:sp>
         <p:sp>
           <p:nvSpPr>
-            <p:cNvPr name="TextBox 22" id="22"/>
-            <p:cNvSpPr txBox="true"/>
+            <p:cNvPr id="22" name="TextBox 22"/>
+            <p:cNvSpPr txBox="1"/>
             <p:nvPr/>
           </p:nvSpPr>
           <p:spPr>
-            <a:xfrm rot="0">
+            <a:xfrm>
               <a:off x="132080" y="93980"/>
               <a:ext cx="11690220" cy="1911604"/>
             </a:xfrm>
@@ -6119,7 +6343,7 @@
             </a:prstGeom>
           </p:spPr>
           <p:txBody>
-            <a:bodyPr anchor="t" rtlCol="false" tIns="0" lIns="0" bIns="0" rIns="0">
+            <a:bodyPr lIns="0" tIns="0" rIns="0" bIns="0" rtlCol="0" anchor="t">
               <a:spAutoFit/>
             </a:bodyPr>
             <a:lstStyle/>
@@ -6143,7 +6367,7 @@
               </a:r>
             </a:p>
             <a:p>
-              <a:pPr algn="l" marL="542925" indent="-180975" lvl="2">
+              <a:pPr marL="542925" lvl="2" indent="-180975" algn="l">
                 <a:lnSpc>
                   <a:spcPts val="3240"/>
                 </a:lnSpc>
@@ -6164,7 +6388,7 @@
               </a:r>
             </a:p>
             <a:p>
-              <a:pPr algn="l" marL="542925" indent="-180975" lvl="2">
+              <a:pPr marL="542925" lvl="2" indent="-180975" algn="l">
                 <a:lnSpc>
                   <a:spcPts val="3240"/>
                 </a:lnSpc>
@@ -6189,12 +6413,12 @@
       </p:grpSp>
       <p:grpSp>
         <p:nvGrpSpPr>
-          <p:cNvPr name="Group 23" id="23"/>
+          <p:cNvPr id="23" name="Group 23"/>
           <p:cNvGrpSpPr/>
           <p:nvPr/>
         </p:nvGrpSpPr>
         <p:grpSpPr>
-          <a:xfrm rot="0">
+          <a:xfrm>
             <a:off x="6385470" y="7256668"/>
             <a:ext cx="2290047" cy="1631457"/>
             <a:chOff x="0" y="0"/>
@@ -6203,12 +6427,12 @@
         </p:grpSpPr>
         <p:sp>
           <p:nvSpPr>
-            <p:cNvPr name="Freeform 24" id="24"/>
+            <p:cNvPr id="24" name="Freeform 24"/>
             <p:cNvSpPr/>
             <p:nvPr/>
           </p:nvSpPr>
           <p:spPr>
-            <a:xfrm flipH="false" flipV="false" rot="0">
+            <a:xfrm>
               <a:off x="0" y="0"/>
               <a:ext cx="3053461" cy="2175256"/>
             </a:xfrm>
@@ -6217,9 +6441,9 @@
               <a:gdLst/>
               <a:ahLst/>
               <a:cxnLst/>
-              <a:rect r="r" b="b" t="t" l="l"/>
+              <a:rect l="l" t="t" r="r" b="b"/>
               <a:pathLst>
-                <a:path h="2175256" w="3053461">
+                <a:path w="3053461" h="2175256">
                   <a:moveTo>
                     <a:pt x="0" y="217551"/>
                   </a:moveTo>
@@ -6260,16 +6484,23 @@
               <a:srgbClr val="C4D5EB"/>
             </a:solidFill>
           </p:spPr>
+          <p:txBody>
+            <a:bodyPr/>
+            <a:lstStyle/>
+            <a:p>
+              <a:endParaRPr lang="es-CL"/>
+            </a:p>
+          </p:txBody>
         </p:sp>
       </p:grpSp>
       <p:sp>
         <p:nvSpPr>
-          <p:cNvPr name="TextBox 25" id="25"/>
-          <p:cNvSpPr txBox="true"/>
+          <p:cNvPr id="25" name="TextBox 25"/>
+          <p:cNvSpPr txBox="1"/>
           <p:nvPr/>
         </p:nvSpPr>
         <p:spPr>
-          <a:xfrm rot="0">
+          <a:xfrm>
             <a:off x="295722" y="541962"/>
             <a:ext cx="18105118" cy="466725"/>
           </a:xfrm>
@@ -6278,7 +6509,7 @@
           </a:prstGeom>
         </p:spPr>
         <p:txBody>
-          <a:bodyPr anchor="t" rtlCol="false" tIns="0" lIns="0" bIns="0" rIns="0">
+          <a:bodyPr lIns="0" tIns="0" rIns="0" bIns="0" rtlCol="0" anchor="t">
             <a:spAutoFit/>
           </a:bodyPr>
           <a:lstStyle/>
@@ -6305,12 +6536,12 @@
       </p:sp>
       <p:sp>
         <p:nvSpPr>
-          <p:cNvPr name="TextBox 26" id="26"/>
-          <p:cNvSpPr txBox="true"/>
+          <p:cNvPr id="26" name="TextBox 26"/>
+          <p:cNvSpPr txBox="1"/>
           <p:nvPr/>
         </p:nvSpPr>
         <p:spPr>
-          <a:xfrm rot="0">
+          <a:xfrm>
             <a:off x="448930" y="4519344"/>
             <a:ext cx="5230562" cy="1823354"/>
           </a:xfrm>
@@ -6319,7 +6550,7 @@
           </a:prstGeom>
         </p:spPr>
         <p:txBody>
-          <a:bodyPr anchor="t" rtlCol="false" tIns="0" lIns="0" bIns="0" rIns="0">
+          <a:bodyPr lIns="0" tIns="0" rIns="0" bIns="0" rtlCol="0" anchor="t">
             <a:spAutoFit/>
           </a:bodyPr>
           <a:lstStyle/>
@@ -6346,7 +6577,7 @@
       </p:sp>
       <p:sp>
         <p:nvSpPr>
-          <p:cNvPr name="AutoShape 27" id="27"/>
+          <p:cNvPr id="27" name="AutoShape 27"/>
           <p:cNvSpPr/>
           <p:nvPr/>
         </p:nvSpPr>
@@ -6358,29 +6589,36 @@
           <a:prstGeom prst="line">
             <a:avLst/>
           </a:prstGeom>
-          <a:ln cap="rnd" w="9525">
+          <a:ln w="9525" cap="rnd">
             <a:solidFill>
               <a:srgbClr val="000000"/>
             </a:solidFill>
             <a:prstDash val="solid"/>
-            <a:headEnd type="none" len="sm" w="sm"/>
-            <a:tailEnd type="none" len="sm" w="sm"/>
+            <a:headEnd type="none" w="sm" len="sm"/>
+            <a:tailEnd type="none" w="sm" len="sm"/>
           </a:ln>
         </p:spPr>
+        <p:txBody>
+          <a:bodyPr/>
+          <a:lstStyle/>
+          <a:p>
+            <a:endParaRPr lang="es-CL"/>
+          </a:p>
+        </p:txBody>
       </p:sp>
     </p:spTree>
   </p:cSld>
   <p:clrMapOvr>
     <a:masterClrMapping/>
   </p:clrMapOvr>
-  <p:transition spd="fast">
+  <p:transition>
     <p:fade/>
   </p:transition>
 </p:sld>
 </file>
 
 <file path=ppt/slides/slide3.xml><?xml version="1.0" encoding="utf-8"?>
-<p:sld xmlns:p="http://schemas.openxmlformats.org/presentationml/2006/main" xmlns:a="http://schemas.openxmlformats.org/drawingml/2006/main" xmlns:r="http://schemas.openxmlformats.org/officeDocument/2006/relationships">
+<p:sld xmlns:a="http://schemas.openxmlformats.org/drawingml/2006/main" xmlns:r="http://schemas.openxmlformats.org/officeDocument/2006/relationships" xmlns:p="http://schemas.openxmlformats.org/presentationml/2006/main">
   <p:cSld>
     <p:spTree>
       <p:nvGrpSpPr>
@@ -6398,14 +6636,14 @@
       </p:grpSpPr>
       <p:grpSp>
         <p:nvGrpSpPr>
-          <p:cNvPr name="Group 2" id="2"/>
+          <p:cNvPr id="2" name="Group 2"/>
           <p:cNvGrpSpPr>
-            <a:grpSpLocks noChangeAspect="true"/>
+            <a:grpSpLocks noChangeAspect="1"/>
           </p:cNvGrpSpPr>
           <p:nvPr/>
         </p:nvGrpSpPr>
         <p:grpSpPr>
-          <a:xfrm rot="0">
+          <a:xfrm>
             <a:off x="13158228" y="311325"/>
             <a:ext cx="4712109" cy="1178028"/>
             <a:chOff x="0" y="0"/>
@@ -6414,12 +6652,12 @@
         </p:grpSpPr>
         <p:sp>
           <p:nvSpPr>
-            <p:cNvPr name="Freeform 3" id="3" descr="EscuelaIT Duoc UC - Escuela de Informática y Telecomunicaciones Duoc UC - Duoc  UC | LinkedIn"/>
+            <p:cNvPr id="3" name="Freeform 3" descr="EscuelaIT Duoc UC - Escuela de Informática y Telecomunicaciones Duoc UC - Duoc  UC | LinkedIn"/>
             <p:cNvSpPr/>
             <p:nvPr/>
           </p:nvSpPr>
           <p:spPr>
-            <a:xfrm flipH="false" flipV="false" rot="0">
+            <a:xfrm>
               <a:off x="0" y="0"/>
               <a:ext cx="6282817" cy="1570736"/>
             </a:xfrm>
@@ -6428,9 +6666,9 @@
               <a:gdLst/>
               <a:ahLst/>
               <a:cxnLst/>
-              <a:rect r="r" b="b" t="t" l="l"/>
+              <a:rect l="l" t="t" r="r" b="b"/>
               <a:pathLst>
-                <a:path h="1570736" w="6282817">
+                <a:path w="6282817" h="1570736">
                   <a:moveTo>
                     <a:pt x="0" y="0"/>
                   </a:moveTo>
@@ -6453,20 +6691,27 @@
             <a:blipFill>
               <a:blip r:embed="rId2"/>
               <a:stretch>
-                <a:fillRect l="0" t="0" r="0" b="2"/>
+                <a:fillRect b="2"/>
               </a:stretch>
             </a:blipFill>
           </p:spPr>
+          <p:txBody>
+            <a:bodyPr/>
+            <a:lstStyle/>
+            <a:p>
+              <a:endParaRPr lang="es-CL"/>
+            </a:p>
+          </p:txBody>
         </p:sp>
       </p:grpSp>
       <p:sp>
         <p:nvSpPr>
-          <p:cNvPr name="TextBox 4" id="4"/>
-          <p:cNvSpPr txBox="true"/>
+          <p:cNvPr id="4" name="TextBox 4"/>
+          <p:cNvSpPr txBox="1"/>
           <p:nvPr/>
         </p:nvSpPr>
         <p:spPr>
-          <a:xfrm rot="0">
+          <a:xfrm>
             <a:off x="295722" y="541962"/>
             <a:ext cx="18105118" cy="466725"/>
           </a:xfrm>
@@ -6475,7 +6720,7 @@
           </a:prstGeom>
         </p:spPr>
         <p:txBody>
-          <a:bodyPr anchor="t" rtlCol="false" tIns="0" lIns="0" bIns="0" rIns="0">
+          <a:bodyPr lIns="0" tIns="0" rIns="0" bIns="0" rtlCol="0" anchor="t">
             <a:spAutoFit/>
           </a:bodyPr>
           <a:lstStyle/>
@@ -6502,12 +6747,12 @@
       </p:sp>
       <p:sp>
         <p:nvSpPr>
-          <p:cNvPr name="TextBox 5" id="5"/>
-          <p:cNvSpPr txBox="true"/>
+          <p:cNvPr id="5" name="TextBox 5"/>
+          <p:cNvSpPr txBox="1"/>
           <p:nvPr/>
         </p:nvSpPr>
         <p:spPr>
-          <a:xfrm rot="0">
+          <a:xfrm>
             <a:off x="91440" y="1627694"/>
             <a:ext cx="18105118" cy="933450"/>
           </a:xfrm>
@@ -6516,7 +6761,7 @@
           </a:prstGeom>
         </p:spPr>
         <p:txBody>
-          <a:bodyPr anchor="t" rtlCol="false" tIns="0" lIns="0" bIns="0" rIns="0">
+          <a:bodyPr lIns="0" tIns="0" rIns="0" bIns="0" rtlCol="0" anchor="t">
             <a:spAutoFit/>
           </a:bodyPr>
           <a:lstStyle/>
@@ -6527,7 +6772,7 @@
               </a:lnSpc>
             </a:pPr>
             <a:r>
-              <a:rPr lang="en-US" sz="5400" b="true">
+              <a:rPr lang="en-US" sz="5400" b="1">
                 <a:solidFill>
                   <a:srgbClr val="000000"/>
                 </a:solidFill>
@@ -6543,7 +6788,7 @@
       </p:sp>
       <p:sp>
         <p:nvSpPr>
-          <p:cNvPr name="AutoShape 6" id="6"/>
+          <p:cNvPr id="6" name="AutoShape 6"/>
           <p:cNvSpPr/>
           <p:nvPr/>
         </p:nvSpPr>
@@ -6555,24 +6800,31 @@
           <a:prstGeom prst="line">
             <a:avLst/>
           </a:prstGeom>
-          <a:ln cap="rnd" w="9525">
+          <a:ln w="9525" cap="rnd">
             <a:solidFill>
               <a:srgbClr val="000000"/>
             </a:solidFill>
             <a:prstDash val="solid"/>
-            <a:headEnd type="none" len="sm" w="sm"/>
-            <a:tailEnd type="none" len="sm" w="sm"/>
+            <a:headEnd type="none" w="sm" len="sm"/>
+            <a:tailEnd type="none" w="sm" len="sm"/>
           </a:ln>
         </p:spPr>
+        <p:txBody>
+          <a:bodyPr/>
+          <a:lstStyle/>
+          <a:p>
+            <a:endParaRPr lang="es-CL"/>
+          </a:p>
+        </p:txBody>
       </p:sp>
       <p:grpSp>
         <p:nvGrpSpPr>
-          <p:cNvPr name="Group 7" id="7"/>
+          <p:cNvPr id="7" name="Group 7"/>
           <p:cNvGrpSpPr/>
           <p:nvPr/>
         </p:nvGrpSpPr>
         <p:grpSpPr>
-          <a:xfrm rot="0">
+          <a:xfrm>
             <a:off x="9905692" y="2877225"/>
             <a:ext cx="7964644" cy="6697876"/>
             <a:chOff x="0" y="0"/>
@@ -6581,12 +6833,12 @@
         </p:grpSpPr>
         <p:sp>
           <p:nvSpPr>
-            <p:cNvPr name="Freeform 8" id="8"/>
+            <p:cNvPr id="8" name="Freeform 8"/>
             <p:cNvSpPr/>
             <p:nvPr/>
           </p:nvSpPr>
           <p:spPr>
-            <a:xfrm flipH="false" flipV="false" rot="0">
+            <a:xfrm>
               <a:off x="15278" y="13650"/>
               <a:ext cx="10463200" cy="8797458"/>
             </a:xfrm>
@@ -6595,9 +6847,9 @@
               <a:gdLst/>
               <a:ahLst/>
               <a:cxnLst/>
-              <a:rect r="r" b="b" t="t" l="l"/>
+              <a:rect l="l" t="t" r="r" b="b"/>
               <a:pathLst>
-                <a:path h="8797458" w="10463200">
+                <a:path w="10463200" h="8797458">
                   <a:moveTo>
                     <a:pt x="0" y="959038"/>
                   </a:moveTo>
@@ -6638,15 +6890,22 @@
               <a:srgbClr val="FFFFFF"/>
             </a:solidFill>
           </p:spPr>
+          <p:txBody>
+            <a:bodyPr/>
+            <a:lstStyle/>
+            <a:p>
+              <a:endParaRPr lang="es-CL"/>
+            </a:p>
+          </p:txBody>
         </p:sp>
         <p:sp>
           <p:nvSpPr>
-            <p:cNvPr name="Freeform 9" id="9"/>
+            <p:cNvPr id="9" name="Freeform 9"/>
             <p:cNvSpPr/>
             <p:nvPr/>
           </p:nvSpPr>
           <p:spPr>
-            <a:xfrm flipH="false" flipV="false" rot="0">
+            <a:xfrm>
               <a:off x="0" y="0"/>
               <a:ext cx="10493746" cy="8824752"/>
             </a:xfrm>
@@ -6655,9 +6914,9 @@
               <a:gdLst/>
               <a:ahLst/>
               <a:cxnLst/>
-              <a:rect r="r" b="b" t="t" l="l"/>
+              <a:rect l="l" t="t" r="r" b="b"/>
               <a:pathLst>
-                <a:path h="8824752" w="10493746">
+                <a:path w="10493746" h="8824752">
                   <a:moveTo>
                     <a:pt x="0" y="972688"/>
                   </a:moveTo>
@@ -6784,11 +7043,18 @@
               <a:srgbClr val="4472C4"/>
             </a:solidFill>
           </p:spPr>
+          <p:txBody>
+            <a:bodyPr/>
+            <a:lstStyle/>
+            <a:p>
+              <a:endParaRPr lang="es-CL"/>
+            </a:p>
+          </p:txBody>
         </p:sp>
         <p:sp>
           <p:nvSpPr>
-            <p:cNvPr name="TextBox 10" id="10"/>
-            <p:cNvSpPr txBox="true"/>
+            <p:cNvPr id="10" name="TextBox 10"/>
+            <p:cNvSpPr txBox="1"/>
             <p:nvPr/>
           </p:nvSpPr>
           <p:spPr>
@@ -6801,7 +7067,7 @@
             </a:prstGeom>
           </p:spPr>
           <p:txBody>
-            <a:bodyPr anchor="t" rtlCol="false" tIns="51409" lIns="51409" bIns="51409" rIns="51409"/>
+            <a:bodyPr lIns="51409" tIns="51409" rIns="51409" bIns="51409" rtlCol="0" anchor="t"/>
             <a:lstStyle/>
             <a:p>
               <a:pPr algn="ctr">
@@ -6828,6 +7094,15 @@
                   <a:spcPts val="3278"/>
                 </a:lnSpc>
               </a:pPr>
+              <a:endParaRPr lang="en-US" sz="4250" u="sng">
+                <a:solidFill>
+                  <a:srgbClr val="000000"/>
+                </a:solidFill>
+                <a:latin typeface="Calibri (MS)"/>
+                <a:ea typeface="Calibri (MS)"/>
+                <a:cs typeface="Calibri (MS)"/>
+                <a:sym typeface="Calibri (MS)"/>
+              </a:endParaRPr>
             </a:p>
             <a:p>
               <a:pPr algn="just">
@@ -6849,7 +7124,7 @@
               </a:r>
             </a:p>
             <a:p>
-              <a:pPr algn="just" marL="589920" indent="-294960" lvl="1">
+              <a:pPr marL="589920" lvl="1" indent="-294960" algn="just">
                 <a:lnSpc>
                   <a:spcPts val="3278"/>
                 </a:lnSpc>
@@ -6870,7 +7145,7 @@
               </a:r>
             </a:p>
             <a:p>
-              <a:pPr algn="just" marL="589920" indent="-294960" lvl="1">
+              <a:pPr marL="589920" lvl="1" indent="-294960" algn="just">
                 <a:lnSpc>
                   <a:spcPts val="3278"/>
                 </a:lnSpc>
@@ -6891,7 +7166,7 @@
               </a:r>
             </a:p>
             <a:p>
-              <a:pPr algn="just" marL="589920" indent="-294960" lvl="1">
+              <a:pPr marL="589920" lvl="1" indent="-294960" algn="just">
                 <a:lnSpc>
                   <a:spcPts val="3278"/>
                 </a:lnSpc>
@@ -6912,7 +7187,7 @@
               </a:r>
             </a:p>
             <a:p>
-              <a:pPr algn="just" marL="589920" indent="-294960" lvl="1">
+              <a:pPr marL="589920" lvl="1" indent="-294960" algn="just">
                 <a:lnSpc>
                   <a:spcPts val="3278"/>
                 </a:lnSpc>
@@ -6938,18 +7213,27 @@
                   <a:spcPts val="3278"/>
                 </a:lnSpc>
               </a:pPr>
+              <a:endParaRPr lang="en-US" sz="2732">
+                <a:solidFill>
+                  <a:srgbClr val="000000"/>
+                </a:solidFill>
+                <a:latin typeface="Calibri (MS)"/>
+                <a:ea typeface="Calibri (MS)"/>
+                <a:cs typeface="Calibri (MS)"/>
+                <a:sym typeface="Calibri (MS)"/>
+              </a:endParaRPr>
             </a:p>
           </p:txBody>
         </p:sp>
       </p:grpSp>
       <p:grpSp>
         <p:nvGrpSpPr>
-          <p:cNvPr name="Group 11" id="11"/>
+          <p:cNvPr id="11" name="Group 11"/>
           <p:cNvGrpSpPr/>
           <p:nvPr/>
         </p:nvGrpSpPr>
         <p:grpSpPr>
-          <a:xfrm rot="0">
+          <a:xfrm>
             <a:off x="391095" y="2837000"/>
             <a:ext cx="7784734" cy="6670401"/>
             <a:chOff x="0" y="0"/>
@@ -6958,12 +7242,12 @@
         </p:grpSpPr>
         <p:sp>
           <p:nvSpPr>
-            <p:cNvPr name="Freeform 12" id="12"/>
+            <p:cNvPr id="12" name="Freeform 12"/>
             <p:cNvSpPr/>
             <p:nvPr/>
           </p:nvSpPr>
           <p:spPr>
-            <a:xfrm flipH="false" flipV="false" rot="0">
+            <a:xfrm>
               <a:off x="13951" y="12700"/>
               <a:ext cx="9554396" cy="8185277"/>
             </a:xfrm>
@@ -6972,9 +7256,9 @@
               <a:gdLst/>
               <a:ahLst/>
               <a:cxnLst/>
-              <a:rect r="r" b="b" t="t" l="l"/>
+              <a:rect l="l" t="t" r="r" b="b"/>
               <a:pathLst>
-                <a:path h="8185277" w="9554396">
+                <a:path w="9554396" h="8185277">
                   <a:moveTo>
                     <a:pt x="0" y="892302"/>
                   </a:moveTo>
@@ -7015,15 +7299,22 @@
               <a:srgbClr val="FFFFFF"/>
             </a:solidFill>
           </p:spPr>
+          <p:txBody>
+            <a:bodyPr/>
+            <a:lstStyle/>
+            <a:p>
+              <a:endParaRPr lang="es-CL"/>
+            </a:p>
+          </p:txBody>
         </p:sp>
         <p:sp>
           <p:nvSpPr>
-            <p:cNvPr name="Freeform 13" id="13"/>
+            <p:cNvPr id="13" name="Freeform 13"/>
             <p:cNvSpPr/>
             <p:nvPr/>
           </p:nvSpPr>
           <p:spPr>
-            <a:xfrm flipH="false" flipV="false" rot="0">
+            <a:xfrm>
               <a:off x="0" y="0"/>
               <a:ext cx="9582293" cy="8210677"/>
             </a:xfrm>
@@ -7032,9 +7323,9 @@
               <a:gdLst/>
               <a:ahLst/>
               <a:cxnLst/>
-              <a:rect r="r" b="b" t="t" l="l"/>
+              <a:rect l="l" t="t" r="r" b="b"/>
               <a:pathLst>
-                <a:path h="8210677" w="9582293">
+                <a:path w="9582293" h="8210677">
                   <a:moveTo>
                     <a:pt x="0" y="905002"/>
                   </a:moveTo>
@@ -7161,11 +7452,18 @@
               <a:srgbClr val="4472C4"/>
             </a:solidFill>
           </p:spPr>
+          <p:txBody>
+            <a:bodyPr/>
+            <a:lstStyle/>
+            <a:p>
+              <a:endParaRPr lang="es-CL"/>
+            </a:p>
+          </p:txBody>
         </p:sp>
         <p:sp>
           <p:nvSpPr>
-            <p:cNvPr name="TextBox 14" id="14"/>
-            <p:cNvSpPr txBox="true"/>
+            <p:cNvPr id="14" name="TextBox 14"/>
+            <p:cNvSpPr txBox="1"/>
             <p:nvPr/>
           </p:nvSpPr>
           <p:spPr>
@@ -7178,7 +7476,7 @@
             </a:prstGeom>
           </p:spPr>
           <p:txBody>
-            <a:bodyPr anchor="t" rtlCol="false" tIns="55027" lIns="55027" bIns="55027" rIns="55027"/>
+            <a:bodyPr lIns="55027" tIns="55027" rIns="55027" bIns="55027" rtlCol="0" anchor="t"/>
             <a:lstStyle/>
             <a:p>
               <a:pPr algn="ctr">
@@ -7205,6 +7503,15 @@
                   <a:spcPts val="3509"/>
                 </a:lnSpc>
               </a:pPr>
+              <a:endParaRPr lang="en-US" sz="4549" u="sng">
+                <a:solidFill>
+                  <a:srgbClr val="000000"/>
+                </a:solidFill>
+                <a:latin typeface="Calibri (MS)"/>
+                <a:ea typeface="Calibri (MS)"/>
+                <a:cs typeface="Calibri (MS)"/>
+                <a:sym typeface="Calibri (MS)"/>
+              </a:endParaRPr>
             </a:p>
             <a:p>
               <a:pPr algn="just">
@@ -7238,11 +7545,11 @@
               </a:r>
             </a:p>
             <a:p>
-              <a:pPr algn="just" marL="631439" indent="-315720" lvl="1">
+              <a:pPr marL="631439" lvl="1" indent="-315720" algn="just">
                 <a:lnSpc>
                   <a:spcPts val="3509"/>
                 </a:lnSpc>
-                <a:buAutoNum type="arabicPeriod" startAt="1"/>
+                <a:buAutoNum type="arabicPeriod"/>
               </a:pPr>
               <a:r>
                 <a:rPr lang="en-US" sz="2924">
@@ -7258,11 +7565,11 @@
               </a:r>
             </a:p>
             <a:p>
-              <a:pPr algn="just" marL="631439" indent="-315720" lvl="1">
+              <a:pPr marL="631439" lvl="1" indent="-315720" algn="just">
                 <a:lnSpc>
                   <a:spcPts val="3509"/>
                 </a:lnSpc>
-                <a:buAutoNum type="arabicPeriod" startAt="1"/>
+                <a:buAutoNum type="arabicPeriod"/>
               </a:pPr>
               <a:r>
                 <a:rPr lang="en-US" sz="2924">
@@ -7278,11 +7585,11 @@
               </a:r>
             </a:p>
             <a:p>
-              <a:pPr algn="just" marL="631439" indent="-315720" lvl="1">
+              <a:pPr marL="631439" lvl="1" indent="-315720" algn="just">
                 <a:lnSpc>
                   <a:spcPts val="3509"/>
                 </a:lnSpc>
-                <a:buAutoNum type="arabicPeriod" startAt="1"/>
+                <a:buAutoNum type="arabicPeriod"/>
               </a:pPr>
               <a:r>
                 <a:rPr lang="en-US" sz="2924">
@@ -7302,12 +7609,12 @@
       </p:grpSp>
       <p:grpSp>
         <p:nvGrpSpPr>
-          <p:cNvPr name="Group 15" id="15"/>
+          <p:cNvPr id="15" name="Group 15"/>
           <p:cNvGrpSpPr/>
           <p:nvPr/>
         </p:nvGrpSpPr>
         <p:grpSpPr>
-          <a:xfrm rot="0">
+          <a:xfrm>
             <a:off x="8354446" y="5768050"/>
             <a:ext cx="1372630" cy="916225"/>
             <a:chOff x="0" y="0"/>
@@ -7316,12 +7623,12 @@
         </p:grpSpPr>
         <p:sp>
           <p:nvSpPr>
-            <p:cNvPr name="Freeform 16" id="16"/>
+            <p:cNvPr id="16" name="Freeform 16"/>
             <p:cNvSpPr/>
             <p:nvPr/>
           </p:nvSpPr>
           <p:spPr>
-            <a:xfrm flipH="false" flipV="false" rot="0">
+            <a:xfrm>
               <a:off x="12700" y="12700"/>
               <a:ext cx="2281174" cy="1514094"/>
             </a:xfrm>
@@ -7330,9 +7637,9 @@
               <a:gdLst/>
               <a:ahLst/>
               <a:cxnLst/>
-              <a:rect r="r" b="b" t="t" l="l"/>
+              <a:rect l="l" t="t" r="r" b="b"/>
               <a:pathLst>
-                <a:path h="1514094" w="2281174">
+                <a:path w="2281174" h="1514094">
                   <a:moveTo>
                     <a:pt x="0" y="378587"/>
                   </a:moveTo>
@@ -7362,15 +7669,22 @@
               <a:srgbClr val="4472C4"/>
             </a:solidFill>
           </p:spPr>
+          <p:txBody>
+            <a:bodyPr/>
+            <a:lstStyle/>
+            <a:p>
+              <a:endParaRPr lang="es-CL"/>
+            </a:p>
+          </p:txBody>
         </p:sp>
         <p:sp>
           <p:nvSpPr>
-            <p:cNvPr name="Freeform 17" id="17"/>
+            <p:cNvPr id="17" name="Freeform 17"/>
             <p:cNvSpPr/>
             <p:nvPr/>
           </p:nvSpPr>
           <p:spPr>
-            <a:xfrm flipH="false" flipV="false" rot="0">
+            <a:xfrm>
               <a:off x="0" y="-889"/>
               <a:ext cx="2306447" cy="1541399"/>
             </a:xfrm>
@@ -7379,9 +7693,9 @@
               <a:gdLst/>
               <a:ahLst/>
               <a:cxnLst/>
-              <a:rect r="r" b="b" t="t" l="l"/>
+              <a:rect l="l" t="t" r="r" b="b"/>
               <a:pathLst>
-                <a:path h="1541399" w="2306447">
+                <a:path w="2306447" h="1541399">
                   <a:moveTo>
                     <a:pt x="12700" y="379476"/>
                   </a:moveTo>
@@ -7530,6 +7844,13 @@
               <a:srgbClr val="172C51"/>
             </a:solidFill>
           </p:spPr>
+          <p:txBody>
+            <a:bodyPr/>
+            <a:lstStyle/>
+            <a:p>
+              <a:endParaRPr lang="es-CL"/>
+            </a:p>
+          </p:txBody>
         </p:sp>
       </p:grpSp>
     </p:spTree>
@@ -7537,14 +7858,14 @@
   <p:clrMapOvr>
     <a:masterClrMapping/>
   </p:clrMapOvr>
-  <p:transition spd="fast">
+  <p:transition>
     <p:fade/>
   </p:transition>
 </p:sld>
 </file>
 
 <file path=ppt/slides/slide4.xml><?xml version="1.0" encoding="utf-8"?>
-<p:sld xmlns:p="http://schemas.openxmlformats.org/presentationml/2006/main" xmlns:a="http://schemas.openxmlformats.org/drawingml/2006/main" xmlns:r="http://schemas.openxmlformats.org/officeDocument/2006/relationships">
+<p:sld xmlns:a="http://schemas.openxmlformats.org/drawingml/2006/main" xmlns:r="http://schemas.openxmlformats.org/officeDocument/2006/relationships" xmlns:p="http://schemas.openxmlformats.org/presentationml/2006/main">
   <p:cSld>
     <p:spTree>
       <p:nvGrpSpPr>
@@ -7562,14 +7883,14 @@
       </p:grpSpPr>
       <p:grpSp>
         <p:nvGrpSpPr>
-          <p:cNvPr name="Group 2" id="2"/>
+          <p:cNvPr id="2" name="Group 2"/>
           <p:cNvGrpSpPr>
-            <a:grpSpLocks noChangeAspect="true"/>
+            <a:grpSpLocks noChangeAspect="1"/>
           </p:cNvGrpSpPr>
           <p:nvPr/>
         </p:nvGrpSpPr>
         <p:grpSpPr>
-          <a:xfrm rot="0">
+          <a:xfrm>
             <a:off x="13158228" y="311325"/>
             <a:ext cx="4712109" cy="1178028"/>
             <a:chOff x="0" y="0"/>
@@ -7578,12 +7899,12 @@
         </p:grpSpPr>
         <p:sp>
           <p:nvSpPr>
-            <p:cNvPr name="Freeform 3" id="3" descr="EscuelaIT Duoc UC - Escuela de Informática y Telecomunicaciones Duoc UC - Duoc  UC | LinkedIn"/>
+            <p:cNvPr id="3" name="Freeform 3" descr="EscuelaIT Duoc UC - Escuela de Informática y Telecomunicaciones Duoc UC - Duoc  UC | LinkedIn"/>
             <p:cNvSpPr/>
             <p:nvPr/>
           </p:nvSpPr>
           <p:spPr>
-            <a:xfrm flipH="false" flipV="false" rot="0">
+            <a:xfrm>
               <a:off x="0" y="0"/>
               <a:ext cx="6282817" cy="1570736"/>
             </a:xfrm>
@@ -7592,9 +7913,9 @@
               <a:gdLst/>
               <a:ahLst/>
               <a:cxnLst/>
-              <a:rect r="r" b="b" t="t" l="l"/>
+              <a:rect l="l" t="t" r="r" b="b"/>
               <a:pathLst>
-                <a:path h="1570736" w="6282817">
+                <a:path w="6282817" h="1570736">
                   <a:moveTo>
                     <a:pt x="0" y="0"/>
                   </a:moveTo>
@@ -7617,20 +7938,27 @@
             <a:blipFill>
               <a:blip r:embed="rId2"/>
               <a:stretch>
-                <a:fillRect l="0" t="0" r="0" b="2"/>
+                <a:fillRect b="2"/>
               </a:stretch>
             </a:blipFill>
           </p:spPr>
+          <p:txBody>
+            <a:bodyPr/>
+            <a:lstStyle/>
+            <a:p>
+              <a:endParaRPr lang="es-CL"/>
+            </a:p>
+          </p:txBody>
         </p:sp>
       </p:grpSp>
       <p:sp>
         <p:nvSpPr>
-          <p:cNvPr name="TextBox 4" id="4"/>
-          <p:cNvSpPr txBox="true"/>
+          <p:cNvPr id="4" name="TextBox 4"/>
+          <p:cNvSpPr txBox="1"/>
           <p:nvPr/>
         </p:nvSpPr>
         <p:spPr>
-          <a:xfrm rot="0">
+          <a:xfrm>
             <a:off x="295722" y="541962"/>
             <a:ext cx="18105118" cy="466725"/>
           </a:xfrm>
@@ -7639,7 +7967,7 @@
           </a:prstGeom>
         </p:spPr>
         <p:txBody>
-          <a:bodyPr anchor="t" rtlCol="false" tIns="0" lIns="0" bIns="0" rIns="0">
+          <a:bodyPr lIns="0" tIns="0" rIns="0" bIns="0" rtlCol="0" anchor="t">
             <a:spAutoFit/>
           </a:bodyPr>
           <a:lstStyle/>
@@ -7666,12 +7994,12 @@
       </p:sp>
       <p:sp>
         <p:nvSpPr>
-          <p:cNvPr name="TextBox 5" id="5"/>
-          <p:cNvSpPr txBox="true"/>
+          <p:cNvPr id="5" name="TextBox 5"/>
+          <p:cNvSpPr txBox="1"/>
           <p:nvPr/>
         </p:nvSpPr>
         <p:spPr>
-          <a:xfrm rot="0">
+          <a:xfrm>
             <a:off x="91442" y="1489353"/>
             <a:ext cx="18105118" cy="933450"/>
           </a:xfrm>
@@ -7680,7 +8008,7 @@
           </a:prstGeom>
         </p:spPr>
         <p:txBody>
-          <a:bodyPr anchor="t" rtlCol="false" tIns="0" lIns="0" bIns="0" rIns="0">
+          <a:bodyPr lIns="0" tIns="0" rIns="0" bIns="0" rtlCol="0" anchor="t">
             <a:spAutoFit/>
           </a:bodyPr>
           <a:lstStyle/>
@@ -7691,7 +8019,7 @@
               </a:lnSpc>
             </a:pPr>
             <a:r>
-              <a:rPr lang="en-US" sz="5400" b="true">
+              <a:rPr lang="en-US" sz="5400" b="1">
                 <a:solidFill>
                   <a:srgbClr val="000000"/>
                 </a:solidFill>
@@ -7707,7 +8035,7 @@
       </p:sp>
       <p:sp>
         <p:nvSpPr>
-          <p:cNvPr name="AutoShape 6" id="6"/>
+          <p:cNvPr id="6" name="AutoShape 6"/>
           <p:cNvSpPr/>
           <p:nvPr/>
         </p:nvSpPr>
@@ -7719,24 +8047,31 @@
           <a:prstGeom prst="line">
             <a:avLst/>
           </a:prstGeom>
-          <a:ln cap="rnd" w="9525">
+          <a:ln w="9525" cap="rnd">
             <a:solidFill>
               <a:srgbClr val="000000"/>
             </a:solidFill>
             <a:prstDash val="solid"/>
-            <a:headEnd type="none" len="sm" w="sm"/>
-            <a:tailEnd type="none" len="sm" w="sm"/>
+            <a:headEnd type="none" w="sm" len="sm"/>
+            <a:tailEnd type="none" w="sm" len="sm"/>
           </a:ln>
         </p:spPr>
-      </p:sp>
-      <p:sp>
-        <p:nvSpPr>
-          <p:cNvPr name="TextBox 7" id="7"/>
-          <p:cNvSpPr txBox="true"/>
+        <p:txBody>
+          <a:bodyPr/>
+          <a:lstStyle/>
+          <a:p>
+            <a:endParaRPr lang="es-CL"/>
+          </a:p>
+        </p:txBody>
+      </p:sp>
+      <p:sp>
+        <p:nvSpPr>
+          <p:cNvPr id="7" name="TextBox 7"/>
+          <p:cNvSpPr txBox="1"/>
           <p:nvPr/>
         </p:nvSpPr>
         <p:spPr>
-          <a:xfrm rot="0">
+          <a:xfrm>
             <a:off x="91442" y="4820132"/>
             <a:ext cx="18105118" cy="933450"/>
           </a:xfrm>
@@ -7745,7 +8080,7 @@
           </a:prstGeom>
         </p:spPr>
         <p:txBody>
-          <a:bodyPr anchor="t" rtlCol="false" tIns="0" lIns="0" bIns="0" rIns="0">
+          <a:bodyPr lIns="0" tIns="0" rIns="0" bIns="0" rtlCol="0" anchor="t">
             <a:spAutoFit/>
           </a:bodyPr>
           <a:lstStyle/>
@@ -7756,7 +8091,7 @@
               </a:lnSpc>
             </a:pPr>
             <a:r>
-              <a:rPr lang="en-US" sz="5400" b="true">
+              <a:rPr lang="en-US" sz="5400" b="1">
                 <a:solidFill>
                   <a:srgbClr val="000000"/>
                 </a:solidFill>
@@ -7772,12 +8107,12 @@
       </p:sp>
       <p:grpSp>
         <p:nvGrpSpPr>
-          <p:cNvPr name="Group 8" id="8"/>
+          <p:cNvPr id="8" name="Group 8"/>
           <p:cNvGrpSpPr/>
           <p:nvPr/>
         </p:nvGrpSpPr>
         <p:grpSpPr>
-          <a:xfrm rot="0">
+          <a:xfrm>
             <a:off x="912246" y="2638430"/>
             <a:ext cx="16463500" cy="2238851"/>
             <a:chOff x="0" y="0"/>
@@ -7786,12 +8121,12 @@
         </p:grpSpPr>
         <p:sp>
           <p:nvSpPr>
-            <p:cNvPr name="Freeform 9" id="9"/>
+            <p:cNvPr id="9" name="Freeform 9"/>
             <p:cNvSpPr/>
             <p:nvPr/>
           </p:nvSpPr>
           <p:spPr>
-            <a:xfrm flipH="false" flipV="false" rot="0">
+            <a:xfrm>
               <a:off x="12700" y="11937"/>
               <a:ext cx="21925914" cy="2961305"/>
             </a:xfrm>
@@ -7800,9 +8135,9 @@
               <a:gdLst/>
               <a:ahLst/>
               <a:cxnLst/>
-              <a:rect r="r" b="b" t="t" l="l"/>
+              <a:rect l="l" t="t" r="r" b="b"/>
               <a:pathLst>
-                <a:path h="2961305" w="21925914">
+                <a:path w="21925914" h="2961305">
                   <a:moveTo>
                     <a:pt x="0" y="493611"/>
                   </a:moveTo>
@@ -7843,15 +8178,22 @@
               <a:srgbClr val="FFFFFF"/>
             </a:solidFill>
           </p:spPr>
+          <p:txBody>
+            <a:bodyPr/>
+            <a:lstStyle/>
+            <a:p>
+              <a:endParaRPr lang="es-CL"/>
+            </a:p>
+          </p:txBody>
         </p:sp>
         <p:sp>
           <p:nvSpPr>
-            <p:cNvPr name="Freeform 10" id="10"/>
+            <p:cNvPr id="10" name="Freeform 10"/>
             <p:cNvSpPr/>
             <p:nvPr/>
           </p:nvSpPr>
           <p:spPr>
-            <a:xfrm flipH="false" flipV="false" rot="0">
+            <a:xfrm>
               <a:off x="0" y="0"/>
               <a:ext cx="21951314" cy="2985182"/>
             </a:xfrm>
@@ -7860,9 +8202,9 @@
               <a:gdLst/>
               <a:ahLst/>
               <a:cxnLst/>
-              <a:rect r="r" b="b" t="t" l="l"/>
+              <a:rect l="l" t="t" r="r" b="b"/>
               <a:pathLst>
-                <a:path h="2985182" w="21951314">
+                <a:path w="21951314" h="2985182">
                   <a:moveTo>
                     <a:pt x="0" y="505548"/>
                   </a:moveTo>
@@ -7989,11 +8331,18 @@
               <a:srgbClr val="4472C4"/>
             </a:solidFill>
           </p:spPr>
+          <p:txBody>
+            <a:bodyPr/>
+            <a:lstStyle/>
+            <a:p>
+              <a:endParaRPr lang="es-CL"/>
+            </a:p>
+          </p:txBody>
         </p:sp>
         <p:sp>
           <p:nvSpPr>
-            <p:cNvPr name="TextBox 11" id="11"/>
-            <p:cNvSpPr txBox="true"/>
+            <p:cNvPr id="11" name="TextBox 11"/>
+            <p:cNvSpPr txBox="1"/>
             <p:nvPr/>
           </p:nvSpPr>
           <p:spPr>
@@ -8006,7 +8355,7 @@
             </a:prstGeom>
           </p:spPr>
           <p:txBody>
-            <a:bodyPr anchor="ctr" rtlCol="false" tIns="50800" lIns="50800" bIns="50800" rIns="50800"/>
+            <a:bodyPr lIns="50800" tIns="50800" rIns="50800" bIns="50800" rtlCol="0" anchor="ctr"/>
             <a:lstStyle/>
             <a:p>
               <a:pPr algn="just">
@@ -8024,19 +8373,7 @@
                   <a:cs typeface="Open Sans"/>
                   <a:sym typeface="Open Sans"/>
                 </a:rPr>
-                <a:t>G</a:t>
-              </a:r>
-              <a:r>
-                <a:rPr lang="en-US" sz="2700">
-                  <a:solidFill>
-                    <a:srgbClr val="000000"/>
-                  </a:solidFill>
-                  <a:latin typeface="Open Sans"/>
-                  <a:ea typeface="Open Sans"/>
-                  <a:cs typeface="Open Sans"/>
-                  <a:sym typeface="Open Sans"/>
-                </a:rPr>
-                <a:t>arantizar un acceso seguro, rápido y confiable a los gimnasios de Gym Health mediante reconocimiento facial, reduciendo costos y eliminando la dependencia de proveedores externos.</a:t>
+                <a:t>Garantizar un acceso seguro, rápido y confiable a los gimnasios de Gym Health mediante reconocimiento facial, reduciendo costos y eliminando la dependencia de proveedores externos.</a:t>
               </a:r>
             </a:p>
           </p:txBody>
@@ -8044,12 +8381,12 @@
       </p:grpSp>
       <p:grpSp>
         <p:nvGrpSpPr>
-          <p:cNvPr name="Group 12" id="12"/>
+          <p:cNvPr id="12" name="Group 12"/>
           <p:cNvGrpSpPr/>
           <p:nvPr/>
         </p:nvGrpSpPr>
         <p:grpSpPr>
-          <a:xfrm rot="0">
+          <a:xfrm>
             <a:off x="936592" y="5789610"/>
             <a:ext cx="17284685" cy="4304202"/>
             <a:chOff x="0" y="0"/>
@@ -8058,12 +8395,12 @@
         </p:grpSpPr>
         <p:sp>
           <p:nvSpPr>
-            <p:cNvPr name="Freeform 13" id="13"/>
+            <p:cNvPr id="13" name="Freeform 13"/>
             <p:cNvSpPr/>
             <p:nvPr/>
           </p:nvSpPr>
           <p:spPr>
-            <a:xfrm flipH="false" flipV="false" rot="0">
+            <a:xfrm>
               <a:off x="12700" y="21859"/>
               <a:ext cx="21925914" cy="5422646"/>
             </a:xfrm>
@@ -8072,9 +8409,9 @@
               <a:gdLst/>
               <a:ahLst/>
               <a:cxnLst/>
-              <a:rect r="r" b="b" t="t" l="l"/>
+              <a:rect l="l" t="t" r="r" b="b"/>
               <a:pathLst>
-                <a:path h="5422646" w="21925914">
+                <a:path w="21925914" h="5422646">
                   <a:moveTo>
                     <a:pt x="0" y="903884"/>
                   </a:moveTo>
@@ -8115,15 +8452,22 @@
               <a:srgbClr val="FFFFFF"/>
             </a:solidFill>
           </p:spPr>
+          <p:txBody>
+            <a:bodyPr/>
+            <a:lstStyle/>
+            <a:p>
+              <a:endParaRPr lang="es-CL"/>
+            </a:p>
+          </p:txBody>
         </p:sp>
         <p:sp>
           <p:nvSpPr>
-            <p:cNvPr name="Freeform 14" id="14"/>
+            <p:cNvPr id="14" name="Freeform 14"/>
             <p:cNvSpPr/>
             <p:nvPr/>
           </p:nvSpPr>
           <p:spPr>
-            <a:xfrm flipH="false" flipV="false" rot="0">
+            <a:xfrm>
               <a:off x="0" y="0"/>
               <a:ext cx="21951314" cy="5466330"/>
             </a:xfrm>
@@ -8132,9 +8476,9 @@
               <a:gdLst/>
               <a:ahLst/>
               <a:cxnLst/>
-              <a:rect r="r" b="b" t="t" l="l"/>
+              <a:rect l="l" t="t" r="r" b="b"/>
               <a:pathLst>
-                <a:path h="5466330" w="21951314">
+                <a:path w="21951314" h="5466330">
                   <a:moveTo>
                     <a:pt x="0" y="925743"/>
                   </a:moveTo>
@@ -8261,11 +8605,18 @@
               <a:srgbClr val="4472C4"/>
             </a:solidFill>
           </p:spPr>
+          <p:txBody>
+            <a:bodyPr/>
+            <a:lstStyle/>
+            <a:p>
+              <a:endParaRPr lang="es-CL"/>
+            </a:p>
+          </p:txBody>
         </p:sp>
         <p:sp>
           <p:nvSpPr>
-            <p:cNvPr name="TextBox 15" id="15"/>
-            <p:cNvSpPr txBox="true"/>
+            <p:cNvPr id="15" name="TextBox 15"/>
+            <p:cNvSpPr txBox="1"/>
             <p:nvPr/>
           </p:nvSpPr>
           <p:spPr>
@@ -8278,10 +8629,10 @@
             </a:prstGeom>
           </p:spPr>
           <p:txBody>
-            <a:bodyPr anchor="ctr" rtlCol="false" tIns="53334" lIns="53334" bIns="53334" rIns="53334"/>
+            <a:bodyPr lIns="53334" tIns="53334" rIns="53334" bIns="53334" rtlCol="0" anchor="ctr"/>
             <a:lstStyle/>
             <a:p>
-              <a:pPr algn="just" marL="612004" indent="-306002" lvl="1">
+              <a:pPr marL="612004" lvl="1" indent="-306002" algn="just">
                 <a:lnSpc>
                   <a:spcPts val="5726"/>
                 </a:lnSpc>
@@ -8298,23 +8649,11 @@
                   <a:cs typeface="Open Sans"/>
                   <a:sym typeface="Open Sans"/>
                 </a:rPr>
-                <a:t>Lo</a:t>
-              </a:r>
-              <a:r>
-                <a:rPr lang="en-US" sz="2834">
-                  <a:solidFill>
-                    <a:srgbClr val="000000"/>
-                  </a:solidFill>
-                  <a:latin typeface="Open Sans"/>
-                  <a:ea typeface="Open Sans"/>
-                  <a:cs typeface="Open Sans"/>
-                  <a:sym typeface="Open Sans"/>
-                </a:rPr>
-                <a:t>grar que socios y colaboradores puedan entrar en menos de 2 segundos con solo su rostro.</a:t>
+                <a:t>Lograr que socios y colaboradores puedan entrar en menos de 2 segundos con solo su rostro.</a:t>
               </a:r>
             </a:p>
             <a:p>
-              <a:pPr algn="just" marL="612004" indent="-306002" lvl="1">
+              <a:pPr marL="612004" lvl="1" indent="-306002" algn="just">
                 <a:lnSpc>
                   <a:spcPts val="5726"/>
                 </a:lnSpc>
@@ -8335,7 +8674,7 @@
               </a:r>
             </a:p>
             <a:p>
-              <a:pPr algn="just" marL="612004" indent="-306002" lvl="1">
+              <a:pPr marL="612004" lvl="1" indent="-306002" algn="just">
                 <a:lnSpc>
                   <a:spcPts val="5726"/>
                 </a:lnSpc>
@@ -8352,23 +8691,11 @@
                   <a:cs typeface="Open Sans"/>
                   <a:sym typeface="Open Sans"/>
                 </a:rPr>
-                <a:t>P</a:t>
-              </a:r>
-              <a:r>
-                <a:rPr lang="en-US" sz="2834">
-                  <a:solidFill>
-                    <a:srgbClr val="000000"/>
-                  </a:solidFill>
-                  <a:latin typeface="Open Sans"/>
-                  <a:ea typeface="Open Sans"/>
-                  <a:cs typeface="Open Sans"/>
-                  <a:sym typeface="Open Sans"/>
-                </a:rPr>
-                <a:t>ermitir que el gimnasio defina sus propias reglas de acceso (por horarios, tipos de usuarios o membresías).</a:t>
+                <a:t>Permitir que el gimnasio defina sus propias reglas de acceso (por horarios, tipos de usuarios o membresías).</a:t>
               </a:r>
             </a:p>
             <a:p>
-              <a:pPr algn="just" marL="612004" indent="-306002" lvl="1">
+              <a:pPr marL="612004" lvl="1" indent="-306002" algn="just">
                 <a:lnSpc>
                   <a:spcPts val="5726"/>
                 </a:lnSpc>
@@ -8385,19 +8712,7 @@
                   <a:cs typeface="Open Sans"/>
                   <a:sym typeface="Open Sans"/>
                 </a:rPr>
-                <a:t>M</a:t>
-              </a:r>
-              <a:r>
-                <a:rPr lang="en-US" sz="2834">
-                  <a:solidFill>
-                    <a:srgbClr val="000000"/>
-                  </a:solidFill>
-                  <a:latin typeface="Open Sans"/>
-                  <a:ea typeface="Open Sans"/>
-                  <a:cs typeface="Open Sans"/>
-                  <a:sym typeface="Open Sans"/>
-                </a:rPr>
-                <a:t>antener un registro automático de todos los accesos, para tener trazabilidad clara y confiable.</a:t>
+                <a:t>Mantener un registro automático de todos los accesos, para tener trazabilidad clara y confiable.</a:t>
               </a:r>
             </a:p>
           </p:txBody>
@@ -8408,14 +8723,14 @@
   <p:clrMapOvr>
     <a:masterClrMapping/>
   </p:clrMapOvr>
-  <p:transition spd="fast">
+  <p:transition>
     <p:fade/>
   </p:transition>
 </p:sld>
 </file>
 
 <file path=ppt/slides/slide5.xml><?xml version="1.0" encoding="utf-8"?>
-<p:sld xmlns:p="http://schemas.openxmlformats.org/presentationml/2006/main" xmlns:a="http://schemas.openxmlformats.org/drawingml/2006/main" xmlns:r="http://schemas.openxmlformats.org/officeDocument/2006/relationships">
+<p:sld xmlns:a="http://schemas.openxmlformats.org/drawingml/2006/main" xmlns:r="http://schemas.openxmlformats.org/officeDocument/2006/relationships" xmlns:p="http://schemas.openxmlformats.org/presentationml/2006/main">
   <p:cSld>
     <p:spTree>
       <p:nvGrpSpPr>
@@ -8433,14 +8748,14 @@
       </p:grpSpPr>
       <p:grpSp>
         <p:nvGrpSpPr>
-          <p:cNvPr name="Group 2" id="2"/>
+          <p:cNvPr id="2" name="Group 2"/>
           <p:cNvGrpSpPr>
-            <a:grpSpLocks noChangeAspect="true"/>
+            <a:grpSpLocks noChangeAspect="1"/>
           </p:cNvGrpSpPr>
           <p:nvPr/>
         </p:nvGrpSpPr>
         <p:grpSpPr>
-          <a:xfrm rot="0">
+          <a:xfrm>
             <a:off x="13158228" y="311325"/>
             <a:ext cx="4712109" cy="1178028"/>
             <a:chOff x="0" y="0"/>
@@ -8449,12 +8764,12 @@
         </p:grpSpPr>
         <p:sp>
           <p:nvSpPr>
-            <p:cNvPr name="Freeform 3" id="3" descr="EscuelaIT Duoc UC - Escuela de Informática y Telecomunicaciones Duoc UC - Duoc  UC | LinkedIn"/>
+            <p:cNvPr id="3" name="Freeform 3" descr="EscuelaIT Duoc UC - Escuela de Informática y Telecomunicaciones Duoc UC - Duoc  UC | LinkedIn"/>
             <p:cNvSpPr/>
             <p:nvPr/>
           </p:nvSpPr>
           <p:spPr>
-            <a:xfrm flipH="false" flipV="false" rot="0">
+            <a:xfrm>
               <a:off x="0" y="0"/>
               <a:ext cx="6282817" cy="1570736"/>
             </a:xfrm>
@@ -8463,9 +8778,9 @@
               <a:gdLst/>
               <a:ahLst/>
               <a:cxnLst/>
-              <a:rect r="r" b="b" t="t" l="l"/>
+              <a:rect l="l" t="t" r="r" b="b"/>
               <a:pathLst>
-                <a:path h="1570736" w="6282817">
+                <a:path w="6282817" h="1570736">
                   <a:moveTo>
                     <a:pt x="0" y="0"/>
                   </a:moveTo>
@@ -8488,20 +8803,27 @@
             <a:blipFill>
               <a:blip r:embed="rId3"/>
               <a:stretch>
-                <a:fillRect l="0" t="0" r="0" b="2"/>
+                <a:fillRect b="2"/>
               </a:stretch>
             </a:blipFill>
           </p:spPr>
+          <p:txBody>
+            <a:bodyPr/>
+            <a:lstStyle/>
+            <a:p>
+              <a:endParaRPr lang="es-CL"/>
+            </a:p>
+          </p:txBody>
         </p:sp>
       </p:grpSp>
       <p:sp>
         <p:nvSpPr>
-          <p:cNvPr name="TextBox 4" id="4"/>
-          <p:cNvSpPr txBox="true"/>
+          <p:cNvPr id="4" name="TextBox 4"/>
+          <p:cNvSpPr txBox="1"/>
           <p:nvPr/>
         </p:nvSpPr>
         <p:spPr>
-          <a:xfrm rot="0">
+          <a:xfrm>
             <a:off x="295722" y="541962"/>
             <a:ext cx="18105118" cy="466725"/>
           </a:xfrm>
@@ -8510,7 +8832,7 @@
           </a:prstGeom>
         </p:spPr>
         <p:txBody>
-          <a:bodyPr anchor="t" rtlCol="false" tIns="0" lIns="0" bIns="0" rIns="0">
+          <a:bodyPr lIns="0" tIns="0" rIns="0" bIns="0" rtlCol="0" anchor="t">
             <a:spAutoFit/>
           </a:bodyPr>
           <a:lstStyle/>
@@ -8537,12 +8859,12 @@
       </p:sp>
       <p:sp>
         <p:nvSpPr>
-          <p:cNvPr name="TextBox 5" id="5"/>
-          <p:cNvSpPr txBox="true"/>
+          <p:cNvPr id="5" name="TextBox 5"/>
+          <p:cNvSpPr txBox="1"/>
           <p:nvPr/>
         </p:nvSpPr>
         <p:spPr>
-          <a:xfrm rot="0">
+          <a:xfrm>
             <a:off x="91441" y="1489353"/>
             <a:ext cx="18105118" cy="933450"/>
           </a:xfrm>
@@ -8551,7 +8873,7 @@
           </a:prstGeom>
         </p:spPr>
         <p:txBody>
-          <a:bodyPr anchor="t" rtlCol="false" tIns="0" lIns="0" bIns="0" rIns="0">
+          <a:bodyPr lIns="0" tIns="0" rIns="0" bIns="0" rtlCol="0" anchor="t">
             <a:spAutoFit/>
           </a:bodyPr>
           <a:lstStyle/>
@@ -8562,7 +8884,7 @@
               </a:lnSpc>
             </a:pPr>
             <a:r>
-              <a:rPr lang="en-US" sz="5400" b="true">
+              <a:rPr lang="en-US" sz="5400" b="1">
                 <a:solidFill>
                   <a:srgbClr val="000000"/>
                 </a:solidFill>
@@ -8578,7 +8900,7 @@
       </p:sp>
       <p:sp>
         <p:nvSpPr>
-          <p:cNvPr name="AutoShape 6" id="6"/>
+          <p:cNvPr id="6" name="AutoShape 6"/>
           <p:cNvSpPr/>
           <p:nvPr/>
         </p:nvSpPr>
@@ -8590,24 +8912,31 @@
           <a:prstGeom prst="line">
             <a:avLst/>
           </a:prstGeom>
-          <a:ln cap="rnd" w="9525">
+          <a:ln w="9525" cap="rnd">
             <a:solidFill>
               <a:srgbClr val="000000"/>
             </a:solidFill>
             <a:prstDash val="solid"/>
-            <a:headEnd type="none" len="sm" w="sm"/>
-            <a:tailEnd type="none" len="sm" w="sm"/>
+            <a:headEnd type="none" w="sm" len="sm"/>
+            <a:tailEnd type="none" w="sm" len="sm"/>
           </a:ln>
         </p:spPr>
-      </p:sp>
-      <p:sp>
-        <p:nvSpPr>
-          <p:cNvPr name="TextBox 7" id="7"/>
-          <p:cNvSpPr txBox="true"/>
+        <p:txBody>
+          <a:bodyPr/>
+          <a:lstStyle/>
+          <a:p>
+            <a:endParaRPr lang="es-CL"/>
+          </a:p>
+        </p:txBody>
+      </p:sp>
+      <p:sp>
+        <p:nvSpPr>
+          <p:cNvPr id="7" name="TextBox 7"/>
+          <p:cNvSpPr txBox="1"/>
           <p:nvPr/>
         </p:nvSpPr>
         <p:spPr>
-          <a:xfrm rot="0">
+          <a:xfrm>
             <a:off x="718987" y="2529335"/>
             <a:ext cx="16850025" cy="9581515"/>
           </a:xfrm>
@@ -8616,7 +8945,7 @@
           </a:prstGeom>
         </p:spPr>
         <p:txBody>
-          <a:bodyPr anchor="t" rtlCol="false" tIns="0" lIns="0" bIns="0" rIns="0">
+          <a:bodyPr lIns="0" tIns="0" rIns="0" bIns="0" rtlCol="0" anchor="t">
             <a:spAutoFit/>
           </a:bodyPr>
           <a:lstStyle/>
@@ -8640,7 +8969,7 @@
             </a:r>
           </a:p>
           <a:p>
-            <a:pPr algn="just" marL="734059" indent="-367030" lvl="1">
+            <a:pPr marL="734059" lvl="1" indent="-367030" algn="just">
               <a:lnSpc>
                 <a:spcPts val="4759"/>
               </a:lnSpc>
@@ -8661,7 +8990,7 @@
             </a:r>
           </a:p>
           <a:p>
-            <a:pPr algn="just" marL="734059" indent="-367030" lvl="1">
+            <a:pPr marL="734059" lvl="1" indent="-367030" algn="just">
               <a:lnSpc>
                 <a:spcPts val="4759"/>
               </a:lnSpc>
@@ -8682,7 +9011,7 @@
             </a:r>
           </a:p>
           <a:p>
-            <a:pPr algn="just" marL="734059" indent="-367030" lvl="1">
+            <a:pPr marL="734059" lvl="1" indent="-367030" algn="just">
               <a:lnSpc>
                 <a:spcPts val="4759"/>
               </a:lnSpc>
@@ -8708,6 +9037,15 @@
                 <a:spcPts val="4759"/>
               </a:lnSpc>
             </a:pPr>
+            <a:endParaRPr lang="en-US" sz="3399">
+              <a:solidFill>
+                <a:srgbClr val="000000"/>
+              </a:solidFill>
+              <a:latin typeface="Open Sans"/>
+              <a:ea typeface="Open Sans"/>
+              <a:cs typeface="Open Sans"/>
+              <a:sym typeface="Open Sans"/>
+            </a:endParaRPr>
           </a:p>
           <a:p>
             <a:pPr algn="just">
@@ -8716,7 +9054,7 @@
               </a:lnSpc>
             </a:pPr>
             <a:r>
-              <a:rPr lang="en-US" b="true" sz="3399">
+              <a:rPr lang="en-US" sz="3399" b="1">
                 <a:solidFill>
                   <a:srgbClr val="000000"/>
                 </a:solidFill>
@@ -8734,13 +9072,22 @@
                 <a:spcPts val="4759"/>
               </a:lnSpc>
             </a:pPr>
-          </a:p>
-          <a:p>
-            <a:pPr algn="just" marL="734059" indent="-367030" lvl="1">
+            <a:endParaRPr lang="en-US" sz="3399" b="1">
+              <a:solidFill>
+                <a:srgbClr val="000000"/>
+              </a:solidFill>
+              <a:latin typeface="Open Sans Bold"/>
+              <a:ea typeface="Open Sans Bold"/>
+              <a:cs typeface="Open Sans Bold"/>
+              <a:sym typeface="Open Sans Bold"/>
+            </a:endParaRPr>
+          </a:p>
+          <a:p>
+            <a:pPr marL="734059" lvl="1" indent="-367030" algn="just">
               <a:lnSpc>
                 <a:spcPts val="4759"/>
               </a:lnSpc>
-              <a:buAutoNum type="arabicPeriod" startAt="1"/>
+              <a:buAutoNum type="arabicPeriod"/>
             </a:pPr>
             <a:r>
               <a:rPr lang="en-US" sz="3399">
@@ -8756,11 +9103,11 @@
             </a:r>
           </a:p>
           <a:p>
-            <a:pPr algn="just" marL="734059" indent="-367030" lvl="1">
+            <a:pPr marL="734059" lvl="1" indent="-367030" algn="just">
               <a:lnSpc>
                 <a:spcPts val="4759"/>
               </a:lnSpc>
-              <a:buAutoNum type="arabicPeriod" startAt="1"/>
+              <a:buAutoNum type="arabicPeriod"/>
             </a:pPr>
             <a:r>
               <a:rPr lang="en-US" sz="3399">
@@ -8776,11 +9123,11 @@
             </a:r>
           </a:p>
           <a:p>
-            <a:pPr algn="just" marL="734059" indent="-367030" lvl="1">
+            <a:pPr marL="734059" lvl="1" indent="-367030" algn="just">
               <a:lnSpc>
                 <a:spcPts val="4759"/>
               </a:lnSpc>
-              <a:buAutoNum type="arabicPeriod" startAt="1"/>
+              <a:buAutoNum type="arabicPeriod"/>
             </a:pPr>
             <a:r>
               <a:rPr lang="en-US" sz="3399">
@@ -8801,6 +9148,15 @@
                 <a:spcPts val="4759"/>
               </a:lnSpc>
             </a:pPr>
+            <a:endParaRPr lang="en-US" sz="3399">
+              <a:solidFill>
+                <a:srgbClr val="000000"/>
+              </a:solidFill>
+              <a:latin typeface="Open Sans"/>
+              <a:ea typeface="Open Sans"/>
+              <a:cs typeface="Open Sans"/>
+              <a:sym typeface="Open Sans"/>
+            </a:endParaRPr>
           </a:p>
           <a:p>
             <a:pPr algn="just">
@@ -8808,6 +9164,15 @@
                 <a:spcPts val="4759"/>
               </a:lnSpc>
             </a:pPr>
+            <a:endParaRPr lang="en-US" sz="3399">
+              <a:solidFill>
+                <a:srgbClr val="000000"/>
+              </a:solidFill>
+              <a:latin typeface="Open Sans"/>
+              <a:ea typeface="Open Sans"/>
+              <a:cs typeface="Open Sans"/>
+              <a:sym typeface="Open Sans"/>
+            </a:endParaRPr>
           </a:p>
           <a:p>
             <a:pPr algn="just">
@@ -8815,6 +9180,15 @@
                 <a:spcPts val="4759"/>
               </a:lnSpc>
             </a:pPr>
+            <a:endParaRPr lang="en-US" sz="3399">
+              <a:solidFill>
+                <a:srgbClr val="000000"/>
+              </a:solidFill>
+              <a:latin typeface="Open Sans"/>
+              <a:ea typeface="Open Sans"/>
+              <a:cs typeface="Open Sans"/>
+              <a:sym typeface="Open Sans"/>
+            </a:endParaRPr>
           </a:p>
           <a:p>
             <a:pPr algn="just">
@@ -8822,6 +9196,15 @@
                 <a:spcPts val="4759"/>
               </a:lnSpc>
             </a:pPr>
+            <a:endParaRPr lang="en-US" sz="3399">
+              <a:solidFill>
+                <a:srgbClr val="000000"/>
+              </a:solidFill>
+              <a:latin typeface="Open Sans"/>
+              <a:ea typeface="Open Sans"/>
+              <a:cs typeface="Open Sans"/>
+              <a:sym typeface="Open Sans"/>
+            </a:endParaRPr>
           </a:p>
         </p:txBody>
       </p:sp>
@@ -8830,14 +9213,14 @@
   <p:clrMapOvr>
     <a:masterClrMapping/>
   </p:clrMapOvr>
-  <p:transition spd="fast">
+  <p:transition>
     <p:fade/>
   </p:transition>
 </p:sld>
 </file>
 
 <file path=ppt/slides/slide6.xml><?xml version="1.0" encoding="utf-8"?>
-<p:sld xmlns:p="http://schemas.openxmlformats.org/presentationml/2006/main" xmlns:a="http://schemas.openxmlformats.org/drawingml/2006/main" xmlns:r="http://schemas.openxmlformats.org/officeDocument/2006/relationships">
+<p:sld xmlns:a="http://schemas.openxmlformats.org/drawingml/2006/main" xmlns:r="http://schemas.openxmlformats.org/officeDocument/2006/relationships" xmlns:p="http://schemas.openxmlformats.org/presentationml/2006/main">
   <p:cSld>
     <p:spTree>
       <p:nvGrpSpPr>
@@ -8855,14 +9238,14 @@
       </p:grpSpPr>
       <p:grpSp>
         <p:nvGrpSpPr>
-          <p:cNvPr name="Group 2" id="2"/>
+          <p:cNvPr id="2" name="Group 2"/>
           <p:cNvGrpSpPr>
-            <a:grpSpLocks noChangeAspect="true"/>
+            <a:grpSpLocks noChangeAspect="1"/>
           </p:cNvGrpSpPr>
           <p:nvPr/>
         </p:nvGrpSpPr>
         <p:grpSpPr>
-          <a:xfrm rot="0">
+          <a:xfrm>
             <a:off x="13158228" y="311325"/>
             <a:ext cx="4712109" cy="1178028"/>
             <a:chOff x="0" y="0"/>
@@ -8871,12 +9254,12 @@
         </p:grpSpPr>
         <p:sp>
           <p:nvSpPr>
-            <p:cNvPr name="Freeform 3" id="3" descr="EscuelaIT Duoc UC - Escuela de Informática y Telecomunicaciones Duoc UC - Duoc  UC | LinkedIn"/>
+            <p:cNvPr id="3" name="Freeform 3" descr="EscuelaIT Duoc UC - Escuela de Informática y Telecomunicaciones Duoc UC - Duoc  UC | LinkedIn"/>
             <p:cNvSpPr/>
             <p:nvPr/>
           </p:nvSpPr>
           <p:spPr>
-            <a:xfrm flipH="false" flipV="false" rot="0">
+            <a:xfrm>
               <a:off x="0" y="0"/>
               <a:ext cx="6282817" cy="1570736"/>
             </a:xfrm>
@@ -8885,9 +9268,9 @@
               <a:gdLst/>
               <a:ahLst/>
               <a:cxnLst/>
-              <a:rect r="r" b="b" t="t" l="l"/>
+              <a:rect l="l" t="t" r="r" b="b"/>
               <a:pathLst>
-                <a:path h="1570736" w="6282817">
+                <a:path w="6282817" h="1570736">
                   <a:moveTo>
                     <a:pt x="0" y="0"/>
                   </a:moveTo>
@@ -8910,15 +9293,22 @@
             <a:blipFill>
               <a:blip r:embed="rId3"/>
               <a:stretch>
-                <a:fillRect l="0" t="0" r="0" b="2"/>
+                <a:fillRect b="2"/>
               </a:stretch>
             </a:blipFill>
           </p:spPr>
+          <p:txBody>
+            <a:bodyPr/>
+            <a:lstStyle/>
+            <a:p>
+              <a:endParaRPr lang="es-CL"/>
+            </a:p>
+          </p:txBody>
         </p:sp>
       </p:grpSp>
       <p:sp>
         <p:nvSpPr>
-          <p:cNvPr name="AutoShape 4" id="4"/>
+          <p:cNvPr id="4" name="AutoShape 4"/>
           <p:cNvSpPr/>
           <p:nvPr/>
         </p:nvSpPr>
@@ -8930,24 +9320,31 @@
           <a:prstGeom prst="line">
             <a:avLst/>
           </a:prstGeom>
-          <a:ln cap="rnd" w="9525">
+          <a:ln w="9525" cap="rnd">
             <a:solidFill>
               <a:srgbClr val="000000"/>
             </a:solidFill>
             <a:prstDash val="solid"/>
-            <a:headEnd type="none" len="sm" w="sm"/>
-            <a:tailEnd type="none" len="sm" w="sm"/>
+            <a:headEnd type="none" w="sm" len="sm"/>
+            <a:tailEnd type="none" w="sm" len="sm"/>
           </a:ln>
         </p:spPr>
-      </p:sp>
-      <p:sp>
-        <p:nvSpPr>
-          <p:cNvPr name="Freeform 5" id="5"/>
+        <p:txBody>
+          <a:bodyPr/>
+          <a:lstStyle/>
+          <a:p>
+            <a:endParaRPr lang="es-CL"/>
+          </a:p>
+        </p:txBody>
+      </p:sp>
+      <p:sp>
+        <p:nvSpPr>
+          <p:cNvPr id="5" name="Freeform 5"/>
           <p:cNvSpPr/>
           <p:nvPr/>
         </p:nvSpPr>
         <p:spPr>
-          <a:xfrm flipH="false" flipV="false" rot="0">
+          <a:xfrm>
             <a:off x="1532706" y="2808872"/>
             <a:ext cx="6641254" cy="5530353"/>
           </a:xfrm>
@@ -8956,9 +9353,9 @@
             <a:gdLst/>
             <a:ahLst/>
             <a:cxnLst/>
-            <a:rect r="r" b="b" t="t" l="l"/>
+            <a:rect l="l" t="t" r="r" b="b"/>
             <a:pathLst>
-              <a:path h="5530353" w="6641254">
+              <a:path w="6641254" h="5530353">
                 <a:moveTo>
                   <a:pt x="0" y="0"/>
                 </a:moveTo>
@@ -8981,19 +9378,26 @@
           <a:blipFill>
             <a:blip r:embed="rId4"/>
             <a:stretch>
-              <a:fillRect l="0" t="0" r="0" b="0"/>
+              <a:fillRect/>
             </a:stretch>
           </a:blipFill>
         </p:spPr>
-      </p:sp>
-      <p:sp>
-        <p:nvSpPr>
-          <p:cNvPr name="TextBox 6" id="6"/>
-          <p:cNvSpPr txBox="true"/>
+        <p:txBody>
+          <a:bodyPr/>
+          <a:lstStyle/>
+          <a:p>
+            <a:endParaRPr lang="es-CL"/>
+          </a:p>
+        </p:txBody>
+      </p:sp>
+      <p:sp>
+        <p:nvSpPr>
+          <p:cNvPr id="6" name="TextBox 6"/>
+          <p:cNvSpPr txBox="1"/>
           <p:nvPr/>
         </p:nvSpPr>
         <p:spPr>
-          <a:xfrm rot="0">
+          <a:xfrm>
             <a:off x="295722" y="541962"/>
             <a:ext cx="18105118" cy="466725"/>
           </a:xfrm>
@@ -9002,7 +9406,7 @@
           </a:prstGeom>
         </p:spPr>
         <p:txBody>
-          <a:bodyPr anchor="t" rtlCol="false" tIns="0" lIns="0" bIns="0" rIns="0">
+          <a:bodyPr lIns="0" tIns="0" rIns="0" bIns="0" rtlCol="0" anchor="t">
             <a:spAutoFit/>
           </a:bodyPr>
           <a:lstStyle/>
@@ -9029,12 +9433,12 @@
       </p:sp>
       <p:sp>
         <p:nvSpPr>
-          <p:cNvPr name="TextBox 7" id="7"/>
-          <p:cNvSpPr txBox="true"/>
+          <p:cNvPr id="7" name="TextBox 7"/>
+          <p:cNvSpPr txBox="1"/>
           <p:nvPr/>
         </p:nvSpPr>
         <p:spPr>
-          <a:xfrm rot="0">
+          <a:xfrm>
             <a:off x="91441" y="1158472"/>
             <a:ext cx="18105118" cy="933450"/>
           </a:xfrm>
@@ -9043,7 +9447,7 @@
           </a:prstGeom>
         </p:spPr>
         <p:txBody>
-          <a:bodyPr anchor="t" rtlCol="false" tIns="0" lIns="0" bIns="0" rIns="0">
+          <a:bodyPr lIns="0" tIns="0" rIns="0" bIns="0" rtlCol="0" anchor="t">
             <a:spAutoFit/>
           </a:bodyPr>
           <a:lstStyle/>
@@ -9054,7 +9458,7 @@
               </a:lnSpc>
             </a:pPr>
             <a:r>
-              <a:rPr lang="en-US" sz="5400" b="true">
+              <a:rPr lang="en-US" sz="5400" b="1">
                 <a:solidFill>
                   <a:srgbClr val="000000"/>
                 </a:solidFill>
@@ -9070,12 +9474,12 @@
       </p:sp>
       <p:sp>
         <p:nvSpPr>
-          <p:cNvPr name="TextBox 8" id="8"/>
-          <p:cNvSpPr txBox="true"/>
+          <p:cNvPr id="8" name="TextBox 8"/>
+          <p:cNvSpPr txBox="1"/>
           <p:nvPr/>
         </p:nvSpPr>
         <p:spPr>
-          <a:xfrm rot="0">
+          <a:xfrm>
             <a:off x="8463044" y="3132035"/>
             <a:ext cx="8625614" cy="3000375"/>
           </a:xfrm>
@@ -9084,7 +9488,7 @@
           </a:prstGeom>
         </p:spPr>
         <p:txBody>
-          <a:bodyPr anchor="t" rtlCol="false" tIns="0" lIns="0" bIns="0" rIns="0">
+          <a:bodyPr lIns="0" tIns="0" rIns="0" bIns="0" rtlCol="0" anchor="t">
             <a:spAutoFit/>
           </a:bodyPr>
           <a:lstStyle/>
@@ -9114,7 +9518,7 @@
               </a:lnSpc>
             </a:pPr>
             <a:r>
-              <a:rPr lang="en-US" sz="2799" b="true">
+              <a:rPr lang="en-US" sz="2799" b="1">
                 <a:solidFill>
                   <a:srgbClr val="000000"/>
                 </a:solidFill>
@@ -9127,7 +9531,7 @@
             </a:r>
           </a:p>
           <a:p>
-            <a:pPr algn="just" marL="604519" indent="-302260" lvl="1">
+            <a:pPr marL="604519" lvl="1" indent="-302260" algn="just">
               <a:lnSpc>
                 <a:spcPts val="3359"/>
               </a:lnSpc>
@@ -9135,7 +9539,7 @@
               <a:buChar char="•"/>
             </a:pPr>
             <a:r>
-              <a:rPr lang="en-US" b="true" sz="2799">
+              <a:rPr lang="en-US" sz="2799" b="1">
                 <a:solidFill>
                   <a:srgbClr val="000000"/>
                 </a:solidFill>
@@ -9160,7 +9564,7 @@
             </a:r>
           </a:p>
           <a:p>
-            <a:pPr algn="just" marL="604519" indent="-302260" lvl="1">
+            <a:pPr marL="604519" lvl="1" indent="-302260" algn="just">
               <a:lnSpc>
                 <a:spcPts val="3359"/>
               </a:lnSpc>
@@ -9168,7 +9572,7 @@
               <a:buChar char="•"/>
             </a:pPr>
             <a:r>
-              <a:rPr lang="en-US" b="true" sz="2799">
+              <a:rPr lang="en-US" sz="2799" b="1">
                 <a:solidFill>
                   <a:srgbClr val="000000"/>
                 </a:solidFill>
@@ -9201,17 +9605,26 @@
                 <a:spcPct val="0"/>
               </a:spcBef>
             </a:pPr>
-          </a:p>
-        </p:txBody>
-      </p:sp>
-      <p:sp>
-        <p:nvSpPr>
-          <p:cNvPr name="TextBox 9" id="9"/>
-          <p:cNvSpPr txBox="true"/>
+            <a:endParaRPr lang="en-US" sz="2799">
+              <a:solidFill>
+                <a:srgbClr val="000000"/>
+              </a:solidFill>
+              <a:latin typeface="Calibri (MS)"/>
+              <a:ea typeface="Calibri (MS)"/>
+              <a:cs typeface="Calibri (MS)"/>
+              <a:sym typeface="Calibri (MS)"/>
+            </a:endParaRPr>
+          </a:p>
+        </p:txBody>
+      </p:sp>
+      <p:sp>
+        <p:nvSpPr>
+          <p:cNvPr id="9" name="TextBox 9"/>
+          <p:cNvSpPr txBox="1"/>
           <p:nvPr/>
         </p:nvSpPr>
         <p:spPr>
-          <a:xfrm rot="0">
+          <a:xfrm>
             <a:off x="8633769" y="6234200"/>
             <a:ext cx="4524459" cy="2105025"/>
           </a:xfrm>
@@ -9220,7 +9633,7 @@
           </a:prstGeom>
         </p:spPr>
         <p:txBody>
-          <a:bodyPr anchor="t" rtlCol="false" tIns="0" lIns="0" bIns="0" rIns="0">
+          <a:bodyPr lIns="0" tIns="0" rIns="0" bIns="0" rtlCol="0" anchor="t">
             <a:spAutoFit/>
           </a:bodyPr>
           <a:lstStyle/>
@@ -9234,7 +9647,7 @@
               </a:spcBef>
             </a:pPr>
             <a:r>
-              <a:rPr lang="en-US" b="true" sz="2700">
+              <a:rPr lang="en-US" sz="2700" b="1">
                 <a:solidFill>
                   <a:srgbClr val="000000"/>
                 </a:solidFill>
@@ -9247,7 +9660,7 @@
             </a:r>
           </a:p>
           <a:p>
-            <a:pPr algn="l" marL="582930" indent="-291465" lvl="1">
+            <a:pPr marL="582930" lvl="1" indent="-291465" algn="l">
               <a:lnSpc>
                 <a:spcPts val="3240"/>
               </a:lnSpc>
@@ -9268,7 +9681,7 @@
             </a:r>
           </a:p>
           <a:p>
-            <a:pPr algn="l" marL="582930" indent="-291465" lvl="1">
+            <a:pPr marL="582930" lvl="1" indent="-291465" algn="l">
               <a:lnSpc>
                 <a:spcPts val="3240"/>
               </a:lnSpc>
@@ -9289,7 +9702,7 @@
             </a:r>
           </a:p>
           <a:p>
-            <a:pPr algn="l" marL="582930" indent="-291465" lvl="1">
+            <a:pPr marL="582930" lvl="1" indent="-291465" algn="l">
               <a:lnSpc>
                 <a:spcPts val="3240"/>
               </a:lnSpc>
@@ -9310,7 +9723,7 @@
             </a:r>
           </a:p>
           <a:p>
-            <a:pPr algn="l" marL="582930" indent="-291465" lvl="1">
+            <a:pPr marL="582930" lvl="1" indent="-291465" algn="l">
               <a:lnSpc>
                 <a:spcPts val="3240"/>
               </a:lnSpc>
@@ -9337,14 +9750,14 @@
   <p:clrMapOvr>
     <a:masterClrMapping/>
   </p:clrMapOvr>
-  <p:transition spd="fast">
+  <p:transition>
     <p:fade/>
   </p:transition>
 </p:sld>
 </file>
 
 <file path=ppt/slides/slide7.xml><?xml version="1.0" encoding="utf-8"?>
-<p:sld xmlns:p="http://schemas.openxmlformats.org/presentationml/2006/main" xmlns:a="http://schemas.openxmlformats.org/drawingml/2006/main" xmlns:r="http://schemas.openxmlformats.org/officeDocument/2006/relationships">
+<p:sld xmlns:a="http://schemas.openxmlformats.org/drawingml/2006/main" xmlns:r="http://schemas.openxmlformats.org/officeDocument/2006/relationships" xmlns:p="http://schemas.openxmlformats.org/presentationml/2006/main">
   <p:cSld>
     <p:spTree>
       <p:nvGrpSpPr>
@@ -9362,14 +9775,14 @@
       </p:grpSpPr>
       <p:grpSp>
         <p:nvGrpSpPr>
-          <p:cNvPr name="Group 2" id="2"/>
+          <p:cNvPr id="2" name="Group 2"/>
           <p:cNvGrpSpPr>
-            <a:grpSpLocks noChangeAspect="true"/>
+            <a:grpSpLocks noChangeAspect="1"/>
           </p:cNvGrpSpPr>
           <p:nvPr/>
         </p:nvGrpSpPr>
         <p:grpSpPr>
-          <a:xfrm rot="0">
+          <a:xfrm>
             <a:off x="13158228" y="311325"/>
             <a:ext cx="4712109" cy="1178028"/>
             <a:chOff x="0" y="0"/>
@@ -9378,12 +9791,12 @@
         </p:grpSpPr>
         <p:sp>
           <p:nvSpPr>
-            <p:cNvPr name="Freeform 3" id="3" descr="EscuelaIT Duoc UC - Escuela de Informática y Telecomunicaciones Duoc UC - Duoc  UC | LinkedIn"/>
+            <p:cNvPr id="3" name="Freeform 3" descr="EscuelaIT Duoc UC - Escuela de Informática y Telecomunicaciones Duoc UC - Duoc  UC | LinkedIn"/>
             <p:cNvSpPr/>
             <p:nvPr/>
           </p:nvSpPr>
           <p:spPr>
-            <a:xfrm flipH="false" flipV="false" rot="0">
+            <a:xfrm>
               <a:off x="0" y="0"/>
               <a:ext cx="6282817" cy="1570736"/>
             </a:xfrm>
@@ -9392,9 +9805,9 @@
               <a:gdLst/>
               <a:ahLst/>
               <a:cxnLst/>
-              <a:rect r="r" b="b" t="t" l="l"/>
+              <a:rect l="l" t="t" r="r" b="b"/>
               <a:pathLst>
-                <a:path h="1570736" w="6282817">
+                <a:path w="6282817" h="1570736">
                   <a:moveTo>
                     <a:pt x="0" y="0"/>
                   </a:moveTo>
@@ -9417,20 +9830,27 @@
             <a:blipFill>
               <a:blip r:embed="rId2"/>
               <a:stretch>
-                <a:fillRect l="0" t="0" r="0" b="2"/>
+                <a:fillRect b="2"/>
               </a:stretch>
             </a:blipFill>
           </p:spPr>
+          <p:txBody>
+            <a:bodyPr/>
+            <a:lstStyle/>
+            <a:p>
+              <a:endParaRPr lang="es-CL"/>
+            </a:p>
+          </p:txBody>
         </p:sp>
       </p:grpSp>
       <p:sp>
         <p:nvSpPr>
-          <p:cNvPr name="TextBox 4" id="4"/>
-          <p:cNvSpPr txBox="true"/>
+          <p:cNvPr id="4" name="TextBox 4"/>
+          <p:cNvSpPr txBox="1"/>
           <p:nvPr/>
         </p:nvSpPr>
         <p:spPr>
-          <a:xfrm rot="0">
+          <a:xfrm>
             <a:off x="295722" y="541962"/>
             <a:ext cx="18105118" cy="466725"/>
           </a:xfrm>
@@ -9439,7 +9859,7 @@
           </a:prstGeom>
         </p:spPr>
         <p:txBody>
-          <a:bodyPr anchor="t" rtlCol="false" tIns="0" lIns="0" bIns="0" rIns="0">
+          <a:bodyPr lIns="0" tIns="0" rIns="0" bIns="0" rtlCol="0" anchor="t">
             <a:spAutoFit/>
           </a:bodyPr>
           <a:lstStyle/>
@@ -9466,12 +9886,12 @@
       </p:sp>
       <p:sp>
         <p:nvSpPr>
-          <p:cNvPr name="TextBox 5" id="5"/>
-          <p:cNvSpPr txBox="true"/>
+          <p:cNvPr id="5" name="TextBox 5"/>
+          <p:cNvSpPr txBox="1"/>
           <p:nvPr/>
         </p:nvSpPr>
         <p:spPr>
-          <a:xfrm rot="0">
+          <a:xfrm>
             <a:off x="91441" y="1664904"/>
             <a:ext cx="18105118" cy="1295400"/>
           </a:xfrm>
@@ -9480,7 +9900,7 @@
           </a:prstGeom>
         </p:spPr>
         <p:txBody>
-          <a:bodyPr anchor="t" rtlCol="false" tIns="0" lIns="0" bIns="0" rIns="0">
+          <a:bodyPr lIns="0" tIns="0" rIns="0" bIns="0" rtlCol="0" anchor="t">
             <a:spAutoFit/>
           </a:bodyPr>
           <a:lstStyle/>
@@ -9491,7 +9911,7 @@
               </a:lnSpc>
             </a:pPr>
             <a:r>
-              <a:rPr lang="en-US" sz="5400" b="true">
+              <a:rPr lang="en-US" sz="5400" b="1">
                 <a:solidFill>
                   <a:srgbClr val="000000"/>
                 </a:solidFill>
@@ -9510,7 +9930,7 @@
               </a:lnSpc>
             </a:pPr>
             <a:r>
-              <a:rPr lang="en-US" sz="2400" b="true">
+              <a:rPr lang="en-US" sz="2400" b="1">
                 <a:solidFill>
                   <a:srgbClr val="767171"/>
                 </a:solidFill>
@@ -9526,7 +9946,7 @@
       </p:sp>
       <p:sp>
         <p:nvSpPr>
-          <p:cNvPr name="AutoShape 6" id="6"/>
+          <p:cNvPr id="6" name="AutoShape 6"/>
           <p:cNvSpPr/>
           <p:nvPr/>
         </p:nvSpPr>
@@ -9538,24 +9958,31 @@
           <a:prstGeom prst="line">
             <a:avLst/>
           </a:prstGeom>
-          <a:ln cap="rnd" w="9525">
+          <a:ln w="9525" cap="rnd">
             <a:solidFill>
               <a:srgbClr val="000000"/>
             </a:solidFill>
             <a:prstDash val="solid"/>
-            <a:headEnd type="none" len="sm" w="sm"/>
-            <a:tailEnd type="none" len="sm" w="sm"/>
+            <a:headEnd type="none" w="sm" len="sm"/>
+            <a:tailEnd type="none" w="sm" len="sm"/>
           </a:ln>
         </p:spPr>
-      </p:sp>
-      <p:sp>
-        <p:nvSpPr>
-          <p:cNvPr name="TextBox 7" id="7"/>
-          <p:cNvSpPr txBox="true"/>
+        <p:txBody>
+          <a:bodyPr/>
+          <a:lstStyle/>
+          <a:p>
+            <a:endParaRPr lang="es-CL"/>
+          </a:p>
+        </p:txBody>
+      </p:sp>
+      <p:sp>
+        <p:nvSpPr>
+          <p:cNvPr id="7" name="TextBox 7"/>
+          <p:cNvSpPr txBox="1"/>
           <p:nvPr/>
         </p:nvSpPr>
         <p:spPr>
-          <a:xfrm rot="0">
+          <a:xfrm>
             <a:off x="6757670" y="4652327"/>
             <a:ext cx="4772660" cy="887095"/>
           </a:xfrm>
@@ -9564,7 +9991,7 @@
           </a:prstGeom>
         </p:spPr>
         <p:txBody>
-          <a:bodyPr anchor="t" rtlCol="false" tIns="0" lIns="0" bIns="0" rIns="0">
+          <a:bodyPr lIns="0" tIns="0" rIns="0" bIns="0" rtlCol="0" anchor="t">
             <a:spAutoFit/>
           </a:bodyPr>
           <a:lstStyle/>
@@ -9575,7 +10002,7 @@
               </a:lnSpc>
             </a:pPr>
             <a:r>
-              <a:rPr lang="en-US" b="true" sz="5199" u="sng">
+              <a:rPr lang="en-US" sz="5199" b="1" u="sng">
                 <a:solidFill>
                   <a:srgbClr val="FF66C4"/>
                 </a:solidFill>
@@ -9588,7 +10015,7 @@
               <a:t>Sto</a:t>
             </a:r>
             <a:r>
-              <a:rPr lang="en-US" b="true" sz="5199" u="sng">
+              <a:rPr lang="en-US" sz="5199" b="1" u="sng">
                 <a:solidFill>
                   <a:srgbClr val="FF66C4"/>
                 </a:solidFill>
@@ -9596,7 +10023,7 @@
                 <a:ea typeface="Open Sans Bold"/>
                 <a:cs typeface="Open Sans Bold"/>
                 <a:sym typeface="Open Sans Bold"/>
-                <a:hlinkClick r:id="rId4" tooltip="https://www.figma.com/board/8Z2cUuRJ3NruiQrJNNLYBd/Story-mapping--Community-?node-id=0-1&amp;t=ycIdNjXkUkiOYhXb-1"/>
+                <a:hlinkClick r:id="rId3" tooltip="https://www.figma.com/board/8Z2cUuRJ3NruiQrJNNLYBd/Story-mapping--Community-?node-id=0-1&amp;t=ycIdNjXkUkiOYhXb-1"/>
               </a:rPr>
               <a:t>ry Mapping</a:t>
             </a:r>
@@ -9608,14 +10035,14 @@
   <p:clrMapOvr>
     <a:masterClrMapping/>
   </p:clrMapOvr>
-  <p:transition spd="fast">
+  <p:transition>
     <p:fade/>
   </p:transition>
 </p:sld>
 </file>
 
 <file path=ppt/slides/slide8.xml><?xml version="1.0" encoding="utf-8"?>
-<p:sld xmlns:p="http://schemas.openxmlformats.org/presentationml/2006/main" xmlns:a="http://schemas.openxmlformats.org/drawingml/2006/main" xmlns:r="http://schemas.openxmlformats.org/officeDocument/2006/relationships">
+<p:sld xmlns:a="http://schemas.openxmlformats.org/drawingml/2006/main" xmlns:r="http://schemas.openxmlformats.org/officeDocument/2006/relationships" xmlns:p="http://schemas.openxmlformats.org/presentationml/2006/main">
   <p:cSld>
     <p:spTree>
       <p:nvGrpSpPr>
@@ -9633,14 +10060,14 @@
       </p:grpSpPr>
       <p:grpSp>
         <p:nvGrpSpPr>
-          <p:cNvPr name="Group 2" id="2"/>
+          <p:cNvPr id="2" name="Group 2"/>
           <p:cNvGrpSpPr>
-            <a:grpSpLocks noChangeAspect="true"/>
+            <a:grpSpLocks noChangeAspect="1"/>
           </p:cNvGrpSpPr>
           <p:nvPr/>
         </p:nvGrpSpPr>
         <p:grpSpPr>
-          <a:xfrm rot="0">
+          <a:xfrm>
             <a:off x="13158228" y="311325"/>
             <a:ext cx="4712109" cy="1178028"/>
             <a:chOff x="0" y="0"/>
@@ -9649,12 +10076,12 @@
         </p:grpSpPr>
         <p:sp>
           <p:nvSpPr>
-            <p:cNvPr name="Freeform 3" id="3" descr="EscuelaIT Duoc UC - Escuela de Informática y Telecomunicaciones Duoc UC - Duoc  UC | LinkedIn"/>
+            <p:cNvPr id="3" name="Freeform 3" descr="EscuelaIT Duoc UC - Escuela de Informática y Telecomunicaciones Duoc UC - Duoc  UC | LinkedIn"/>
             <p:cNvSpPr/>
             <p:nvPr/>
           </p:nvSpPr>
           <p:spPr>
-            <a:xfrm flipH="false" flipV="false" rot="0">
+            <a:xfrm>
               <a:off x="0" y="0"/>
               <a:ext cx="6282817" cy="1570736"/>
             </a:xfrm>
@@ -9663,9 +10090,9 @@
               <a:gdLst/>
               <a:ahLst/>
               <a:cxnLst/>
-              <a:rect r="r" b="b" t="t" l="l"/>
+              <a:rect l="l" t="t" r="r" b="b"/>
               <a:pathLst>
-                <a:path h="1570736" w="6282817">
+                <a:path w="6282817" h="1570736">
                   <a:moveTo>
                     <a:pt x="0" y="0"/>
                   </a:moveTo>
@@ -9688,15 +10115,22 @@
             <a:blipFill>
               <a:blip r:embed="rId2"/>
               <a:stretch>
-                <a:fillRect l="0" t="0" r="0" b="2"/>
+                <a:fillRect b="2"/>
               </a:stretch>
             </a:blipFill>
           </p:spPr>
+          <p:txBody>
+            <a:bodyPr/>
+            <a:lstStyle/>
+            <a:p>
+              <a:endParaRPr lang="es-CL"/>
+            </a:p>
+          </p:txBody>
         </p:sp>
       </p:grpSp>
       <p:sp>
         <p:nvSpPr>
-          <p:cNvPr name="AutoShape 4" id="4"/>
+          <p:cNvPr id="4" name="AutoShape 4"/>
           <p:cNvSpPr/>
           <p:nvPr/>
         </p:nvSpPr>
@@ -9708,24 +10142,31 @@
           <a:prstGeom prst="line">
             <a:avLst/>
           </a:prstGeom>
-          <a:ln cap="rnd" w="9525">
+          <a:ln w="9525" cap="rnd">
             <a:solidFill>
               <a:srgbClr val="000000"/>
             </a:solidFill>
             <a:prstDash val="solid"/>
-            <a:headEnd type="none" len="sm" w="sm"/>
-            <a:tailEnd type="none" len="sm" w="sm"/>
+            <a:headEnd type="none" w="sm" len="sm"/>
+            <a:tailEnd type="none" w="sm" len="sm"/>
           </a:ln>
         </p:spPr>
-      </p:sp>
-      <p:sp>
-        <p:nvSpPr>
-          <p:cNvPr name="Freeform 5" id="5"/>
+        <p:txBody>
+          <a:bodyPr/>
+          <a:lstStyle/>
+          <a:p>
+            <a:endParaRPr lang="es-CL"/>
+          </a:p>
+        </p:txBody>
+      </p:sp>
+      <p:sp>
+        <p:nvSpPr>
+          <p:cNvPr id="5" name="Freeform 5"/>
           <p:cNvSpPr/>
           <p:nvPr/>
         </p:nvSpPr>
         <p:spPr>
-          <a:xfrm flipH="false" flipV="false" rot="0">
+          <a:xfrm>
             <a:off x="4118836" y="1957791"/>
             <a:ext cx="10050327" cy="8329209"/>
           </a:xfrm>
@@ -9734,9 +10175,9 @@
             <a:gdLst/>
             <a:ahLst/>
             <a:cxnLst/>
-            <a:rect r="r" b="b" t="t" l="l"/>
+            <a:rect l="l" t="t" r="r" b="b"/>
             <a:pathLst>
-              <a:path h="8329209" w="10050327">
+              <a:path w="10050327" h="8329209">
                 <a:moveTo>
                   <a:pt x="0" y="0"/>
                 </a:moveTo>
@@ -9759,19 +10200,26 @@
           <a:blipFill>
             <a:blip r:embed="rId3"/>
             <a:stretch>
-              <a:fillRect l="0" t="0" r="0" b="0"/>
+              <a:fillRect/>
             </a:stretch>
           </a:blipFill>
         </p:spPr>
-      </p:sp>
-      <p:sp>
-        <p:nvSpPr>
-          <p:cNvPr name="TextBox 6" id="6"/>
-          <p:cNvSpPr txBox="true"/>
+        <p:txBody>
+          <a:bodyPr/>
+          <a:lstStyle/>
+          <a:p>
+            <a:endParaRPr lang="es-CL"/>
+          </a:p>
+        </p:txBody>
+      </p:sp>
+      <p:sp>
+        <p:nvSpPr>
+          <p:cNvPr id="6" name="TextBox 6"/>
+          <p:cNvSpPr txBox="1"/>
           <p:nvPr/>
         </p:nvSpPr>
         <p:spPr>
-          <a:xfrm rot="0">
+          <a:xfrm>
             <a:off x="-11906" y="1039409"/>
             <a:ext cx="18105118" cy="933450"/>
           </a:xfrm>
@@ -9780,7 +10228,7 @@
           </a:prstGeom>
         </p:spPr>
         <p:txBody>
-          <a:bodyPr anchor="t" rtlCol="false" tIns="0" lIns="0" bIns="0" rIns="0">
+          <a:bodyPr lIns="0" tIns="0" rIns="0" bIns="0" rtlCol="0" anchor="t">
             <a:spAutoFit/>
           </a:bodyPr>
           <a:lstStyle/>
@@ -9791,7 +10239,7 @@
               </a:lnSpc>
             </a:pPr>
             <a:r>
-              <a:rPr lang="en-US" sz="5400" b="true">
+              <a:rPr lang="en-US" sz="5400" b="1">
                 <a:solidFill>
                   <a:srgbClr val="000000"/>
                 </a:solidFill>
@@ -9807,12 +10255,12 @@
       </p:sp>
       <p:sp>
         <p:nvSpPr>
-          <p:cNvPr name="TextBox 7" id="7"/>
-          <p:cNvSpPr txBox="true"/>
+          <p:cNvPr id="7" name="TextBox 7"/>
+          <p:cNvSpPr txBox="1"/>
           <p:nvPr/>
         </p:nvSpPr>
         <p:spPr>
-          <a:xfrm rot="0">
+          <a:xfrm>
             <a:off x="295722" y="541962"/>
             <a:ext cx="18105118" cy="466725"/>
           </a:xfrm>
@@ -9821,7 +10269,7 @@
           </a:prstGeom>
         </p:spPr>
         <p:txBody>
-          <a:bodyPr anchor="t" rtlCol="false" tIns="0" lIns="0" bIns="0" rIns="0">
+          <a:bodyPr lIns="0" tIns="0" rIns="0" bIns="0" rtlCol="0" anchor="t">
             <a:spAutoFit/>
           </a:bodyPr>
           <a:lstStyle/>
@@ -9851,14 +10299,14 @@
   <p:clrMapOvr>
     <a:masterClrMapping/>
   </p:clrMapOvr>
-  <p:transition spd="fast">
+  <p:transition>
     <p:fade/>
   </p:transition>
 </p:sld>
 </file>
 
 <file path=ppt/slides/slide9.xml><?xml version="1.0" encoding="utf-8"?>
-<p:sld xmlns:p="http://schemas.openxmlformats.org/presentationml/2006/main" xmlns:a="http://schemas.openxmlformats.org/drawingml/2006/main" xmlns:r="http://schemas.openxmlformats.org/officeDocument/2006/relationships">
+<p:sld xmlns:a="http://schemas.openxmlformats.org/drawingml/2006/main" xmlns:r="http://schemas.openxmlformats.org/officeDocument/2006/relationships" xmlns:p="http://schemas.openxmlformats.org/presentationml/2006/main">
   <p:cSld>
     <p:spTree>
       <p:nvGrpSpPr>
@@ -9876,14 +10324,14 @@
       </p:grpSpPr>
       <p:grpSp>
         <p:nvGrpSpPr>
-          <p:cNvPr name="Group 2" id="2"/>
+          <p:cNvPr id="2" name="Group 2"/>
           <p:cNvGrpSpPr>
-            <a:grpSpLocks noChangeAspect="true"/>
+            <a:grpSpLocks noChangeAspect="1"/>
           </p:cNvGrpSpPr>
           <p:nvPr/>
         </p:nvGrpSpPr>
         <p:grpSpPr>
-          <a:xfrm rot="0">
+          <a:xfrm>
             <a:off x="13158228" y="311325"/>
             <a:ext cx="4712109" cy="1178028"/>
             <a:chOff x="0" y="0"/>
@@ -9892,12 +10340,12 @@
         </p:grpSpPr>
         <p:sp>
           <p:nvSpPr>
-            <p:cNvPr name="Freeform 3" id="3" descr="EscuelaIT Duoc UC - Escuela de Informática y Telecomunicaciones Duoc UC - Duoc  UC | LinkedIn"/>
+            <p:cNvPr id="3" name="Freeform 3" descr="EscuelaIT Duoc UC - Escuela de Informática y Telecomunicaciones Duoc UC - Duoc  UC | LinkedIn"/>
             <p:cNvSpPr/>
             <p:nvPr/>
           </p:nvSpPr>
           <p:spPr>
-            <a:xfrm flipH="false" flipV="false" rot="0">
+            <a:xfrm>
               <a:off x="0" y="0"/>
               <a:ext cx="6282817" cy="1570736"/>
             </a:xfrm>
@@ -9906,9 +10354,9 @@
               <a:gdLst/>
               <a:ahLst/>
               <a:cxnLst/>
-              <a:rect r="r" b="b" t="t" l="l"/>
+              <a:rect l="l" t="t" r="r" b="b"/>
               <a:pathLst>
-                <a:path h="1570736" w="6282817">
+                <a:path w="6282817" h="1570736">
                   <a:moveTo>
                     <a:pt x="0" y="0"/>
                   </a:moveTo>
@@ -9931,20 +10379,27 @@
             <a:blipFill>
               <a:blip r:embed="rId2"/>
               <a:stretch>
-                <a:fillRect l="0" t="0" r="0" b="2"/>
+                <a:fillRect b="2"/>
               </a:stretch>
             </a:blipFill>
           </p:spPr>
+          <p:txBody>
+            <a:bodyPr/>
+            <a:lstStyle/>
+            <a:p>
+              <a:endParaRPr lang="es-CL"/>
+            </a:p>
+          </p:txBody>
         </p:sp>
       </p:grpSp>
       <p:sp>
         <p:nvSpPr>
-          <p:cNvPr name="Freeform 4" id="4"/>
+          <p:cNvPr id="4" name="Freeform 4"/>
           <p:cNvSpPr/>
           <p:nvPr/>
         </p:nvSpPr>
         <p:spPr>
-          <a:xfrm flipH="false" flipV="false" rot="0">
+          <a:xfrm>
             <a:off x="3165579" y="1489353"/>
             <a:ext cx="11956842" cy="7413242"/>
           </a:xfrm>
@@ -9953,9 +10408,9 @@
             <a:gdLst/>
             <a:ahLst/>
             <a:cxnLst/>
-            <a:rect r="r" b="b" t="t" l="l"/>
+            <a:rect l="l" t="t" r="r" b="b"/>
             <a:pathLst>
-              <a:path h="7413242" w="11956842">
+              <a:path w="11956842" h="7413242">
                 <a:moveTo>
                   <a:pt x="0" y="0"/>
                 </a:moveTo>
@@ -9978,19 +10433,26 @@
           <a:blipFill>
             <a:blip r:embed="rId3"/>
             <a:stretch>
-              <a:fillRect l="0" t="0" r="0" b="0"/>
+              <a:fillRect/>
             </a:stretch>
           </a:blipFill>
         </p:spPr>
-      </p:sp>
-      <p:sp>
-        <p:nvSpPr>
-          <p:cNvPr name="TextBox 5" id="5"/>
-          <p:cNvSpPr txBox="true"/>
+        <p:txBody>
+          <a:bodyPr/>
+          <a:lstStyle/>
+          <a:p>
+            <a:endParaRPr lang="es-CL"/>
+          </a:p>
+        </p:txBody>
+      </p:sp>
+      <p:sp>
+        <p:nvSpPr>
+          <p:cNvPr id="5" name="TextBox 5"/>
+          <p:cNvSpPr txBox="1"/>
           <p:nvPr/>
         </p:nvSpPr>
         <p:spPr>
-          <a:xfrm rot="0">
+          <a:xfrm>
             <a:off x="91441" y="5398417"/>
             <a:ext cx="18105118" cy="1143000"/>
           </a:xfrm>
@@ -9999,7 +10461,7 @@
           </a:prstGeom>
         </p:spPr>
         <p:txBody>
-          <a:bodyPr anchor="t" rtlCol="false" tIns="0" lIns="0" bIns="0" rIns="0">
+          <a:bodyPr lIns="0" tIns="0" rIns="0" bIns="0" rtlCol="0" anchor="t">
             <a:spAutoFit/>
           </a:bodyPr>
           <a:lstStyle/>
@@ -10010,7 +10472,7 @@
               </a:lnSpc>
             </a:pPr>
             <a:r>
-              <a:rPr lang="en-US" sz="6600" b="true">
+              <a:rPr lang="en-US" sz="6600" b="1">
                 <a:solidFill>
                   <a:srgbClr val="000000"/>
                 </a:solidFill>
@@ -10029,7 +10491,7 @@
   <p:clrMapOvr>
     <a:masterClrMapping/>
   </p:clrMapOvr>
-  <p:transition spd="fast">
+  <p:transition>
     <p:fade/>
   </p:transition>
 </p:sld>
